--- a/diagrams/Stock Trends ETL Process.pptx
+++ b/diagrams/Stock Trends ETL Process.pptx
@@ -6,6 +6,9 @@
   </p:sldMasterIdLst>
   <p:sldIdLst>
     <p:sldId id="257" r:id="rId2"/>
+    <p:sldId id="258" r:id="rId3"/>
+    <p:sldId id="259" r:id="rId4"/>
+    <p:sldId id="260" r:id="rId5"/>
   </p:sldIdLst>
   <p:sldSz cx="12192000" cy="6858000"/>
   <p:notesSz cx="6858000" cy="9144000"/>
@@ -104,6 +107,11 @@
       </a:defRPr>
     </a:lvl9pPr>
   </p:defaultTextStyle>
+  <p:extLst>
+    <p:ext uri="{EFAFB233-063F-42B5-8137-9DF3F51BA10A}">
+      <p15:sldGuideLst xmlns:p15="http://schemas.microsoft.com/office/powerpoint/2012/main"/>
+    </p:ext>
+  </p:extLst>
 </p:presentation>
 </file>
 
@@ -7071,6 +7079,280 @@
 </p:sld>
 </file>
 
+<file path=ppt/slides/slide2.xml><?xml version="1.0" encoding="utf-8"?>
+<p:sld xmlns:a="http://schemas.openxmlformats.org/drawingml/2006/main" xmlns:r="http://schemas.openxmlformats.org/officeDocument/2006/relationships" xmlns:p="http://schemas.openxmlformats.org/presentationml/2006/main">
+  <p:cSld>
+    <p:spTree>
+      <p:nvGrpSpPr>
+        <p:cNvPr id="1" name=""/>
+        <p:cNvGrpSpPr/>
+        <p:nvPr/>
+      </p:nvGrpSpPr>
+      <p:grpSpPr>
+        <a:xfrm>
+          <a:off x="0" y="0"/>
+          <a:ext cx="0" cy="0"/>
+          <a:chOff x="0" y="0"/>
+          <a:chExt cx="0" cy="0"/>
+        </a:xfrm>
+      </p:grpSpPr>
+      <p:sp>
+        <p:nvSpPr>
+          <p:cNvPr id="2" name="Title 1">
+            <a:extLst>
+              <a:ext uri="{FF2B5EF4-FFF2-40B4-BE49-F238E27FC236}">
+                <a16:creationId xmlns:a16="http://schemas.microsoft.com/office/drawing/2014/main" id="{E651A894-B4CE-1C4F-9CE9-AE00B7AE177B}"/>
+              </a:ext>
+            </a:extLst>
+          </p:cNvPr>
+          <p:cNvSpPr>
+            <a:spLocks noGrp="1"/>
+          </p:cNvSpPr>
+          <p:nvPr>
+            <p:ph type="title"/>
+          </p:nvPr>
+        </p:nvSpPr>
+        <p:spPr/>
+        <p:txBody>
+          <a:bodyPr/>
+          <a:lstStyle/>
+          <a:p>
+            <a:r>
+              <a:rPr lang="en-US" dirty="0"/>
+              <a:t>Extract Example: API to </a:t>
+            </a:r>
+            <a:r>
+              <a:rPr lang="en-US" dirty="0" err="1"/>
+              <a:t>DataFrame</a:t>
+            </a:r>
+            <a:endParaRPr lang="en-US" dirty="0"/>
+          </a:p>
+        </p:txBody>
+      </p:sp>
+      <p:pic>
+        <p:nvPicPr>
+          <p:cNvPr id="5" name="Content Placeholder 4" descr="Text&#10;&#10;Description automatically generated">
+            <a:extLst>
+              <a:ext uri="{FF2B5EF4-FFF2-40B4-BE49-F238E27FC236}">
+                <a16:creationId xmlns:a16="http://schemas.microsoft.com/office/drawing/2014/main" id="{72099DF8-D175-7642-8A19-D026DCBB6333}"/>
+              </a:ext>
+            </a:extLst>
+          </p:cNvPr>
+          <p:cNvPicPr>
+            <a:picLocks noGrp="1" noChangeAspect="1"/>
+          </p:cNvPicPr>
+          <p:nvPr>
+            <p:ph idx="1"/>
+          </p:nvPr>
+        </p:nvPicPr>
+        <p:blipFill>
+          <a:blip r:embed="rId2"/>
+          <a:stretch>
+            <a:fillRect/>
+          </a:stretch>
+        </p:blipFill>
+        <p:spPr>
+          <a:xfrm>
+            <a:off x="2700339" y="1314450"/>
+            <a:ext cx="7066420" cy="5172328"/>
+          </a:xfrm>
+        </p:spPr>
+      </p:pic>
+    </p:spTree>
+    <p:extLst>
+      <p:ext uri="{BB962C8B-B14F-4D97-AF65-F5344CB8AC3E}">
+        <p14:creationId xmlns:p14="http://schemas.microsoft.com/office/powerpoint/2010/main" val="2458293431"/>
+      </p:ext>
+    </p:extLst>
+  </p:cSld>
+  <p:clrMapOvr>
+    <a:masterClrMapping/>
+  </p:clrMapOvr>
+</p:sld>
+</file>
+
+<file path=ppt/slides/slide3.xml><?xml version="1.0" encoding="utf-8"?>
+<p:sld xmlns:a="http://schemas.openxmlformats.org/drawingml/2006/main" xmlns:r="http://schemas.openxmlformats.org/officeDocument/2006/relationships" xmlns:p="http://schemas.openxmlformats.org/presentationml/2006/main">
+  <p:cSld>
+    <p:spTree>
+      <p:nvGrpSpPr>
+        <p:cNvPr id="1" name=""/>
+        <p:cNvGrpSpPr/>
+        <p:nvPr/>
+      </p:nvGrpSpPr>
+      <p:grpSpPr>
+        <a:xfrm>
+          <a:off x="0" y="0"/>
+          <a:ext cx="0" cy="0"/>
+          <a:chOff x="0" y="0"/>
+          <a:chExt cx="0" cy="0"/>
+        </a:xfrm>
+      </p:grpSpPr>
+      <p:sp>
+        <p:nvSpPr>
+          <p:cNvPr id="2" name="Title 1">
+            <a:extLst>
+              <a:ext uri="{FF2B5EF4-FFF2-40B4-BE49-F238E27FC236}">
+                <a16:creationId xmlns:a16="http://schemas.microsoft.com/office/drawing/2014/main" id="{A7AA0F96-F1F3-7741-8262-08B2D6EE35B1}"/>
+              </a:ext>
+            </a:extLst>
+          </p:cNvPr>
+          <p:cNvSpPr>
+            <a:spLocks noGrp="1"/>
+          </p:cNvSpPr>
+          <p:nvPr>
+            <p:ph type="title"/>
+          </p:nvPr>
+        </p:nvSpPr>
+        <p:spPr/>
+        <p:txBody>
+          <a:bodyPr/>
+          <a:lstStyle/>
+          <a:p>
+            <a:r>
+              <a:rPr lang="en-US" dirty="0"/>
+              <a:t>Transformation Example:</a:t>
+            </a:r>
+          </a:p>
+        </p:txBody>
+      </p:sp>
+      <p:pic>
+        <p:nvPicPr>
+          <p:cNvPr id="5" name="Content Placeholder 4" descr="Graphical user interface, text, application, email&#10;&#10;Description automatically generated">
+            <a:extLst>
+              <a:ext uri="{FF2B5EF4-FFF2-40B4-BE49-F238E27FC236}">
+                <a16:creationId xmlns:a16="http://schemas.microsoft.com/office/drawing/2014/main" id="{538D479A-6E32-724F-8C87-BE1767236602}"/>
+              </a:ext>
+            </a:extLst>
+          </p:cNvPr>
+          <p:cNvPicPr>
+            <a:picLocks noGrp="1" noChangeAspect="1"/>
+          </p:cNvPicPr>
+          <p:nvPr>
+            <p:ph idx="1"/>
+          </p:nvPr>
+        </p:nvPicPr>
+        <p:blipFill>
+          <a:blip r:embed="rId2"/>
+          <a:stretch>
+            <a:fillRect/>
+          </a:stretch>
+        </p:blipFill>
+        <p:spPr>
+          <a:xfrm>
+            <a:off x="1842886" y="1825625"/>
+            <a:ext cx="8506227" cy="4351338"/>
+          </a:xfrm>
+        </p:spPr>
+      </p:pic>
+    </p:spTree>
+    <p:extLst>
+      <p:ext uri="{BB962C8B-B14F-4D97-AF65-F5344CB8AC3E}">
+        <p14:creationId xmlns:p14="http://schemas.microsoft.com/office/powerpoint/2010/main" val="847135671"/>
+      </p:ext>
+    </p:extLst>
+  </p:cSld>
+  <p:clrMapOvr>
+    <a:masterClrMapping/>
+  </p:clrMapOvr>
+</p:sld>
+</file>
+
+<file path=ppt/slides/slide4.xml><?xml version="1.0" encoding="utf-8"?>
+<p:sld xmlns:a="http://schemas.openxmlformats.org/drawingml/2006/main" xmlns:r="http://schemas.openxmlformats.org/officeDocument/2006/relationships" xmlns:p="http://schemas.openxmlformats.org/presentationml/2006/main">
+  <p:cSld>
+    <p:spTree>
+      <p:nvGrpSpPr>
+        <p:cNvPr id="1" name=""/>
+        <p:cNvGrpSpPr/>
+        <p:nvPr/>
+      </p:nvGrpSpPr>
+      <p:grpSpPr>
+        <a:xfrm>
+          <a:off x="0" y="0"/>
+          <a:ext cx="0" cy="0"/>
+          <a:chOff x="0" y="0"/>
+          <a:chExt cx="0" cy="0"/>
+        </a:xfrm>
+      </p:grpSpPr>
+      <p:sp>
+        <p:nvSpPr>
+          <p:cNvPr id="2" name="Title 1">
+            <a:extLst>
+              <a:ext uri="{FF2B5EF4-FFF2-40B4-BE49-F238E27FC236}">
+                <a16:creationId xmlns:a16="http://schemas.microsoft.com/office/drawing/2014/main" id="{9E21B8BD-0A37-9A48-B0F1-E305CBBC3FF7}"/>
+              </a:ext>
+            </a:extLst>
+          </p:cNvPr>
+          <p:cNvSpPr>
+            <a:spLocks noGrp="1"/>
+          </p:cNvSpPr>
+          <p:nvPr>
+            <p:ph type="title"/>
+          </p:nvPr>
+        </p:nvSpPr>
+        <p:spPr/>
+        <p:txBody>
+          <a:bodyPr/>
+          <a:lstStyle/>
+          <a:p>
+            <a:r>
+              <a:rPr lang="en-US" dirty="0"/>
+              <a:t>Load Example: </a:t>
+            </a:r>
+            <a:r>
+              <a:rPr lang="en-US" dirty="0" err="1"/>
+              <a:t>DataFrame</a:t>
+            </a:r>
+            <a:r>
+              <a:rPr lang="en-US" dirty="0"/>
+              <a:t> to PostgreSQL</a:t>
+            </a:r>
+          </a:p>
+        </p:txBody>
+      </p:sp>
+      <p:pic>
+        <p:nvPicPr>
+          <p:cNvPr id="5" name="Content Placeholder 4" descr="A picture containing text&#10;&#10;Description automatically generated">
+            <a:extLst>
+              <a:ext uri="{FF2B5EF4-FFF2-40B4-BE49-F238E27FC236}">
+                <a16:creationId xmlns:a16="http://schemas.microsoft.com/office/drawing/2014/main" id="{DFB1567E-C18C-784E-BC9F-6D1F55907571}"/>
+              </a:ext>
+            </a:extLst>
+          </p:cNvPr>
+          <p:cNvPicPr>
+            <a:picLocks noGrp="1" noChangeAspect="1"/>
+          </p:cNvPicPr>
+          <p:nvPr>
+            <p:ph idx="1"/>
+          </p:nvPr>
+        </p:nvPicPr>
+        <p:blipFill>
+          <a:blip r:embed="rId2"/>
+          <a:stretch>
+            <a:fillRect/>
+          </a:stretch>
+        </p:blipFill>
+        <p:spPr>
+          <a:xfrm>
+            <a:off x="2870008" y="1825625"/>
+            <a:ext cx="6451983" cy="4351338"/>
+          </a:xfrm>
+        </p:spPr>
+      </p:pic>
+    </p:spTree>
+    <p:extLst>
+      <p:ext uri="{BB962C8B-B14F-4D97-AF65-F5344CB8AC3E}">
+        <p14:creationId xmlns:p14="http://schemas.microsoft.com/office/powerpoint/2010/main" val="888987628"/>
+      </p:ext>
+    </p:extLst>
+  </p:cSld>
+  <p:clrMapOvr>
+    <a:masterClrMapping/>
+  </p:clrMapOvr>
+</p:sld>
+</file>
+
 <file path=ppt/theme/theme1.xml><?xml version="1.0" encoding="utf-8"?>
 <a:theme xmlns:a="http://schemas.openxmlformats.org/drawingml/2006/main" name="Office Theme">
   <a:themeElements>

--- a/diagrams/Stock Trends ETL Process.pptx
+++ b/diagrams/Stock Trends ETL Process.pptx
@@ -6,9 +6,16 @@
   </p:sldMasterIdLst>
   <p:sldIdLst>
     <p:sldId id="257" r:id="rId2"/>
-    <p:sldId id="258" r:id="rId3"/>
-    <p:sldId id="259" r:id="rId4"/>
-    <p:sldId id="260" r:id="rId5"/>
+    <p:sldId id="262" r:id="rId3"/>
+    <p:sldId id="264" r:id="rId4"/>
+    <p:sldId id="263" r:id="rId5"/>
+    <p:sldId id="267" r:id="rId6"/>
+    <p:sldId id="268" r:id="rId7"/>
+    <p:sldId id="269" r:id="rId8"/>
+    <p:sldId id="270" r:id="rId9"/>
+    <p:sldId id="266" r:id="rId10"/>
+    <p:sldId id="271" r:id="rId11"/>
+    <p:sldId id="272" r:id="rId12"/>
   </p:sldIdLst>
   <p:sldSz cx="12192000" cy="6858000"/>
   <p:notesSz cx="6858000" cy="9144000"/>
@@ -6754,8 +6761,8 @@
         </p:nvSpPr>
         <p:spPr>
           <a:xfrm>
-            <a:off x="643467" y="321734"/>
-            <a:ext cx="10905066" cy="1135737"/>
+            <a:off x="817637" y="1438349"/>
+            <a:ext cx="8776305" cy="2924225"/>
           </a:xfrm>
         </p:spPr>
         <p:txBody>
@@ -6764,10 +6771,31 @@
           </a:bodyPr>
           <a:lstStyle/>
           <a:p>
+            <a:br>
+              <a:rPr lang="en-US" sz="5400" b="1" dirty="0"/>
+            </a:br>
             <a:r>
+              <a:rPr lang="en-US" sz="5400" b="1" dirty="0"/>
+              <a:t>Stock Trends ETL Process</a:t>
+            </a:r>
+            <a:br>
+              <a:rPr lang="en-US" sz="5400" b="1" dirty="0"/>
+            </a:br>
+            <a:r>
+              <a:rPr lang="en-US" sz="3600" b="1" dirty="0"/>
+              <a:t>Sweet Trends:</a:t>
+            </a:r>
+            <a:br>
               <a:rPr lang="en-US" sz="3600" dirty="0"/>
-              <a:t>Sweet Trends Team: Stock Trend ETL Process</a:t>
+            </a:br>
+            <a:r>
+              <a:rPr lang="en-US" sz="2400" dirty="0"/>
+              <a:t>Ricky Lee | Henry Tirado | Vanessa Villagomez</a:t>
             </a:r>
+            <a:br>
+              <a:rPr lang="en-US" dirty="0"/>
+            </a:br>
+            <a:endParaRPr lang="en-US" sz="3600" dirty="0"/>
           </a:p>
         </p:txBody>
       </p:sp>
@@ -7035,6 +7063,2313 @@
           </a:p>
         </p:txBody>
       </p:sp>
+    </p:spTree>
+    <p:extLst>
+      <p:ext uri="{BB962C8B-B14F-4D97-AF65-F5344CB8AC3E}">
+        <p14:creationId xmlns:p14="http://schemas.microsoft.com/office/powerpoint/2010/main" val="3315842429"/>
+      </p:ext>
+    </p:extLst>
+  </p:cSld>
+  <p:clrMapOvr>
+    <a:masterClrMapping/>
+  </p:clrMapOvr>
+</p:sld>
+</file>
+
+<file path=ppt/slides/slide10.xml><?xml version="1.0" encoding="utf-8"?>
+<p:sld xmlns:a="http://schemas.openxmlformats.org/drawingml/2006/main" xmlns:r="http://schemas.openxmlformats.org/officeDocument/2006/relationships" xmlns:p="http://schemas.openxmlformats.org/presentationml/2006/main">
+  <p:cSld>
+    <p:bg>
+      <p:bgPr>
+        <a:solidFill>
+          <a:schemeClr val="bg1"/>
+        </a:solidFill>
+        <a:effectLst/>
+      </p:bgPr>
+    </p:bg>
+    <p:spTree>
+      <p:nvGrpSpPr>
+        <p:cNvPr id="1" name=""/>
+        <p:cNvGrpSpPr/>
+        <p:nvPr/>
+      </p:nvGrpSpPr>
+      <p:grpSpPr>
+        <a:xfrm>
+          <a:off x="0" y="0"/>
+          <a:ext cx="0" cy="0"/>
+          <a:chOff x="0" y="0"/>
+          <a:chExt cx="0" cy="0"/>
+        </a:xfrm>
+      </p:grpSpPr>
+      <p:sp>
+        <p:nvSpPr>
+          <p:cNvPr id="9" name="Rectangle 8">
+            <a:extLst>
+              <a:ext uri="{FF2B5EF4-FFF2-40B4-BE49-F238E27FC236}">
+                <a16:creationId xmlns:a16="http://schemas.microsoft.com/office/drawing/2014/main" id="{2B566528-1B12-4246-9431-5C2D7D081168}"/>
+              </a:ext>
+              <a:ext uri="{C183D7F6-B498-43B3-948B-1728B52AA6E4}">
+                <adec:decorative xmlns:adec="http://schemas.microsoft.com/office/drawing/2017/decorative" val="1"/>
+              </a:ext>
+            </a:extLst>
+          </p:cNvPr>
+          <p:cNvSpPr>
+            <a:spLocks noGrp="1" noRot="1" noChangeAspect="1" noMove="1" noResize="1" noEditPoints="1" noAdjustHandles="1" noChangeArrowheads="1" noChangeShapeType="1" noTextEdit="1"/>
+          </p:cNvSpPr>
+          <p:nvPr>
+            <p:extLst>
+              <p:ext uri="{386F3935-93C4-4BCD-93E2-E3B085C9AB24}">
+                <p16:designElem xmlns:p16="http://schemas.microsoft.com/office/powerpoint/2015/main" val="1"/>
+              </p:ext>
+            </p:extLst>
+          </p:nvPr>
+        </p:nvSpPr>
+        <p:spPr>
+          <a:xfrm>
+            <a:off x="0" y="0"/>
+            <a:ext cx="12192000" cy="6858000"/>
+          </a:xfrm>
+          <a:prstGeom prst="rect">
+            <a:avLst/>
+          </a:prstGeom>
+          <a:solidFill>
+            <a:schemeClr val="bg1"/>
+          </a:solidFill>
+          <a:ln>
+            <a:noFill/>
+          </a:ln>
+        </p:spPr>
+        <p:style>
+          <a:lnRef idx="2">
+            <a:schemeClr val="accent1">
+              <a:shade val="50000"/>
+            </a:schemeClr>
+          </a:lnRef>
+          <a:fillRef idx="1">
+            <a:schemeClr val="accent1"/>
+          </a:fillRef>
+          <a:effectRef idx="0">
+            <a:schemeClr val="accent1"/>
+          </a:effectRef>
+          <a:fontRef idx="minor">
+            <a:schemeClr val="lt1"/>
+          </a:fontRef>
+        </p:style>
+        <p:txBody>
+          <a:bodyPr rtlCol="0" anchor="ctr"/>
+          <a:lstStyle/>
+          <a:p>
+            <a:pPr algn="ctr"/>
+            <a:endParaRPr lang="en-US" dirty="0"/>
+          </a:p>
+        </p:txBody>
+      </p:sp>
+      <p:sp>
+        <p:nvSpPr>
+          <p:cNvPr id="2" name="Title 1">
+            <a:extLst>
+              <a:ext uri="{FF2B5EF4-FFF2-40B4-BE49-F238E27FC236}">
+                <a16:creationId xmlns:a16="http://schemas.microsoft.com/office/drawing/2014/main" id="{4C523D40-1D32-DA4C-9A4B-6D1EE3CFDA5B}"/>
+              </a:ext>
+            </a:extLst>
+          </p:cNvPr>
+          <p:cNvSpPr>
+            <a:spLocks noGrp="1"/>
+          </p:cNvSpPr>
+          <p:nvPr>
+            <p:ph type="title"/>
+          </p:nvPr>
+        </p:nvSpPr>
+        <p:spPr>
+          <a:xfrm>
+            <a:off x="643467" y="321734"/>
+            <a:ext cx="10905066" cy="1135737"/>
+          </a:xfrm>
+        </p:spPr>
+        <p:txBody>
+          <a:bodyPr>
+            <a:normAutofit/>
+          </a:bodyPr>
+          <a:lstStyle/>
+          <a:p>
+            <a:r>
+              <a:rPr lang="en-US" b="1" dirty="0"/>
+              <a:t>What’s Next</a:t>
+            </a:r>
+          </a:p>
+        </p:txBody>
+      </p:sp>
+      <p:sp>
+        <p:nvSpPr>
+          <p:cNvPr id="11" name="Rectangle 10">
+            <a:extLst>
+              <a:ext uri="{FF2B5EF4-FFF2-40B4-BE49-F238E27FC236}">
+                <a16:creationId xmlns:a16="http://schemas.microsoft.com/office/drawing/2014/main" id="{2E80C965-DB6D-4F81-9E9E-B027384D0BD6}"/>
+              </a:ext>
+              <a:ext uri="{C183D7F6-B498-43B3-948B-1728B52AA6E4}">
+                <adec:decorative xmlns:adec="http://schemas.microsoft.com/office/drawing/2017/decorative" val="1"/>
+              </a:ext>
+            </a:extLst>
+          </p:cNvPr>
+          <p:cNvSpPr>
+            <a:spLocks noGrp="1" noRot="1" noChangeAspect="1" noMove="1" noResize="1" noEditPoints="1" noAdjustHandles="1" noChangeArrowheads="1" noChangeShapeType="1" noTextEdit="1"/>
+          </p:cNvSpPr>
+          <p:nvPr>
+            <p:extLst>
+              <p:ext uri="{386F3935-93C4-4BCD-93E2-E3B085C9AB24}">
+                <p16:designElem xmlns:p16="http://schemas.microsoft.com/office/powerpoint/2015/main" val="1"/>
+              </p:ext>
+            </p:extLst>
+          </p:nvPr>
+        </p:nvSpPr>
+        <p:spPr>
+          <a:xfrm rot="2700000">
+            <a:off x="11052629" y="2120024"/>
+            <a:ext cx="645368" cy="645368"/>
+          </a:xfrm>
+          <a:prstGeom prst="rect">
+            <a:avLst/>
+          </a:prstGeom>
+          <a:solidFill>
+            <a:schemeClr val="accent4">
+              <a:alpha val="30000"/>
+            </a:schemeClr>
+          </a:solidFill>
+          <a:ln>
+            <a:noFill/>
+          </a:ln>
+        </p:spPr>
+        <p:style>
+          <a:lnRef idx="2">
+            <a:schemeClr val="accent1">
+              <a:shade val="50000"/>
+            </a:schemeClr>
+          </a:lnRef>
+          <a:fillRef idx="1">
+            <a:schemeClr val="accent1"/>
+          </a:fillRef>
+          <a:effectRef idx="0">
+            <a:schemeClr val="accent1"/>
+          </a:effectRef>
+          <a:fontRef idx="minor">
+            <a:schemeClr val="lt1"/>
+          </a:fontRef>
+        </p:style>
+        <p:txBody>
+          <a:bodyPr rtlCol="0" anchor="ctr"/>
+          <a:lstStyle/>
+          <a:p>
+            <a:pPr algn="ctr"/>
+            <a:endParaRPr lang="en-US"/>
+          </a:p>
+        </p:txBody>
+      </p:sp>
+      <p:sp>
+        <p:nvSpPr>
+          <p:cNvPr id="13" name="Isosceles Triangle 12">
+            <a:extLst>
+              <a:ext uri="{FF2B5EF4-FFF2-40B4-BE49-F238E27FC236}">
+                <a16:creationId xmlns:a16="http://schemas.microsoft.com/office/drawing/2014/main" id="{A580F890-B085-4E95-96AA-55AEBEC5CE6E}"/>
+              </a:ext>
+              <a:ext uri="{C183D7F6-B498-43B3-948B-1728B52AA6E4}">
+                <adec:decorative xmlns:adec="http://schemas.microsoft.com/office/drawing/2017/decorative" val="1"/>
+              </a:ext>
+            </a:extLst>
+          </p:cNvPr>
+          <p:cNvSpPr>
+            <a:spLocks noGrp="1" noRot="1" noChangeAspect="1" noMove="1" noResize="1" noEditPoints="1" noAdjustHandles="1" noChangeArrowheads="1" noChangeShapeType="1" noTextEdit="1"/>
+          </p:cNvSpPr>
+          <p:nvPr>
+            <p:extLst>
+              <p:ext uri="{386F3935-93C4-4BCD-93E2-E3B085C9AB24}">
+                <p16:designElem xmlns:p16="http://schemas.microsoft.com/office/powerpoint/2015/main" val="1"/>
+              </p:ext>
+            </p:extLst>
+          </p:nvPr>
+        </p:nvSpPr>
+        <p:spPr>
+          <a:xfrm rot="16200000">
+            <a:off x="10289068" y="1343027"/>
+            <a:ext cx="2532832" cy="1273032"/>
+          </a:xfrm>
+          <a:prstGeom prst="triangle">
+            <a:avLst>
+              <a:gd name="adj" fmla="val 50000"/>
+            </a:avLst>
+          </a:prstGeom>
+          <a:solidFill>
+            <a:schemeClr val="accent4">
+              <a:alpha val="30000"/>
+            </a:schemeClr>
+          </a:solidFill>
+          <a:ln>
+            <a:noFill/>
+          </a:ln>
+        </p:spPr>
+        <p:style>
+          <a:lnRef idx="2">
+            <a:schemeClr val="accent1">
+              <a:shade val="50000"/>
+            </a:schemeClr>
+          </a:lnRef>
+          <a:fillRef idx="1">
+            <a:schemeClr val="accent1"/>
+          </a:fillRef>
+          <a:effectRef idx="0">
+            <a:schemeClr val="accent1"/>
+          </a:effectRef>
+          <a:fontRef idx="minor">
+            <a:schemeClr val="lt1"/>
+          </a:fontRef>
+        </p:style>
+        <p:txBody>
+          <a:bodyPr rtlCol="0" anchor="ctr"/>
+          <a:lstStyle/>
+          <a:p>
+            <a:pPr algn="ctr"/>
+            <a:endParaRPr lang="en-US"/>
+          </a:p>
+        </p:txBody>
+      </p:sp>
+      <p:sp>
+        <p:nvSpPr>
+          <p:cNvPr id="15" name="Isosceles Triangle 14">
+            <a:extLst>
+              <a:ext uri="{FF2B5EF4-FFF2-40B4-BE49-F238E27FC236}">
+                <a16:creationId xmlns:a16="http://schemas.microsoft.com/office/drawing/2014/main" id="{D3F51FEB-38FB-4F6C-9F7B-2F2AFAB65463}"/>
+              </a:ext>
+              <a:ext uri="{C183D7F6-B498-43B3-948B-1728B52AA6E4}">
+                <adec:decorative xmlns:adec="http://schemas.microsoft.com/office/drawing/2017/decorative" val="1"/>
+              </a:ext>
+            </a:extLst>
+          </p:cNvPr>
+          <p:cNvSpPr>
+            <a:spLocks noGrp="1" noRot="1" noChangeAspect="1" noMove="1" noResize="1" noEditPoints="1" noAdjustHandles="1" noChangeArrowheads="1" noChangeShapeType="1" noTextEdit="1"/>
+          </p:cNvSpPr>
+          <p:nvPr>
+            <p:extLst>
+              <p:ext uri="{386F3935-93C4-4BCD-93E2-E3B085C9AB24}">
+                <p16:designElem xmlns:p16="http://schemas.microsoft.com/office/powerpoint/2015/main" val="1"/>
+              </p:ext>
+            </p:extLst>
+          </p:nvPr>
+        </p:nvSpPr>
+        <p:spPr>
+          <a:xfrm rot="5400000">
+            <a:off x="-501760" y="5103257"/>
+            <a:ext cx="2017580" cy="1014060"/>
+          </a:xfrm>
+          <a:prstGeom prst="triangle">
+            <a:avLst>
+              <a:gd name="adj" fmla="val 50000"/>
+            </a:avLst>
+          </a:prstGeom>
+          <a:solidFill>
+            <a:schemeClr val="accent1">
+              <a:alpha val="30000"/>
+            </a:schemeClr>
+          </a:solidFill>
+          <a:ln>
+            <a:noFill/>
+          </a:ln>
+        </p:spPr>
+        <p:style>
+          <a:lnRef idx="2">
+            <a:schemeClr val="accent1">
+              <a:shade val="50000"/>
+            </a:schemeClr>
+          </a:lnRef>
+          <a:fillRef idx="1">
+            <a:schemeClr val="accent1"/>
+          </a:fillRef>
+          <a:effectRef idx="0">
+            <a:schemeClr val="accent1"/>
+          </a:effectRef>
+          <a:fontRef idx="minor">
+            <a:schemeClr val="lt1"/>
+          </a:fontRef>
+        </p:style>
+        <p:txBody>
+          <a:bodyPr rtlCol="0" anchor="ctr"/>
+          <a:lstStyle/>
+          <a:p>
+            <a:pPr algn="ctr"/>
+            <a:endParaRPr lang="en-US"/>
+          </a:p>
+        </p:txBody>
+      </p:sp>
+      <p:sp>
+        <p:nvSpPr>
+          <p:cNvPr id="17" name="Rectangle 16">
+            <a:extLst>
+              <a:ext uri="{FF2B5EF4-FFF2-40B4-BE49-F238E27FC236}">
+                <a16:creationId xmlns:a16="http://schemas.microsoft.com/office/drawing/2014/main" id="{1E547BA6-BAE0-43BB-A7CA-60F69CE252F0}"/>
+              </a:ext>
+              <a:ext uri="{C183D7F6-B498-43B3-948B-1728B52AA6E4}">
+                <adec:decorative xmlns:adec="http://schemas.microsoft.com/office/drawing/2017/decorative" val="1"/>
+              </a:ext>
+            </a:extLst>
+          </p:cNvPr>
+          <p:cNvSpPr>
+            <a:spLocks noGrp="1" noRot="1" noChangeAspect="1" noMove="1" noResize="1" noEditPoints="1" noAdjustHandles="1" noChangeArrowheads="1" noChangeShapeType="1" noTextEdit="1"/>
+          </p:cNvSpPr>
+          <p:nvPr>
+            <p:extLst>
+              <p:ext uri="{386F3935-93C4-4BCD-93E2-E3B085C9AB24}">
+                <p16:designElem xmlns:p16="http://schemas.microsoft.com/office/powerpoint/2015/main" val="1"/>
+              </p:ext>
+            </p:extLst>
+          </p:nvPr>
+        </p:nvSpPr>
+        <p:spPr>
+          <a:xfrm rot="2700000">
+            <a:off x="427916" y="5728708"/>
+            <a:ext cx="485578" cy="485578"/>
+          </a:xfrm>
+          <a:prstGeom prst="rect">
+            <a:avLst/>
+          </a:prstGeom>
+          <a:solidFill>
+            <a:schemeClr val="accent1">
+              <a:alpha val="30000"/>
+            </a:schemeClr>
+          </a:solidFill>
+          <a:ln>
+            <a:noFill/>
+          </a:ln>
+        </p:spPr>
+        <p:style>
+          <a:lnRef idx="2">
+            <a:schemeClr val="accent1">
+              <a:shade val="50000"/>
+            </a:schemeClr>
+          </a:lnRef>
+          <a:fillRef idx="1">
+            <a:schemeClr val="accent1"/>
+          </a:fillRef>
+          <a:effectRef idx="0">
+            <a:schemeClr val="accent1"/>
+          </a:effectRef>
+          <a:fontRef idx="minor">
+            <a:schemeClr val="lt1"/>
+          </a:fontRef>
+        </p:style>
+        <p:txBody>
+          <a:bodyPr rtlCol="0" anchor="ctr"/>
+          <a:lstStyle/>
+          <a:p>
+            <a:pPr algn="ctr"/>
+            <a:endParaRPr lang="en-US"/>
+          </a:p>
+        </p:txBody>
+      </p:sp>
+      <p:sp>
+        <p:nvSpPr>
+          <p:cNvPr id="5" name="Content Placeholder 4">
+            <a:extLst>
+              <a:ext uri="{FF2B5EF4-FFF2-40B4-BE49-F238E27FC236}">
+                <a16:creationId xmlns:a16="http://schemas.microsoft.com/office/drawing/2014/main" id="{A4E53861-94DB-0843-9E98-4052618C8C78}"/>
+              </a:ext>
+            </a:extLst>
+          </p:cNvPr>
+          <p:cNvSpPr>
+            <a:spLocks noGrp="1"/>
+          </p:cNvSpPr>
+          <p:nvPr>
+            <p:ph idx="1"/>
+          </p:nvPr>
+        </p:nvSpPr>
+        <p:spPr>
+          <a:xfrm>
+            <a:off x="838200" y="1457471"/>
+            <a:ext cx="10451361" cy="4857382"/>
+          </a:xfrm>
+        </p:spPr>
+        <p:txBody>
+          <a:bodyPr>
+            <a:normAutofit/>
+          </a:bodyPr>
+          <a:lstStyle/>
+          <a:p>
+            <a:r>
+              <a:rPr lang="en-US" dirty="0">
+                <a:latin typeface="+mj-lt"/>
+              </a:rPr>
+              <a:t>Further transform the extracted data in order analyze the data by answering the questions. </a:t>
+            </a:r>
+          </a:p>
+          <a:p>
+            <a:r>
+              <a:rPr lang="en-US" dirty="0">
+                <a:latin typeface="+mj-lt"/>
+              </a:rPr>
+              <a:t>Create visualization to further analyze the data. </a:t>
+            </a:r>
+          </a:p>
+          <a:p>
+            <a:r>
+              <a:rPr lang="en-US" dirty="0">
+                <a:latin typeface="+mj-lt"/>
+              </a:rPr>
+              <a:t>Review raw data extracted to identify if there are other data points worth analyzing. </a:t>
+            </a:r>
+          </a:p>
+          <a:p>
+            <a:endParaRPr lang="en-US" dirty="0"/>
+          </a:p>
+          <a:p>
+            <a:endParaRPr lang="en-US" dirty="0"/>
+          </a:p>
+        </p:txBody>
+      </p:sp>
+    </p:spTree>
+    <p:extLst>
+      <p:ext uri="{BB962C8B-B14F-4D97-AF65-F5344CB8AC3E}">
+        <p14:creationId xmlns:p14="http://schemas.microsoft.com/office/powerpoint/2010/main" val="3451957761"/>
+      </p:ext>
+    </p:extLst>
+  </p:cSld>
+  <p:clrMapOvr>
+    <a:masterClrMapping/>
+  </p:clrMapOvr>
+</p:sld>
+</file>
+
+<file path=ppt/slides/slide11.xml><?xml version="1.0" encoding="utf-8"?>
+<p:sld xmlns:a="http://schemas.openxmlformats.org/drawingml/2006/main" xmlns:r="http://schemas.openxmlformats.org/officeDocument/2006/relationships" xmlns:p="http://schemas.openxmlformats.org/presentationml/2006/main">
+  <p:cSld>
+    <p:bg>
+      <p:bgPr>
+        <a:solidFill>
+          <a:schemeClr val="bg1"/>
+        </a:solidFill>
+        <a:effectLst/>
+      </p:bgPr>
+    </p:bg>
+    <p:spTree>
+      <p:nvGrpSpPr>
+        <p:cNvPr id="1" name=""/>
+        <p:cNvGrpSpPr/>
+        <p:nvPr/>
+      </p:nvGrpSpPr>
+      <p:grpSpPr>
+        <a:xfrm>
+          <a:off x="0" y="0"/>
+          <a:ext cx="0" cy="0"/>
+          <a:chOff x="0" y="0"/>
+          <a:chExt cx="0" cy="0"/>
+        </a:xfrm>
+      </p:grpSpPr>
+      <p:sp>
+        <p:nvSpPr>
+          <p:cNvPr id="9" name="Rectangle 8">
+            <a:extLst>
+              <a:ext uri="{FF2B5EF4-FFF2-40B4-BE49-F238E27FC236}">
+                <a16:creationId xmlns:a16="http://schemas.microsoft.com/office/drawing/2014/main" id="{2B566528-1B12-4246-9431-5C2D7D081168}"/>
+              </a:ext>
+              <a:ext uri="{C183D7F6-B498-43B3-948B-1728B52AA6E4}">
+                <adec:decorative xmlns:adec="http://schemas.microsoft.com/office/drawing/2017/decorative" val="1"/>
+              </a:ext>
+            </a:extLst>
+          </p:cNvPr>
+          <p:cNvSpPr>
+            <a:spLocks noGrp="1" noRot="1" noChangeAspect="1" noMove="1" noResize="1" noEditPoints="1" noAdjustHandles="1" noChangeArrowheads="1" noChangeShapeType="1" noTextEdit="1"/>
+          </p:cNvSpPr>
+          <p:nvPr>
+            <p:extLst>
+              <p:ext uri="{386F3935-93C4-4BCD-93E2-E3B085C9AB24}">
+                <p16:designElem xmlns:p16="http://schemas.microsoft.com/office/powerpoint/2015/main" val="1"/>
+              </p:ext>
+            </p:extLst>
+          </p:nvPr>
+        </p:nvSpPr>
+        <p:spPr>
+          <a:xfrm>
+            <a:off x="0" y="0"/>
+            <a:ext cx="12192000" cy="6858000"/>
+          </a:xfrm>
+          <a:prstGeom prst="rect">
+            <a:avLst/>
+          </a:prstGeom>
+          <a:solidFill>
+            <a:schemeClr val="bg1"/>
+          </a:solidFill>
+          <a:ln>
+            <a:noFill/>
+          </a:ln>
+        </p:spPr>
+        <p:style>
+          <a:lnRef idx="2">
+            <a:schemeClr val="accent1">
+              <a:shade val="50000"/>
+            </a:schemeClr>
+          </a:lnRef>
+          <a:fillRef idx="1">
+            <a:schemeClr val="accent1"/>
+          </a:fillRef>
+          <a:effectRef idx="0">
+            <a:schemeClr val="accent1"/>
+          </a:effectRef>
+          <a:fontRef idx="minor">
+            <a:schemeClr val="lt1"/>
+          </a:fontRef>
+        </p:style>
+        <p:txBody>
+          <a:bodyPr rtlCol="0" anchor="ctr"/>
+          <a:lstStyle/>
+          <a:p>
+            <a:pPr algn="ctr"/>
+            <a:endParaRPr lang="en-US" dirty="0"/>
+          </a:p>
+        </p:txBody>
+      </p:sp>
+      <p:sp>
+        <p:nvSpPr>
+          <p:cNvPr id="2" name="Title 1">
+            <a:extLst>
+              <a:ext uri="{FF2B5EF4-FFF2-40B4-BE49-F238E27FC236}">
+                <a16:creationId xmlns:a16="http://schemas.microsoft.com/office/drawing/2014/main" id="{4C523D40-1D32-DA4C-9A4B-6D1EE3CFDA5B}"/>
+              </a:ext>
+            </a:extLst>
+          </p:cNvPr>
+          <p:cNvSpPr>
+            <a:spLocks noGrp="1"/>
+          </p:cNvSpPr>
+          <p:nvPr>
+            <p:ph type="title"/>
+          </p:nvPr>
+        </p:nvSpPr>
+        <p:spPr>
+          <a:xfrm>
+            <a:off x="1222695" y="2362317"/>
+            <a:ext cx="10905066" cy="1135737"/>
+          </a:xfrm>
+        </p:spPr>
+        <p:txBody>
+          <a:bodyPr>
+            <a:normAutofit/>
+          </a:bodyPr>
+          <a:lstStyle/>
+          <a:p>
+            <a:r>
+              <a:rPr lang="en-US" b="1" dirty="0"/>
+              <a:t>THANK YOU</a:t>
+            </a:r>
+          </a:p>
+        </p:txBody>
+      </p:sp>
+      <p:sp>
+        <p:nvSpPr>
+          <p:cNvPr id="11" name="Rectangle 10">
+            <a:extLst>
+              <a:ext uri="{FF2B5EF4-FFF2-40B4-BE49-F238E27FC236}">
+                <a16:creationId xmlns:a16="http://schemas.microsoft.com/office/drawing/2014/main" id="{2E80C965-DB6D-4F81-9E9E-B027384D0BD6}"/>
+              </a:ext>
+              <a:ext uri="{C183D7F6-B498-43B3-948B-1728B52AA6E4}">
+                <adec:decorative xmlns:adec="http://schemas.microsoft.com/office/drawing/2017/decorative" val="1"/>
+              </a:ext>
+            </a:extLst>
+          </p:cNvPr>
+          <p:cNvSpPr>
+            <a:spLocks noGrp="1" noRot="1" noChangeAspect="1" noMove="1" noResize="1" noEditPoints="1" noAdjustHandles="1" noChangeArrowheads="1" noChangeShapeType="1" noTextEdit="1"/>
+          </p:cNvSpPr>
+          <p:nvPr>
+            <p:extLst>
+              <p:ext uri="{386F3935-93C4-4BCD-93E2-E3B085C9AB24}">
+                <p16:designElem xmlns:p16="http://schemas.microsoft.com/office/powerpoint/2015/main" val="1"/>
+              </p:ext>
+            </p:extLst>
+          </p:nvPr>
+        </p:nvSpPr>
+        <p:spPr>
+          <a:xfrm rot="2700000">
+            <a:off x="11052629" y="2120024"/>
+            <a:ext cx="645368" cy="645368"/>
+          </a:xfrm>
+          <a:prstGeom prst="rect">
+            <a:avLst/>
+          </a:prstGeom>
+          <a:solidFill>
+            <a:schemeClr val="accent4">
+              <a:alpha val="30000"/>
+            </a:schemeClr>
+          </a:solidFill>
+          <a:ln>
+            <a:noFill/>
+          </a:ln>
+        </p:spPr>
+        <p:style>
+          <a:lnRef idx="2">
+            <a:schemeClr val="accent1">
+              <a:shade val="50000"/>
+            </a:schemeClr>
+          </a:lnRef>
+          <a:fillRef idx="1">
+            <a:schemeClr val="accent1"/>
+          </a:fillRef>
+          <a:effectRef idx="0">
+            <a:schemeClr val="accent1"/>
+          </a:effectRef>
+          <a:fontRef idx="minor">
+            <a:schemeClr val="lt1"/>
+          </a:fontRef>
+        </p:style>
+        <p:txBody>
+          <a:bodyPr rtlCol="0" anchor="ctr"/>
+          <a:lstStyle/>
+          <a:p>
+            <a:pPr algn="ctr"/>
+            <a:endParaRPr lang="en-US"/>
+          </a:p>
+        </p:txBody>
+      </p:sp>
+      <p:sp>
+        <p:nvSpPr>
+          <p:cNvPr id="13" name="Isosceles Triangle 12">
+            <a:extLst>
+              <a:ext uri="{FF2B5EF4-FFF2-40B4-BE49-F238E27FC236}">
+                <a16:creationId xmlns:a16="http://schemas.microsoft.com/office/drawing/2014/main" id="{A580F890-B085-4E95-96AA-55AEBEC5CE6E}"/>
+              </a:ext>
+              <a:ext uri="{C183D7F6-B498-43B3-948B-1728B52AA6E4}">
+                <adec:decorative xmlns:adec="http://schemas.microsoft.com/office/drawing/2017/decorative" val="1"/>
+              </a:ext>
+            </a:extLst>
+          </p:cNvPr>
+          <p:cNvSpPr>
+            <a:spLocks noGrp="1" noRot="1" noChangeAspect="1" noMove="1" noResize="1" noEditPoints="1" noAdjustHandles="1" noChangeArrowheads="1" noChangeShapeType="1" noTextEdit="1"/>
+          </p:cNvSpPr>
+          <p:nvPr>
+            <p:extLst>
+              <p:ext uri="{386F3935-93C4-4BCD-93E2-E3B085C9AB24}">
+                <p16:designElem xmlns:p16="http://schemas.microsoft.com/office/powerpoint/2015/main" val="1"/>
+              </p:ext>
+            </p:extLst>
+          </p:nvPr>
+        </p:nvSpPr>
+        <p:spPr>
+          <a:xfrm rot="16200000">
+            <a:off x="10289068" y="1343027"/>
+            <a:ext cx="2532832" cy="1273032"/>
+          </a:xfrm>
+          <a:prstGeom prst="triangle">
+            <a:avLst>
+              <a:gd name="adj" fmla="val 50000"/>
+            </a:avLst>
+          </a:prstGeom>
+          <a:solidFill>
+            <a:schemeClr val="accent4">
+              <a:alpha val="30000"/>
+            </a:schemeClr>
+          </a:solidFill>
+          <a:ln>
+            <a:noFill/>
+          </a:ln>
+        </p:spPr>
+        <p:style>
+          <a:lnRef idx="2">
+            <a:schemeClr val="accent1">
+              <a:shade val="50000"/>
+            </a:schemeClr>
+          </a:lnRef>
+          <a:fillRef idx="1">
+            <a:schemeClr val="accent1"/>
+          </a:fillRef>
+          <a:effectRef idx="0">
+            <a:schemeClr val="accent1"/>
+          </a:effectRef>
+          <a:fontRef idx="minor">
+            <a:schemeClr val="lt1"/>
+          </a:fontRef>
+        </p:style>
+        <p:txBody>
+          <a:bodyPr rtlCol="0" anchor="ctr"/>
+          <a:lstStyle/>
+          <a:p>
+            <a:pPr algn="ctr"/>
+            <a:endParaRPr lang="en-US"/>
+          </a:p>
+        </p:txBody>
+      </p:sp>
+      <p:sp>
+        <p:nvSpPr>
+          <p:cNvPr id="15" name="Isosceles Triangle 14">
+            <a:extLst>
+              <a:ext uri="{FF2B5EF4-FFF2-40B4-BE49-F238E27FC236}">
+                <a16:creationId xmlns:a16="http://schemas.microsoft.com/office/drawing/2014/main" id="{D3F51FEB-38FB-4F6C-9F7B-2F2AFAB65463}"/>
+              </a:ext>
+              <a:ext uri="{C183D7F6-B498-43B3-948B-1728B52AA6E4}">
+                <adec:decorative xmlns:adec="http://schemas.microsoft.com/office/drawing/2017/decorative" val="1"/>
+              </a:ext>
+            </a:extLst>
+          </p:cNvPr>
+          <p:cNvSpPr>
+            <a:spLocks noGrp="1" noRot="1" noChangeAspect="1" noMove="1" noResize="1" noEditPoints="1" noAdjustHandles="1" noChangeArrowheads="1" noChangeShapeType="1" noTextEdit="1"/>
+          </p:cNvSpPr>
+          <p:nvPr>
+            <p:extLst>
+              <p:ext uri="{386F3935-93C4-4BCD-93E2-E3B085C9AB24}">
+                <p16:designElem xmlns:p16="http://schemas.microsoft.com/office/powerpoint/2015/main" val="1"/>
+              </p:ext>
+            </p:extLst>
+          </p:nvPr>
+        </p:nvSpPr>
+        <p:spPr>
+          <a:xfrm rot="5400000">
+            <a:off x="-501760" y="5103257"/>
+            <a:ext cx="2017580" cy="1014060"/>
+          </a:xfrm>
+          <a:prstGeom prst="triangle">
+            <a:avLst>
+              <a:gd name="adj" fmla="val 50000"/>
+            </a:avLst>
+          </a:prstGeom>
+          <a:solidFill>
+            <a:schemeClr val="accent1">
+              <a:alpha val="30000"/>
+            </a:schemeClr>
+          </a:solidFill>
+          <a:ln>
+            <a:noFill/>
+          </a:ln>
+        </p:spPr>
+        <p:style>
+          <a:lnRef idx="2">
+            <a:schemeClr val="accent1">
+              <a:shade val="50000"/>
+            </a:schemeClr>
+          </a:lnRef>
+          <a:fillRef idx="1">
+            <a:schemeClr val="accent1"/>
+          </a:fillRef>
+          <a:effectRef idx="0">
+            <a:schemeClr val="accent1"/>
+          </a:effectRef>
+          <a:fontRef idx="minor">
+            <a:schemeClr val="lt1"/>
+          </a:fontRef>
+        </p:style>
+        <p:txBody>
+          <a:bodyPr rtlCol="0" anchor="ctr"/>
+          <a:lstStyle/>
+          <a:p>
+            <a:pPr algn="ctr"/>
+            <a:endParaRPr lang="en-US"/>
+          </a:p>
+        </p:txBody>
+      </p:sp>
+      <p:sp>
+        <p:nvSpPr>
+          <p:cNvPr id="17" name="Rectangle 16">
+            <a:extLst>
+              <a:ext uri="{FF2B5EF4-FFF2-40B4-BE49-F238E27FC236}">
+                <a16:creationId xmlns:a16="http://schemas.microsoft.com/office/drawing/2014/main" id="{1E547BA6-BAE0-43BB-A7CA-60F69CE252F0}"/>
+              </a:ext>
+              <a:ext uri="{C183D7F6-B498-43B3-948B-1728B52AA6E4}">
+                <adec:decorative xmlns:adec="http://schemas.microsoft.com/office/drawing/2017/decorative" val="1"/>
+              </a:ext>
+            </a:extLst>
+          </p:cNvPr>
+          <p:cNvSpPr>
+            <a:spLocks noGrp="1" noRot="1" noChangeAspect="1" noMove="1" noResize="1" noEditPoints="1" noAdjustHandles="1" noChangeArrowheads="1" noChangeShapeType="1" noTextEdit="1"/>
+          </p:cNvSpPr>
+          <p:nvPr>
+            <p:extLst>
+              <p:ext uri="{386F3935-93C4-4BCD-93E2-E3B085C9AB24}">
+                <p16:designElem xmlns:p16="http://schemas.microsoft.com/office/powerpoint/2015/main" val="1"/>
+              </p:ext>
+            </p:extLst>
+          </p:nvPr>
+        </p:nvSpPr>
+        <p:spPr>
+          <a:xfrm rot="2700000">
+            <a:off x="427916" y="5728708"/>
+            <a:ext cx="485578" cy="485578"/>
+          </a:xfrm>
+          <a:prstGeom prst="rect">
+            <a:avLst/>
+          </a:prstGeom>
+          <a:solidFill>
+            <a:schemeClr val="accent1">
+              <a:alpha val="30000"/>
+            </a:schemeClr>
+          </a:solidFill>
+          <a:ln>
+            <a:noFill/>
+          </a:ln>
+        </p:spPr>
+        <p:style>
+          <a:lnRef idx="2">
+            <a:schemeClr val="accent1">
+              <a:shade val="50000"/>
+            </a:schemeClr>
+          </a:lnRef>
+          <a:fillRef idx="1">
+            <a:schemeClr val="accent1"/>
+          </a:fillRef>
+          <a:effectRef idx="0">
+            <a:schemeClr val="accent1"/>
+          </a:effectRef>
+          <a:fontRef idx="minor">
+            <a:schemeClr val="lt1"/>
+          </a:fontRef>
+        </p:style>
+        <p:txBody>
+          <a:bodyPr rtlCol="0" anchor="ctr"/>
+          <a:lstStyle/>
+          <a:p>
+            <a:pPr algn="ctr"/>
+            <a:endParaRPr lang="en-US"/>
+          </a:p>
+        </p:txBody>
+      </p:sp>
+    </p:spTree>
+    <p:extLst>
+      <p:ext uri="{BB962C8B-B14F-4D97-AF65-F5344CB8AC3E}">
+        <p14:creationId xmlns:p14="http://schemas.microsoft.com/office/powerpoint/2010/main" val="574176592"/>
+      </p:ext>
+    </p:extLst>
+  </p:cSld>
+  <p:clrMapOvr>
+    <a:masterClrMapping/>
+  </p:clrMapOvr>
+</p:sld>
+</file>
+
+<file path=ppt/slides/slide2.xml><?xml version="1.0" encoding="utf-8"?>
+<p:sld xmlns:a="http://schemas.openxmlformats.org/drawingml/2006/main" xmlns:r="http://schemas.openxmlformats.org/officeDocument/2006/relationships" xmlns:p="http://schemas.openxmlformats.org/presentationml/2006/main">
+  <p:cSld>
+    <p:bg>
+      <p:bgPr>
+        <a:solidFill>
+          <a:schemeClr val="bg1"/>
+        </a:solidFill>
+        <a:effectLst/>
+      </p:bgPr>
+    </p:bg>
+    <p:spTree>
+      <p:nvGrpSpPr>
+        <p:cNvPr id="1" name=""/>
+        <p:cNvGrpSpPr/>
+        <p:nvPr/>
+      </p:nvGrpSpPr>
+      <p:grpSpPr>
+        <a:xfrm>
+          <a:off x="0" y="0"/>
+          <a:ext cx="0" cy="0"/>
+          <a:chOff x="0" y="0"/>
+          <a:chExt cx="0" cy="0"/>
+        </a:xfrm>
+      </p:grpSpPr>
+      <p:sp>
+        <p:nvSpPr>
+          <p:cNvPr id="9" name="Rectangle 8">
+            <a:extLst>
+              <a:ext uri="{FF2B5EF4-FFF2-40B4-BE49-F238E27FC236}">
+                <a16:creationId xmlns:a16="http://schemas.microsoft.com/office/drawing/2014/main" id="{2B566528-1B12-4246-9431-5C2D7D081168}"/>
+              </a:ext>
+              <a:ext uri="{C183D7F6-B498-43B3-948B-1728B52AA6E4}">
+                <adec:decorative xmlns:adec="http://schemas.microsoft.com/office/drawing/2017/decorative" val="1"/>
+              </a:ext>
+            </a:extLst>
+          </p:cNvPr>
+          <p:cNvSpPr>
+            <a:spLocks noGrp="1" noRot="1" noChangeAspect="1" noMove="1" noResize="1" noEditPoints="1" noAdjustHandles="1" noChangeArrowheads="1" noChangeShapeType="1" noTextEdit="1"/>
+          </p:cNvSpPr>
+          <p:nvPr>
+            <p:extLst>
+              <p:ext uri="{386F3935-93C4-4BCD-93E2-E3B085C9AB24}">
+                <p16:designElem xmlns:p16="http://schemas.microsoft.com/office/powerpoint/2015/main" val="1"/>
+              </p:ext>
+            </p:extLst>
+          </p:nvPr>
+        </p:nvSpPr>
+        <p:spPr>
+          <a:xfrm>
+            <a:off x="0" y="0"/>
+            <a:ext cx="12192000" cy="6858000"/>
+          </a:xfrm>
+          <a:prstGeom prst="rect">
+            <a:avLst/>
+          </a:prstGeom>
+          <a:solidFill>
+            <a:schemeClr val="bg1"/>
+          </a:solidFill>
+          <a:ln>
+            <a:noFill/>
+          </a:ln>
+        </p:spPr>
+        <p:style>
+          <a:lnRef idx="2">
+            <a:schemeClr val="accent1">
+              <a:shade val="50000"/>
+            </a:schemeClr>
+          </a:lnRef>
+          <a:fillRef idx="1">
+            <a:schemeClr val="accent1"/>
+          </a:fillRef>
+          <a:effectRef idx="0">
+            <a:schemeClr val="accent1"/>
+          </a:effectRef>
+          <a:fontRef idx="minor">
+            <a:schemeClr val="lt1"/>
+          </a:fontRef>
+        </p:style>
+        <p:txBody>
+          <a:bodyPr rtlCol="0" anchor="ctr"/>
+          <a:lstStyle/>
+          <a:p>
+            <a:pPr algn="ctr"/>
+            <a:endParaRPr lang="en-US" dirty="0"/>
+          </a:p>
+        </p:txBody>
+      </p:sp>
+      <p:sp>
+        <p:nvSpPr>
+          <p:cNvPr id="2" name="Title 1">
+            <a:extLst>
+              <a:ext uri="{FF2B5EF4-FFF2-40B4-BE49-F238E27FC236}">
+                <a16:creationId xmlns:a16="http://schemas.microsoft.com/office/drawing/2014/main" id="{4C523D40-1D32-DA4C-9A4B-6D1EE3CFDA5B}"/>
+              </a:ext>
+            </a:extLst>
+          </p:cNvPr>
+          <p:cNvSpPr>
+            <a:spLocks noGrp="1"/>
+          </p:cNvSpPr>
+          <p:nvPr>
+            <p:ph type="title"/>
+          </p:nvPr>
+        </p:nvSpPr>
+        <p:spPr>
+          <a:xfrm>
+            <a:off x="643467" y="321734"/>
+            <a:ext cx="10905066" cy="1135737"/>
+          </a:xfrm>
+        </p:spPr>
+        <p:txBody>
+          <a:bodyPr>
+            <a:normAutofit/>
+          </a:bodyPr>
+          <a:lstStyle/>
+          <a:p>
+            <a:r>
+              <a:rPr lang="en-US" sz="3600" b="1" dirty="0"/>
+              <a:t>Introduction</a:t>
+            </a:r>
+          </a:p>
+        </p:txBody>
+      </p:sp>
+      <p:sp>
+        <p:nvSpPr>
+          <p:cNvPr id="11" name="Rectangle 10">
+            <a:extLst>
+              <a:ext uri="{FF2B5EF4-FFF2-40B4-BE49-F238E27FC236}">
+                <a16:creationId xmlns:a16="http://schemas.microsoft.com/office/drawing/2014/main" id="{2E80C965-DB6D-4F81-9E9E-B027384D0BD6}"/>
+              </a:ext>
+              <a:ext uri="{C183D7F6-B498-43B3-948B-1728B52AA6E4}">
+                <adec:decorative xmlns:adec="http://schemas.microsoft.com/office/drawing/2017/decorative" val="1"/>
+              </a:ext>
+            </a:extLst>
+          </p:cNvPr>
+          <p:cNvSpPr>
+            <a:spLocks noGrp="1" noRot="1" noChangeAspect="1" noMove="1" noResize="1" noEditPoints="1" noAdjustHandles="1" noChangeArrowheads="1" noChangeShapeType="1" noTextEdit="1"/>
+          </p:cNvSpPr>
+          <p:nvPr>
+            <p:extLst>
+              <p:ext uri="{386F3935-93C4-4BCD-93E2-E3B085C9AB24}">
+                <p16:designElem xmlns:p16="http://schemas.microsoft.com/office/powerpoint/2015/main" val="1"/>
+              </p:ext>
+            </p:extLst>
+          </p:nvPr>
+        </p:nvSpPr>
+        <p:spPr>
+          <a:xfrm rot="2700000">
+            <a:off x="11052629" y="2120024"/>
+            <a:ext cx="645368" cy="645368"/>
+          </a:xfrm>
+          <a:prstGeom prst="rect">
+            <a:avLst/>
+          </a:prstGeom>
+          <a:solidFill>
+            <a:schemeClr val="accent4">
+              <a:alpha val="30000"/>
+            </a:schemeClr>
+          </a:solidFill>
+          <a:ln>
+            <a:noFill/>
+          </a:ln>
+        </p:spPr>
+        <p:style>
+          <a:lnRef idx="2">
+            <a:schemeClr val="accent1">
+              <a:shade val="50000"/>
+            </a:schemeClr>
+          </a:lnRef>
+          <a:fillRef idx="1">
+            <a:schemeClr val="accent1"/>
+          </a:fillRef>
+          <a:effectRef idx="0">
+            <a:schemeClr val="accent1"/>
+          </a:effectRef>
+          <a:fontRef idx="minor">
+            <a:schemeClr val="lt1"/>
+          </a:fontRef>
+        </p:style>
+        <p:txBody>
+          <a:bodyPr rtlCol="0" anchor="ctr"/>
+          <a:lstStyle/>
+          <a:p>
+            <a:pPr algn="ctr"/>
+            <a:endParaRPr lang="en-US"/>
+          </a:p>
+        </p:txBody>
+      </p:sp>
+      <p:sp>
+        <p:nvSpPr>
+          <p:cNvPr id="13" name="Isosceles Triangle 12">
+            <a:extLst>
+              <a:ext uri="{FF2B5EF4-FFF2-40B4-BE49-F238E27FC236}">
+                <a16:creationId xmlns:a16="http://schemas.microsoft.com/office/drawing/2014/main" id="{A580F890-B085-4E95-96AA-55AEBEC5CE6E}"/>
+              </a:ext>
+              <a:ext uri="{C183D7F6-B498-43B3-948B-1728B52AA6E4}">
+                <adec:decorative xmlns:adec="http://schemas.microsoft.com/office/drawing/2017/decorative" val="1"/>
+              </a:ext>
+            </a:extLst>
+          </p:cNvPr>
+          <p:cNvSpPr>
+            <a:spLocks noGrp="1" noRot="1" noChangeAspect="1" noMove="1" noResize="1" noEditPoints="1" noAdjustHandles="1" noChangeArrowheads="1" noChangeShapeType="1" noTextEdit="1"/>
+          </p:cNvSpPr>
+          <p:nvPr>
+            <p:extLst>
+              <p:ext uri="{386F3935-93C4-4BCD-93E2-E3B085C9AB24}">
+                <p16:designElem xmlns:p16="http://schemas.microsoft.com/office/powerpoint/2015/main" val="1"/>
+              </p:ext>
+            </p:extLst>
+          </p:nvPr>
+        </p:nvSpPr>
+        <p:spPr>
+          <a:xfrm rot="16200000">
+            <a:off x="10289068" y="1343027"/>
+            <a:ext cx="2532832" cy="1273032"/>
+          </a:xfrm>
+          <a:prstGeom prst="triangle">
+            <a:avLst>
+              <a:gd name="adj" fmla="val 50000"/>
+            </a:avLst>
+          </a:prstGeom>
+          <a:solidFill>
+            <a:schemeClr val="accent4">
+              <a:alpha val="30000"/>
+            </a:schemeClr>
+          </a:solidFill>
+          <a:ln>
+            <a:noFill/>
+          </a:ln>
+        </p:spPr>
+        <p:style>
+          <a:lnRef idx="2">
+            <a:schemeClr val="accent1">
+              <a:shade val="50000"/>
+            </a:schemeClr>
+          </a:lnRef>
+          <a:fillRef idx="1">
+            <a:schemeClr val="accent1"/>
+          </a:fillRef>
+          <a:effectRef idx="0">
+            <a:schemeClr val="accent1"/>
+          </a:effectRef>
+          <a:fontRef idx="minor">
+            <a:schemeClr val="lt1"/>
+          </a:fontRef>
+        </p:style>
+        <p:txBody>
+          <a:bodyPr rtlCol="0" anchor="ctr"/>
+          <a:lstStyle/>
+          <a:p>
+            <a:pPr algn="ctr"/>
+            <a:endParaRPr lang="en-US"/>
+          </a:p>
+        </p:txBody>
+      </p:sp>
+      <p:sp>
+        <p:nvSpPr>
+          <p:cNvPr id="15" name="Isosceles Triangle 14">
+            <a:extLst>
+              <a:ext uri="{FF2B5EF4-FFF2-40B4-BE49-F238E27FC236}">
+                <a16:creationId xmlns:a16="http://schemas.microsoft.com/office/drawing/2014/main" id="{D3F51FEB-38FB-4F6C-9F7B-2F2AFAB65463}"/>
+              </a:ext>
+              <a:ext uri="{C183D7F6-B498-43B3-948B-1728B52AA6E4}">
+                <adec:decorative xmlns:adec="http://schemas.microsoft.com/office/drawing/2017/decorative" val="1"/>
+              </a:ext>
+            </a:extLst>
+          </p:cNvPr>
+          <p:cNvSpPr>
+            <a:spLocks noGrp="1" noRot="1" noChangeAspect="1" noMove="1" noResize="1" noEditPoints="1" noAdjustHandles="1" noChangeArrowheads="1" noChangeShapeType="1" noTextEdit="1"/>
+          </p:cNvSpPr>
+          <p:nvPr>
+            <p:extLst>
+              <p:ext uri="{386F3935-93C4-4BCD-93E2-E3B085C9AB24}">
+                <p16:designElem xmlns:p16="http://schemas.microsoft.com/office/powerpoint/2015/main" val="1"/>
+              </p:ext>
+            </p:extLst>
+          </p:nvPr>
+        </p:nvSpPr>
+        <p:spPr>
+          <a:xfrm rot="5400000">
+            <a:off x="-501760" y="5103257"/>
+            <a:ext cx="2017580" cy="1014060"/>
+          </a:xfrm>
+          <a:prstGeom prst="triangle">
+            <a:avLst>
+              <a:gd name="adj" fmla="val 50000"/>
+            </a:avLst>
+          </a:prstGeom>
+          <a:solidFill>
+            <a:schemeClr val="accent1">
+              <a:alpha val="30000"/>
+            </a:schemeClr>
+          </a:solidFill>
+          <a:ln>
+            <a:noFill/>
+          </a:ln>
+        </p:spPr>
+        <p:style>
+          <a:lnRef idx="2">
+            <a:schemeClr val="accent1">
+              <a:shade val="50000"/>
+            </a:schemeClr>
+          </a:lnRef>
+          <a:fillRef idx="1">
+            <a:schemeClr val="accent1"/>
+          </a:fillRef>
+          <a:effectRef idx="0">
+            <a:schemeClr val="accent1"/>
+          </a:effectRef>
+          <a:fontRef idx="minor">
+            <a:schemeClr val="lt1"/>
+          </a:fontRef>
+        </p:style>
+        <p:txBody>
+          <a:bodyPr rtlCol="0" anchor="ctr"/>
+          <a:lstStyle/>
+          <a:p>
+            <a:pPr algn="ctr"/>
+            <a:endParaRPr lang="en-US"/>
+          </a:p>
+        </p:txBody>
+      </p:sp>
+      <p:sp>
+        <p:nvSpPr>
+          <p:cNvPr id="17" name="Rectangle 16">
+            <a:extLst>
+              <a:ext uri="{FF2B5EF4-FFF2-40B4-BE49-F238E27FC236}">
+                <a16:creationId xmlns:a16="http://schemas.microsoft.com/office/drawing/2014/main" id="{1E547BA6-BAE0-43BB-A7CA-60F69CE252F0}"/>
+              </a:ext>
+              <a:ext uri="{C183D7F6-B498-43B3-948B-1728B52AA6E4}">
+                <adec:decorative xmlns:adec="http://schemas.microsoft.com/office/drawing/2017/decorative" val="1"/>
+              </a:ext>
+            </a:extLst>
+          </p:cNvPr>
+          <p:cNvSpPr>
+            <a:spLocks noGrp="1" noRot="1" noChangeAspect="1" noMove="1" noResize="1" noEditPoints="1" noAdjustHandles="1" noChangeArrowheads="1" noChangeShapeType="1" noTextEdit="1"/>
+          </p:cNvSpPr>
+          <p:nvPr>
+            <p:extLst>
+              <p:ext uri="{386F3935-93C4-4BCD-93E2-E3B085C9AB24}">
+                <p16:designElem xmlns:p16="http://schemas.microsoft.com/office/powerpoint/2015/main" val="1"/>
+              </p:ext>
+            </p:extLst>
+          </p:nvPr>
+        </p:nvSpPr>
+        <p:spPr>
+          <a:xfrm rot="2700000">
+            <a:off x="427916" y="5728708"/>
+            <a:ext cx="485578" cy="485578"/>
+          </a:xfrm>
+          <a:prstGeom prst="rect">
+            <a:avLst/>
+          </a:prstGeom>
+          <a:solidFill>
+            <a:schemeClr val="accent1">
+              <a:alpha val="30000"/>
+            </a:schemeClr>
+          </a:solidFill>
+          <a:ln>
+            <a:noFill/>
+          </a:ln>
+        </p:spPr>
+        <p:style>
+          <a:lnRef idx="2">
+            <a:schemeClr val="accent1">
+              <a:shade val="50000"/>
+            </a:schemeClr>
+          </a:lnRef>
+          <a:fillRef idx="1">
+            <a:schemeClr val="accent1"/>
+          </a:fillRef>
+          <a:effectRef idx="0">
+            <a:schemeClr val="accent1"/>
+          </a:effectRef>
+          <a:fontRef idx="minor">
+            <a:schemeClr val="lt1"/>
+          </a:fontRef>
+        </p:style>
+        <p:txBody>
+          <a:bodyPr rtlCol="0" anchor="ctr"/>
+          <a:lstStyle/>
+          <a:p>
+            <a:pPr algn="ctr"/>
+            <a:endParaRPr lang="en-US"/>
+          </a:p>
+        </p:txBody>
+      </p:sp>
+      <p:sp>
+        <p:nvSpPr>
+          <p:cNvPr id="5" name="Content Placeholder 4">
+            <a:extLst>
+              <a:ext uri="{FF2B5EF4-FFF2-40B4-BE49-F238E27FC236}">
+                <a16:creationId xmlns:a16="http://schemas.microsoft.com/office/drawing/2014/main" id="{A4E53861-94DB-0843-9E98-4052618C8C78}"/>
+              </a:ext>
+            </a:extLst>
+          </p:cNvPr>
+          <p:cNvSpPr>
+            <a:spLocks noGrp="1"/>
+          </p:cNvSpPr>
+          <p:nvPr>
+            <p:ph idx="1"/>
+          </p:nvPr>
+        </p:nvSpPr>
+        <p:spPr>
+          <a:xfrm>
+            <a:off x="838200" y="1457471"/>
+            <a:ext cx="10451361" cy="4857382"/>
+          </a:xfrm>
+        </p:spPr>
+        <p:txBody>
+          <a:bodyPr>
+            <a:normAutofit fontScale="32500" lnSpcReduction="20000"/>
+          </a:bodyPr>
+          <a:lstStyle/>
+          <a:p>
+            <a:pPr marL="0" indent="0">
+              <a:lnSpc>
+                <a:spcPct val="120000"/>
+              </a:lnSpc>
+              <a:buNone/>
+            </a:pPr>
+            <a:r>
+              <a:rPr lang="en-US" sz="7200" dirty="0">
+                <a:latin typeface="+mj-lt"/>
+              </a:rPr>
+              <a:t>Curious about stock trends? We, the "Sweet Stocks," will be </a:t>
+            </a:r>
+            <a:r>
+              <a:rPr lang="en-US" sz="7200" b="1" dirty="0">
+                <a:latin typeface="+mj-lt"/>
+              </a:rPr>
+              <a:t>Extracting</a:t>
+            </a:r>
+            <a:r>
+              <a:rPr lang="en-US" sz="7200" dirty="0">
+                <a:latin typeface="+mj-lt"/>
+              </a:rPr>
+              <a:t> data from a reputable source and will </a:t>
+            </a:r>
+            <a:r>
+              <a:rPr lang="en-US" sz="7200" b="1" dirty="0">
+                <a:latin typeface="+mj-lt"/>
+              </a:rPr>
+              <a:t>Transform</a:t>
+            </a:r>
+            <a:r>
+              <a:rPr lang="en-US" sz="7200" dirty="0">
+                <a:latin typeface="+mj-lt"/>
+              </a:rPr>
+              <a:t> the data as best possible to </a:t>
+            </a:r>
+            <a:r>
+              <a:rPr lang="en-US" sz="7200" b="1" dirty="0">
+                <a:latin typeface="+mj-lt"/>
+              </a:rPr>
+              <a:t>Load</a:t>
+            </a:r>
+            <a:r>
+              <a:rPr lang="en-US" sz="7200" dirty="0">
+                <a:latin typeface="+mj-lt"/>
+              </a:rPr>
+              <a:t> structured data that will show specific stock trends. </a:t>
+            </a:r>
+          </a:p>
+          <a:p>
+            <a:pPr marL="0" indent="0">
+              <a:lnSpc>
+                <a:spcPct val="120000"/>
+              </a:lnSpc>
+              <a:buNone/>
+            </a:pPr>
+            <a:endParaRPr lang="en-US" sz="7200" dirty="0">
+              <a:latin typeface="+mj-lt"/>
+            </a:endParaRPr>
+          </a:p>
+          <a:p>
+            <a:pPr marL="0" indent="0">
+              <a:lnSpc>
+                <a:spcPct val="120000"/>
+              </a:lnSpc>
+              <a:buNone/>
+            </a:pPr>
+            <a:r>
+              <a:rPr lang="en-US" sz="7200" dirty="0">
+                <a:latin typeface="+mj-lt"/>
+              </a:rPr>
+              <a:t>As a way to guide our efforts, we've asked the following questions:</a:t>
+            </a:r>
+          </a:p>
+          <a:p>
+            <a:pPr>
+              <a:lnSpc>
+                <a:spcPct val="120000"/>
+              </a:lnSpc>
+            </a:pPr>
+            <a:r>
+              <a:rPr lang="en-US" sz="7200" dirty="0">
+                <a:latin typeface="+mj-lt"/>
+              </a:rPr>
+              <a:t>What are the stocks of most interest per specified regions?</a:t>
+            </a:r>
+          </a:p>
+          <a:p>
+            <a:pPr>
+              <a:lnSpc>
+                <a:spcPct val="120000"/>
+              </a:lnSpc>
+            </a:pPr>
+            <a:r>
+              <a:rPr lang="en-US" sz="7200" dirty="0">
+                <a:latin typeface="+mj-lt"/>
+              </a:rPr>
+              <a:t>Are trending stocks the most volatile stocks in the specified regions? Compare the 20 trending stocks vs. SYP (symbol tracks S&amp;P 500 - tracks top 500 companies in the U.S.)</a:t>
+            </a:r>
+          </a:p>
+          <a:p>
+            <a:pPr>
+              <a:lnSpc>
+                <a:spcPct val="120000"/>
+              </a:lnSpc>
+            </a:pPr>
+            <a:r>
+              <a:rPr lang="en-US" sz="7200" dirty="0">
+                <a:latin typeface="+mj-lt"/>
+              </a:rPr>
+              <a:t>Among the 20 trending stocks, what is the average gain or loss "pre-covid" vs. "during covid"? ("Pre-covid Period" - March, 2019 to March, 2020 vs. "During Covid Period " - March,2020 to March,2021)</a:t>
+            </a:r>
+          </a:p>
+          <a:p>
+            <a:endParaRPr lang="en-US" dirty="0"/>
+          </a:p>
+        </p:txBody>
+      </p:sp>
+    </p:spTree>
+    <p:extLst>
+      <p:ext uri="{BB962C8B-B14F-4D97-AF65-F5344CB8AC3E}">
+        <p14:creationId xmlns:p14="http://schemas.microsoft.com/office/powerpoint/2010/main" val="1794029204"/>
+      </p:ext>
+    </p:extLst>
+  </p:cSld>
+  <p:clrMapOvr>
+    <a:masterClrMapping/>
+  </p:clrMapOvr>
+</p:sld>
+</file>
+
+<file path=ppt/slides/slide3.xml><?xml version="1.0" encoding="utf-8"?>
+<p:sld xmlns:a="http://schemas.openxmlformats.org/drawingml/2006/main" xmlns:r="http://schemas.openxmlformats.org/officeDocument/2006/relationships" xmlns:p="http://schemas.openxmlformats.org/presentationml/2006/main">
+  <p:cSld>
+    <p:bg>
+      <p:bgPr>
+        <a:solidFill>
+          <a:schemeClr val="bg1"/>
+        </a:solidFill>
+        <a:effectLst/>
+      </p:bgPr>
+    </p:bg>
+    <p:spTree>
+      <p:nvGrpSpPr>
+        <p:cNvPr id="1" name=""/>
+        <p:cNvGrpSpPr/>
+        <p:nvPr/>
+      </p:nvGrpSpPr>
+      <p:grpSpPr>
+        <a:xfrm>
+          <a:off x="0" y="0"/>
+          <a:ext cx="0" cy="0"/>
+          <a:chOff x="0" y="0"/>
+          <a:chExt cx="0" cy="0"/>
+        </a:xfrm>
+      </p:grpSpPr>
+      <p:sp>
+        <p:nvSpPr>
+          <p:cNvPr id="9" name="Rectangle 8">
+            <a:extLst>
+              <a:ext uri="{FF2B5EF4-FFF2-40B4-BE49-F238E27FC236}">
+                <a16:creationId xmlns:a16="http://schemas.microsoft.com/office/drawing/2014/main" id="{2B566528-1B12-4246-9431-5C2D7D081168}"/>
+              </a:ext>
+              <a:ext uri="{C183D7F6-B498-43B3-948B-1728B52AA6E4}">
+                <adec:decorative xmlns:adec="http://schemas.microsoft.com/office/drawing/2017/decorative" val="1"/>
+              </a:ext>
+            </a:extLst>
+          </p:cNvPr>
+          <p:cNvSpPr>
+            <a:spLocks noGrp="1" noRot="1" noChangeAspect="1" noMove="1" noResize="1" noEditPoints="1" noAdjustHandles="1" noChangeArrowheads="1" noChangeShapeType="1" noTextEdit="1"/>
+          </p:cNvSpPr>
+          <p:nvPr>
+            <p:extLst>
+              <p:ext uri="{386F3935-93C4-4BCD-93E2-E3B085C9AB24}">
+                <p16:designElem xmlns:p16="http://schemas.microsoft.com/office/powerpoint/2015/main" val="1"/>
+              </p:ext>
+            </p:extLst>
+          </p:nvPr>
+        </p:nvSpPr>
+        <p:spPr>
+          <a:xfrm>
+            <a:off x="0" y="0"/>
+            <a:ext cx="12192000" cy="6858000"/>
+          </a:xfrm>
+          <a:prstGeom prst="rect">
+            <a:avLst/>
+          </a:prstGeom>
+          <a:solidFill>
+            <a:schemeClr val="bg1"/>
+          </a:solidFill>
+          <a:ln>
+            <a:noFill/>
+          </a:ln>
+        </p:spPr>
+        <p:style>
+          <a:lnRef idx="2">
+            <a:schemeClr val="accent1">
+              <a:shade val="50000"/>
+            </a:schemeClr>
+          </a:lnRef>
+          <a:fillRef idx="1">
+            <a:schemeClr val="accent1"/>
+          </a:fillRef>
+          <a:effectRef idx="0">
+            <a:schemeClr val="accent1"/>
+          </a:effectRef>
+          <a:fontRef idx="minor">
+            <a:schemeClr val="lt1"/>
+          </a:fontRef>
+        </p:style>
+        <p:txBody>
+          <a:bodyPr rtlCol="0" anchor="ctr"/>
+          <a:lstStyle/>
+          <a:p>
+            <a:pPr algn="ctr"/>
+            <a:endParaRPr lang="en-US" dirty="0"/>
+          </a:p>
+        </p:txBody>
+      </p:sp>
+      <p:sp>
+        <p:nvSpPr>
+          <p:cNvPr id="2" name="Title 1">
+            <a:extLst>
+              <a:ext uri="{FF2B5EF4-FFF2-40B4-BE49-F238E27FC236}">
+                <a16:creationId xmlns:a16="http://schemas.microsoft.com/office/drawing/2014/main" id="{4C523D40-1D32-DA4C-9A4B-6D1EE3CFDA5B}"/>
+              </a:ext>
+            </a:extLst>
+          </p:cNvPr>
+          <p:cNvSpPr>
+            <a:spLocks noGrp="1"/>
+          </p:cNvSpPr>
+          <p:nvPr>
+            <p:ph type="title"/>
+          </p:nvPr>
+        </p:nvSpPr>
+        <p:spPr>
+          <a:xfrm>
+            <a:off x="643467" y="321734"/>
+            <a:ext cx="10905066" cy="1135737"/>
+          </a:xfrm>
+        </p:spPr>
+        <p:txBody>
+          <a:bodyPr>
+            <a:normAutofit/>
+          </a:bodyPr>
+          <a:lstStyle/>
+          <a:p>
+            <a:r>
+              <a:rPr lang="en-US" sz="4800" b="1" dirty="0"/>
+              <a:t>Sources and Platforms</a:t>
+            </a:r>
+          </a:p>
+        </p:txBody>
+      </p:sp>
+      <p:sp>
+        <p:nvSpPr>
+          <p:cNvPr id="11" name="Rectangle 10">
+            <a:extLst>
+              <a:ext uri="{FF2B5EF4-FFF2-40B4-BE49-F238E27FC236}">
+                <a16:creationId xmlns:a16="http://schemas.microsoft.com/office/drawing/2014/main" id="{2E80C965-DB6D-4F81-9E9E-B027384D0BD6}"/>
+              </a:ext>
+              <a:ext uri="{C183D7F6-B498-43B3-948B-1728B52AA6E4}">
+                <adec:decorative xmlns:adec="http://schemas.microsoft.com/office/drawing/2017/decorative" val="1"/>
+              </a:ext>
+            </a:extLst>
+          </p:cNvPr>
+          <p:cNvSpPr>
+            <a:spLocks noGrp="1" noRot="1" noChangeAspect="1" noMove="1" noResize="1" noEditPoints="1" noAdjustHandles="1" noChangeArrowheads="1" noChangeShapeType="1" noTextEdit="1"/>
+          </p:cNvSpPr>
+          <p:nvPr>
+            <p:extLst>
+              <p:ext uri="{386F3935-93C4-4BCD-93E2-E3B085C9AB24}">
+                <p16:designElem xmlns:p16="http://schemas.microsoft.com/office/powerpoint/2015/main" val="1"/>
+              </p:ext>
+            </p:extLst>
+          </p:nvPr>
+        </p:nvSpPr>
+        <p:spPr>
+          <a:xfrm rot="2700000">
+            <a:off x="11052629" y="2120024"/>
+            <a:ext cx="645368" cy="645368"/>
+          </a:xfrm>
+          <a:prstGeom prst="rect">
+            <a:avLst/>
+          </a:prstGeom>
+          <a:solidFill>
+            <a:schemeClr val="accent4">
+              <a:alpha val="30000"/>
+            </a:schemeClr>
+          </a:solidFill>
+          <a:ln>
+            <a:noFill/>
+          </a:ln>
+        </p:spPr>
+        <p:style>
+          <a:lnRef idx="2">
+            <a:schemeClr val="accent1">
+              <a:shade val="50000"/>
+            </a:schemeClr>
+          </a:lnRef>
+          <a:fillRef idx="1">
+            <a:schemeClr val="accent1"/>
+          </a:fillRef>
+          <a:effectRef idx="0">
+            <a:schemeClr val="accent1"/>
+          </a:effectRef>
+          <a:fontRef idx="minor">
+            <a:schemeClr val="lt1"/>
+          </a:fontRef>
+        </p:style>
+        <p:txBody>
+          <a:bodyPr rtlCol="0" anchor="ctr"/>
+          <a:lstStyle/>
+          <a:p>
+            <a:pPr algn="ctr"/>
+            <a:endParaRPr lang="en-US"/>
+          </a:p>
+        </p:txBody>
+      </p:sp>
+      <p:sp>
+        <p:nvSpPr>
+          <p:cNvPr id="13" name="Isosceles Triangle 12">
+            <a:extLst>
+              <a:ext uri="{FF2B5EF4-FFF2-40B4-BE49-F238E27FC236}">
+                <a16:creationId xmlns:a16="http://schemas.microsoft.com/office/drawing/2014/main" id="{A580F890-B085-4E95-96AA-55AEBEC5CE6E}"/>
+              </a:ext>
+              <a:ext uri="{C183D7F6-B498-43B3-948B-1728B52AA6E4}">
+                <adec:decorative xmlns:adec="http://schemas.microsoft.com/office/drawing/2017/decorative" val="1"/>
+              </a:ext>
+            </a:extLst>
+          </p:cNvPr>
+          <p:cNvSpPr>
+            <a:spLocks noGrp="1" noRot="1" noChangeAspect="1" noMove="1" noResize="1" noEditPoints="1" noAdjustHandles="1" noChangeArrowheads="1" noChangeShapeType="1" noTextEdit="1"/>
+          </p:cNvSpPr>
+          <p:nvPr>
+            <p:extLst>
+              <p:ext uri="{386F3935-93C4-4BCD-93E2-E3B085C9AB24}">
+                <p16:designElem xmlns:p16="http://schemas.microsoft.com/office/powerpoint/2015/main" val="1"/>
+              </p:ext>
+            </p:extLst>
+          </p:nvPr>
+        </p:nvSpPr>
+        <p:spPr>
+          <a:xfrm rot="16200000">
+            <a:off x="10289068" y="1343027"/>
+            <a:ext cx="2532832" cy="1273032"/>
+          </a:xfrm>
+          <a:prstGeom prst="triangle">
+            <a:avLst>
+              <a:gd name="adj" fmla="val 50000"/>
+            </a:avLst>
+          </a:prstGeom>
+          <a:solidFill>
+            <a:schemeClr val="accent4">
+              <a:alpha val="30000"/>
+            </a:schemeClr>
+          </a:solidFill>
+          <a:ln>
+            <a:noFill/>
+          </a:ln>
+        </p:spPr>
+        <p:style>
+          <a:lnRef idx="2">
+            <a:schemeClr val="accent1">
+              <a:shade val="50000"/>
+            </a:schemeClr>
+          </a:lnRef>
+          <a:fillRef idx="1">
+            <a:schemeClr val="accent1"/>
+          </a:fillRef>
+          <a:effectRef idx="0">
+            <a:schemeClr val="accent1"/>
+          </a:effectRef>
+          <a:fontRef idx="minor">
+            <a:schemeClr val="lt1"/>
+          </a:fontRef>
+        </p:style>
+        <p:txBody>
+          <a:bodyPr rtlCol="0" anchor="ctr"/>
+          <a:lstStyle/>
+          <a:p>
+            <a:pPr algn="ctr"/>
+            <a:endParaRPr lang="en-US"/>
+          </a:p>
+        </p:txBody>
+      </p:sp>
+      <p:sp>
+        <p:nvSpPr>
+          <p:cNvPr id="15" name="Isosceles Triangle 14">
+            <a:extLst>
+              <a:ext uri="{FF2B5EF4-FFF2-40B4-BE49-F238E27FC236}">
+                <a16:creationId xmlns:a16="http://schemas.microsoft.com/office/drawing/2014/main" id="{D3F51FEB-38FB-4F6C-9F7B-2F2AFAB65463}"/>
+              </a:ext>
+              <a:ext uri="{C183D7F6-B498-43B3-948B-1728B52AA6E4}">
+                <adec:decorative xmlns:adec="http://schemas.microsoft.com/office/drawing/2017/decorative" val="1"/>
+              </a:ext>
+            </a:extLst>
+          </p:cNvPr>
+          <p:cNvSpPr>
+            <a:spLocks noGrp="1" noRot="1" noChangeAspect="1" noMove="1" noResize="1" noEditPoints="1" noAdjustHandles="1" noChangeArrowheads="1" noChangeShapeType="1" noTextEdit="1"/>
+          </p:cNvSpPr>
+          <p:nvPr>
+            <p:extLst>
+              <p:ext uri="{386F3935-93C4-4BCD-93E2-E3B085C9AB24}">
+                <p16:designElem xmlns:p16="http://schemas.microsoft.com/office/powerpoint/2015/main" val="1"/>
+              </p:ext>
+            </p:extLst>
+          </p:nvPr>
+        </p:nvSpPr>
+        <p:spPr>
+          <a:xfrm rot="5400000">
+            <a:off x="-501760" y="5103257"/>
+            <a:ext cx="2017580" cy="1014060"/>
+          </a:xfrm>
+          <a:prstGeom prst="triangle">
+            <a:avLst>
+              <a:gd name="adj" fmla="val 50000"/>
+            </a:avLst>
+          </a:prstGeom>
+          <a:solidFill>
+            <a:schemeClr val="accent1">
+              <a:alpha val="30000"/>
+            </a:schemeClr>
+          </a:solidFill>
+          <a:ln>
+            <a:noFill/>
+          </a:ln>
+        </p:spPr>
+        <p:style>
+          <a:lnRef idx="2">
+            <a:schemeClr val="accent1">
+              <a:shade val="50000"/>
+            </a:schemeClr>
+          </a:lnRef>
+          <a:fillRef idx="1">
+            <a:schemeClr val="accent1"/>
+          </a:fillRef>
+          <a:effectRef idx="0">
+            <a:schemeClr val="accent1"/>
+          </a:effectRef>
+          <a:fontRef idx="minor">
+            <a:schemeClr val="lt1"/>
+          </a:fontRef>
+        </p:style>
+        <p:txBody>
+          <a:bodyPr rtlCol="0" anchor="ctr"/>
+          <a:lstStyle/>
+          <a:p>
+            <a:pPr algn="ctr"/>
+            <a:endParaRPr lang="en-US"/>
+          </a:p>
+        </p:txBody>
+      </p:sp>
+      <p:sp>
+        <p:nvSpPr>
+          <p:cNvPr id="17" name="Rectangle 16">
+            <a:extLst>
+              <a:ext uri="{FF2B5EF4-FFF2-40B4-BE49-F238E27FC236}">
+                <a16:creationId xmlns:a16="http://schemas.microsoft.com/office/drawing/2014/main" id="{1E547BA6-BAE0-43BB-A7CA-60F69CE252F0}"/>
+              </a:ext>
+              <a:ext uri="{C183D7F6-B498-43B3-948B-1728B52AA6E4}">
+                <adec:decorative xmlns:adec="http://schemas.microsoft.com/office/drawing/2017/decorative" val="1"/>
+              </a:ext>
+            </a:extLst>
+          </p:cNvPr>
+          <p:cNvSpPr>
+            <a:spLocks noGrp="1" noRot="1" noChangeAspect="1" noMove="1" noResize="1" noEditPoints="1" noAdjustHandles="1" noChangeArrowheads="1" noChangeShapeType="1" noTextEdit="1"/>
+          </p:cNvSpPr>
+          <p:nvPr>
+            <p:extLst>
+              <p:ext uri="{386F3935-93C4-4BCD-93E2-E3B085C9AB24}">
+                <p16:designElem xmlns:p16="http://schemas.microsoft.com/office/powerpoint/2015/main" val="1"/>
+              </p:ext>
+            </p:extLst>
+          </p:nvPr>
+        </p:nvSpPr>
+        <p:spPr>
+          <a:xfrm rot="2700000">
+            <a:off x="427916" y="5728708"/>
+            <a:ext cx="485578" cy="485578"/>
+          </a:xfrm>
+          <a:prstGeom prst="rect">
+            <a:avLst/>
+          </a:prstGeom>
+          <a:solidFill>
+            <a:schemeClr val="accent1">
+              <a:alpha val="30000"/>
+            </a:schemeClr>
+          </a:solidFill>
+          <a:ln>
+            <a:noFill/>
+          </a:ln>
+        </p:spPr>
+        <p:style>
+          <a:lnRef idx="2">
+            <a:schemeClr val="accent1">
+              <a:shade val="50000"/>
+            </a:schemeClr>
+          </a:lnRef>
+          <a:fillRef idx="1">
+            <a:schemeClr val="accent1"/>
+          </a:fillRef>
+          <a:effectRef idx="0">
+            <a:schemeClr val="accent1"/>
+          </a:effectRef>
+          <a:fontRef idx="minor">
+            <a:schemeClr val="lt1"/>
+          </a:fontRef>
+        </p:style>
+        <p:txBody>
+          <a:bodyPr rtlCol="0" anchor="ctr"/>
+          <a:lstStyle/>
+          <a:p>
+            <a:pPr algn="ctr"/>
+            <a:endParaRPr lang="en-US"/>
+          </a:p>
+        </p:txBody>
+      </p:sp>
+      <p:sp>
+        <p:nvSpPr>
+          <p:cNvPr id="5" name="Content Placeholder 4">
+            <a:extLst>
+              <a:ext uri="{FF2B5EF4-FFF2-40B4-BE49-F238E27FC236}">
+                <a16:creationId xmlns:a16="http://schemas.microsoft.com/office/drawing/2014/main" id="{A4E53861-94DB-0843-9E98-4052618C8C78}"/>
+              </a:ext>
+            </a:extLst>
+          </p:cNvPr>
+          <p:cNvSpPr>
+            <a:spLocks noGrp="1"/>
+          </p:cNvSpPr>
+          <p:nvPr>
+            <p:ph idx="1"/>
+          </p:nvPr>
+        </p:nvSpPr>
+        <p:spPr>
+          <a:xfrm>
+            <a:off x="838200" y="1457471"/>
+            <a:ext cx="10451361" cy="4857382"/>
+          </a:xfrm>
+        </p:spPr>
+        <p:txBody>
+          <a:bodyPr>
+            <a:normAutofit/>
+          </a:bodyPr>
+          <a:lstStyle/>
+          <a:p>
+            <a:r>
+              <a:rPr lang="en-US" dirty="0">
+                <a:latin typeface="+mj-lt"/>
+              </a:rPr>
+              <a:t>Open Source </a:t>
+            </a:r>
+            <a:r>
+              <a:rPr lang="en-US" dirty="0" err="1">
+                <a:latin typeface="+mj-lt"/>
+              </a:rPr>
+              <a:t>Libarary</a:t>
+            </a:r>
+            <a:r>
+              <a:rPr lang="en-US" dirty="0">
+                <a:latin typeface="+mj-lt"/>
+              </a:rPr>
+              <a:t>: </a:t>
+            </a:r>
+            <a:r>
+              <a:rPr lang="en-US" dirty="0" err="1">
+                <a:latin typeface="+mj-lt"/>
+              </a:rPr>
+              <a:t>Yahoo_Fin</a:t>
+            </a:r>
+            <a:endParaRPr lang="en-US" dirty="0">
+              <a:latin typeface="+mj-lt"/>
+            </a:endParaRPr>
+          </a:p>
+          <a:p>
+            <a:r>
+              <a:rPr lang="en-US" dirty="0" err="1">
+                <a:latin typeface="+mj-lt"/>
+              </a:rPr>
+              <a:t>Jupyter</a:t>
+            </a:r>
+            <a:r>
+              <a:rPr lang="en-US" dirty="0">
+                <a:latin typeface="+mj-lt"/>
+              </a:rPr>
+              <a:t> Notebook</a:t>
+            </a:r>
+          </a:p>
+          <a:p>
+            <a:r>
+              <a:rPr lang="en-US" dirty="0">
+                <a:latin typeface="+mj-lt"/>
+              </a:rPr>
+              <a:t>Pandas/Python</a:t>
+            </a:r>
+          </a:p>
+          <a:p>
+            <a:r>
+              <a:rPr lang="en-US" dirty="0">
+                <a:latin typeface="+mj-lt"/>
+              </a:rPr>
+              <a:t>Requests</a:t>
+            </a:r>
+          </a:p>
+          <a:p>
+            <a:r>
+              <a:rPr lang="en-US" dirty="0">
+                <a:latin typeface="+mj-lt"/>
+              </a:rPr>
+              <a:t>PostgreSQL</a:t>
+            </a:r>
+          </a:p>
+          <a:p>
+            <a:endParaRPr lang="en-US" dirty="0"/>
+          </a:p>
+          <a:p>
+            <a:endParaRPr lang="en-US" dirty="0"/>
+          </a:p>
+        </p:txBody>
+      </p:sp>
+    </p:spTree>
+    <p:extLst>
+      <p:ext uri="{BB962C8B-B14F-4D97-AF65-F5344CB8AC3E}">
+        <p14:creationId xmlns:p14="http://schemas.microsoft.com/office/powerpoint/2010/main" val="1056430770"/>
+      </p:ext>
+    </p:extLst>
+  </p:cSld>
+  <p:clrMapOvr>
+    <a:masterClrMapping/>
+  </p:clrMapOvr>
+</p:sld>
+</file>
+
+<file path=ppt/slides/slide4.xml><?xml version="1.0" encoding="utf-8"?>
+<p:sld xmlns:a="http://schemas.openxmlformats.org/drawingml/2006/main" xmlns:r="http://schemas.openxmlformats.org/officeDocument/2006/relationships" xmlns:p="http://schemas.openxmlformats.org/presentationml/2006/main">
+  <p:cSld>
+    <p:bg>
+      <p:bgPr>
+        <a:solidFill>
+          <a:schemeClr val="bg1"/>
+        </a:solidFill>
+        <a:effectLst/>
+      </p:bgPr>
+    </p:bg>
+    <p:spTree>
+      <p:nvGrpSpPr>
+        <p:cNvPr id="1" name=""/>
+        <p:cNvGrpSpPr/>
+        <p:nvPr/>
+      </p:nvGrpSpPr>
+      <p:grpSpPr>
+        <a:xfrm>
+          <a:off x="0" y="0"/>
+          <a:ext cx="0" cy="0"/>
+          <a:chOff x="0" y="0"/>
+          <a:chExt cx="0" cy="0"/>
+        </a:xfrm>
+      </p:grpSpPr>
+      <p:sp>
+        <p:nvSpPr>
+          <p:cNvPr id="9" name="Rectangle 8">
+            <a:extLst>
+              <a:ext uri="{FF2B5EF4-FFF2-40B4-BE49-F238E27FC236}">
+                <a16:creationId xmlns:a16="http://schemas.microsoft.com/office/drawing/2014/main" id="{2B566528-1B12-4246-9431-5C2D7D081168}"/>
+              </a:ext>
+              <a:ext uri="{C183D7F6-B498-43B3-948B-1728B52AA6E4}">
+                <adec:decorative xmlns:adec="http://schemas.microsoft.com/office/drawing/2017/decorative" val="1"/>
+              </a:ext>
+            </a:extLst>
+          </p:cNvPr>
+          <p:cNvSpPr>
+            <a:spLocks noGrp="1" noRot="1" noChangeAspect="1" noMove="1" noResize="1" noEditPoints="1" noAdjustHandles="1" noChangeArrowheads="1" noChangeShapeType="1" noTextEdit="1"/>
+          </p:cNvSpPr>
+          <p:nvPr>
+            <p:extLst>
+              <p:ext uri="{386F3935-93C4-4BCD-93E2-E3B085C9AB24}">
+                <p16:designElem xmlns:p16="http://schemas.microsoft.com/office/powerpoint/2015/main" val="1"/>
+              </p:ext>
+            </p:extLst>
+          </p:nvPr>
+        </p:nvSpPr>
+        <p:spPr>
+          <a:xfrm>
+            <a:off x="0" y="0"/>
+            <a:ext cx="12192000" cy="6858000"/>
+          </a:xfrm>
+          <a:prstGeom prst="rect">
+            <a:avLst/>
+          </a:prstGeom>
+          <a:solidFill>
+            <a:schemeClr val="bg1"/>
+          </a:solidFill>
+          <a:ln>
+            <a:noFill/>
+          </a:ln>
+        </p:spPr>
+        <p:style>
+          <a:lnRef idx="2">
+            <a:schemeClr val="accent1">
+              <a:shade val="50000"/>
+            </a:schemeClr>
+          </a:lnRef>
+          <a:fillRef idx="1">
+            <a:schemeClr val="accent1"/>
+          </a:fillRef>
+          <a:effectRef idx="0">
+            <a:schemeClr val="accent1"/>
+          </a:effectRef>
+          <a:fontRef idx="minor">
+            <a:schemeClr val="lt1"/>
+          </a:fontRef>
+        </p:style>
+        <p:txBody>
+          <a:bodyPr rtlCol="0" anchor="ctr"/>
+          <a:lstStyle/>
+          <a:p>
+            <a:pPr algn="ctr"/>
+            <a:endParaRPr lang="en-US" dirty="0"/>
+          </a:p>
+        </p:txBody>
+      </p:sp>
+      <p:sp>
+        <p:nvSpPr>
+          <p:cNvPr id="2" name="Title 1">
+            <a:extLst>
+              <a:ext uri="{FF2B5EF4-FFF2-40B4-BE49-F238E27FC236}">
+                <a16:creationId xmlns:a16="http://schemas.microsoft.com/office/drawing/2014/main" id="{4C523D40-1D32-DA4C-9A4B-6D1EE3CFDA5B}"/>
+              </a:ext>
+            </a:extLst>
+          </p:cNvPr>
+          <p:cNvSpPr>
+            <a:spLocks noGrp="1"/>
+          </p:cNvSpPr>
+          <p:nvPr>
+            <p:ph type="title"/>
+          </p:nvPr>
+        </p:nvSpPr>
+        <p:spPr>
+          <a:xfrm>
+            <a:off x="643467" y="321734"/>
+            <a:ext cx="10905066" cy="1135737"/>
+          </a:xfrm>
+        </p:spPr>
+        <p:txBody>
+          <a:bodyPr>
+            <a:normAutofit/>
+          </a:bodyPr>
+          <a:lstStyle/>
+          <a:p>
+            <a:r>
+              <a:rPr lang="en-US" sz="4000" b="1" dirty="0"/>
+              <a:t>ETL Process</a:t>
+            </a:r>
+          </a:p>
+        </p:txBody>
+      </p:sp>
+      <p:sp>
+        <p:nvSpPr>
+          <p:cNvPr id="11" name="Rectangle 10">
+            <a:extLst>
+              <a:ext uri="{FF2B5EF4-FFF2-40B4-BE49-F238E27FC236}">
+                <a16:creationId xmlns:a16="http://schemas.microsoft.com/office/drawing/2014/main" id="{2E80C965-DB6D-4F81-9E9E-B027384D0BD6}"/>
+              </a:ext>
+              <a:ext uri="{C183D7F6-B498-43B3-948B-1728B52AA6E4}">
+                <adec:decorative xmlns:adec="http://schemas.microsoft.com/office/drawing/2017/decorative" val="1"/>
+              </a:ext>
+            </a:extLst>
+          </p:cNvPr>
+          <p:cNvSpPr>
+            <a:spLocks noGrp="1" noRot="1" noChangeAspect="1" noMove="1" noResize="1" noEditPoints="1" noAdjustHandles="1" noChangeArrowheads="1" noChangeShapeType="1" noTextEdit="1"/>
+          </p:cNvSpPr>
+          <p:nvPr>
+            <p:extLst>
+              <p:ext uri="{386F3935-93C4-4BCD-93E2-E3B085C9AB24}">
+                <p16:designElem xmlns:p16="http://schemas.microsoft.com/office/powerpoint/2015/main" val="1"/>
+              </p:ext>
+            </p:extLst>
+          </p:nvPr>
+        </p:nvSpPr>
+        <p:spPr>
+          <a:xfrm rot="2700000">
+            <a:off x="11052629" y="2120024"/>
+            <a:ext cx="645368" cy="645368"/>
+          </a:xfrm>
+          <a:prstGeom prst="rect">
+            <a:avLst/>
+          </a:prstGeom>
+          <a:solidFill>
+            <a:schemeClr val="accent4">
+              <a:alpha val="30000"/>
+            </a:schemeClr>
+          </a:solidFill>
+          <a:ln>
+            <a:noFill/>
+          </a:ln>
+        </p:spPr>
+        <p:style>
+          <a:lnRef idx="2">
+            <a:schemeClr val="accent1">
+              <a:shade val="50000"/>
+            </a:schemeClr>
+          </a:lnRef>
+          <a:fillRef idx="1">
+            <a:schemeClr val="accent1"/>
+          </a:fillRef>
+          <a:effectRef idx="0">
+            <a:schemeClr val="accent1"/>
+          </a:effectRef>
+          <a:fontRef idx="minor">
+            <a:schemeClr val="lt1"/>
+          </a:fontRef>
+        </p:style>
+        <p:txBody>
+          <a:bodyPr rtlCol="0" anchor="ctr"/>
+          <a:lstStyle/>
+          <a:p>
+            <a:pPr algn="ctr"/>
+            <a:endParaRPr lang="en-US"/>
+          </a:p>
+        </p:txBody>
+      </p:sp>
+      <p:sp>
+        <p:nvSpPr>
+          <p:cNvPr id="13" name="Isosceles Triangle 12">
+            <a:extLst>
+              <a:ext uri="{FF2B5EF4-FFF2-40B4-BE49-F238E27FC236}">
+                <a16:creationId xmlns:a16="http://schemas.microsoft.com/office/drawing/2014/main" id="{A580F890-B085-4E95-96AA-55AEBEC5CE6E}"/>
+              </a:ext>
+              <a:ext uri="{C183D7F6-B498-43B3-948B-1728B52AA6E4}">
+                <adec:decorative xmlns:adec="http://schemas.microsoft.com/office/drawing/2017/decorative" val="1"/>
+              </a:ext>
+            </a:extLst>
+          </p:cNvPr>
+          <p:cNvSpPr>
+            <a:spLocks noGrp="1" noRot="1" noChangeAspect="1" noMove="1" noResize="1" noEditPoints="1" noAdjustHandles="1" noChangeArrowheads="1" noChangeShapeType="1" noTextEdit="1"/>
+          </p:cNvSpPr>
+          <p:nvPr>
+            <p:extLst>
+              <p:ext uri="{386F3935-93C4-4BCD-93E2-E3B085C9AB24}">
+                <p16:designElem xmlns:p16="http://schemas.microsoft.com/office/powerpoint/2015/main" val="1"/>
+              </p:ext>
+            </p:extLst>
+          </p:nvPr>
+        </p:nvSpPr>
+        <p:spPr>
+          <a:xfrm rot="16200000">
+            <a:off x="10289068" y="1343027"/>
+            <a:ext cx="2532832" cy="1273032"/>
+          </a:xfrm>
+          <a:prstGeom prst="triangle">
+            <a:avLst>
+              <a:gd name="adj" fmla="val 50000"/>
+            </a:avLst>
+          </a:prstGeom>
+          <a:solidFill>
+            <a:schemeClr val="accent4">
+              <a:alpha val="30000"/>
+            </a:schemeClr>
+          </a:solidFill>
+          <a:ln>
+            <a:noFill/>
+          </a:ln>
+        </p:spPr>
+        <p:style>
+          <a:lnRef idx="2">
+            <a:schemeClr val="accent1">
+              <a:shade val="50000"/>
+            </a:schemeClr>
+          </a:lnRef>
+          <a:fillRef idx="1">
+            <a:schemeClr val="accent1"/>
+          </a:fillRef>
+          <a:effectRef idx="0">
+            <a:schemeClr val="accent1"/>
+          </a:effectRef>
+          <a:fontRef idx="minor">
+            <a:schemeClr val="lt1"/>
+          </a:fontRef>
+        </p:style>
+        <p:txBody>
+          <a:bodyPr rtlCol="0" anchor="ctr"/>
+          <a:lstStyle/>
+          <a:p>
+            <a:pPr algn="ctr"/>
+            <a:endParaRPr lang="en-US"/>
+          </a:p>
+        </p:txBody>
+      </p:sp>
+      <p:sp>
+        <p:nvSpPr>
+          <p:cNvPr id="15" name="Isosceles Triangle 14">
+            <a:extLst>
+              <a:ext uri="{FF2B5EF4-FFF2-40B4-BE49-F238E27FC236}">
+                <a16:creationId xmlns:a16="http://schemas.microsoft.com/office/drawing/2014/main" id="{D3F51FEB-38FB-4F6C-9F7B-2F2AFAB65463}"/>
+              </a:ext>
+              <a:ext uri="{C183D7F6-B498-43B3-948B-1728B52AA6E4}">
+                <adec:decorative xmlns:adec="http://schemas.microsoft.com/office/drawing/2017/decorative" val="1"/>
+              </a:ext>
+            </a:extLst>
+          </p:cNvPr>
+          <p:cNvSpPr>
+            <a:spLocks noGrp="1" noRot="1" noChangeAspect="1" noMove="1" noResize="1" noEditPoints="1" noAdjustHandles="1" noChangeArrowheads="1" noChangeShapeType="1" noTextEdit="1"/>
+          </p:cNvSpPr>
+          <p:nvPr>
+            <p:extLst>
+              <p:ext uri="{386F3935-93C4-4BCD-93E2-E3B085C9AB24}">
+                <p16:designElem xmlns:p16="http://schemas.microsoft.com/office/powerpoint/2015/main" val="1"/>
+              </p:ext>
+            </p:extLst>
+          </p:nvPr>
+        </p:nvSpPr>
+        <p:spPr>
+          <a:xfrm rot="5400000">
+            <a:off x="-501760" y="5103257"/>
+            <a:ext cx="2017580" cy="1014060"/>
+          </a:xfrm>
+          <a:prstGeom prst="triangle">
+            <a:avLst>
+              <a:gd name="adj" fmla="val 50000"/>
+            </a:avLst>
+          </a:prstGeom>
+          <a:solidFill>
+            <a:schemeClr val="accent1">
+              <a:alpha val="30000"/>
+            </a:schemeClr>
+          </a:solidFill>
+          <a:ln>
+            <a:noFill/>
+          </a:ln>
+        </p:spPr>
+        <p:style>
+          <a:lnRef idx="2">
+            <a:schemeClr val="accent1">
+              <a:shade val="50000"/>
+            </a:schemeClr>
+          </a:lnRef>
+          <a:fillRef idx="1">
+            <a:schemeClr val="accent1"/>
+          </a:fillRef>
+          <a:effectRef idx="0">
+            <a:schemeClr val="accent1"/>
+          </a:effectRef>
+          <a:fontRef idx="minor">
+            <a:schemeClr val="lt1"/>
+          </a:fontRef>
+        </p:style>
+        <p:txBody>
+          <a:bodyPr rtlCol="0" anchor="ctr"/>
+          <a:lstStyle/>
+          <a:p>
+            <a:pPr algn="ctr"/>
+            <a:endParaRPr lang="en-US"/>
+          </a:p>
+        </p:txBody>
+      </p:sp>
+      <p:sp>
+        <p:nvSpPr>
+          <p:cNvPr id="17" name="Rectangle 16">
+            <a:extLst>
+              <a:ext uri="{FF2B5EF4-FFF2-40B4-BE49-F238E27FC236}">
+                <a16:creationId xmlns:a16="http://schemas.microsoft.com/office/drawing/2014/main" id="{1E547BA6-BAE0-43BB-A7CA-60F69CE252F0}"/>
+              </a:ext>
+              <a:ext uri="{C183D7F6-B498-43B3-948B-1728B52AA6E4}">
+                <adec:decorative xmlns:adec="http://schemas.microsoft.com/office/drawing/2017/decorative" val="1"/>
+              </a:ext>
+            </a:extLst>
+          </p:cNvPr>
+          <p:cNvSpPr>
+            <a:spLocks noGrp="1" noRot="1" noChangeAspect="1" noMove="1" noResize="1" noEditPoints="1" noAdjustHandles="1" noChangeArrowheads="1" noChangeShapeType="1" noTextEdit="1"/>
+          </p:cNvSpPr>
+          <p:nvPr>
+            <p:extLst>
+              <p:ext uri="{386F3935-93C4-4BCD-93E2-E3B085C9AB24}">
+                <p16:designElem xmlns:p16="http://schemas.microsoft.com/office/powerpoint/2015/main" val="1"/>
+              </p:ext>
+            </p:extLst>
+          </p:nvPr>
+        </p:nvSpPr>
+        <p:spPr>
+          <a:xfrm rot="2700000">
+            <a:off x="427916" y="5728708"/>
+            <a:ext cx="485578" cy="485578"/>
+          </a:xfrm>
+          <a:prstGeom prst="rect">
+            <a:avLst/>
+          </a:prstGeom>
+          <a:solidFill>
+            <a:schemeClr val="accent1">
+              <a:alpha val="30000"/>
+            </a:schemeClr>
+          </a:solidFill>
+          <a:ln>
+            <a:noFill/>
+          </a:ln>
+        </p:spPr>
+        <p:style>
+          <a:lnRef idx="2">
+            <a:schemeClr val="accent1">
+              <a:shade val="50000"/>
+            </a:schemeClr>
+          </a:lnRef>
+          <a:fillRef idx="1">
+            <a:schemeClr val="accent1"/>
+          </a:fillRef>
+          <a:effectRef idx="0">
+            <a:schemeClr val="accent1"/>
+          </a:effectRef>
+          <a:fontRef idx="minor">
+            <a:schemeClr val="lt1"/>
+          </a:fontRef>
+        </p:style>
+        <p:txBody>
+          <a:bodyPr rtlCol="0" anchor="ctr"/>
+          <a:lstStyle/>
+          <a:p>
+            <a:pPr algn="ctr"/>
+            <a:endParaRPr lang="en-US"/>
+          </a:p>
+        </p:txBody>
+      </p:sp>
       <p:graphicFrame>
         <p:nvGraphicFramePr>
           <p:cNvPr id="4" name="Content Placeholder 3">
@@ -7049,11 +9384,6 @@
           </p:cNvGraphicFramePr>
           <p:nvPr>
             <p:ph idx="1"/>
-            <p:extLst>
-              <p:ext uri="{D42A27DB-BD31-4B8C-83A1-F6EECF244321}">
-                <p14:modId xmlns:p14="http://schemas.microsoft.com/office/powerpoint/2010/main" val="992841561"/>
-              </p:ext>
-            </p:extLst>
           </p:nvPr>
         </p:nvGraphicFramePr>
         <p:xfrm>
@@ -7069,7 +9399,7 @@
     </p:spTree>
     <p:extLst>
       <p:ext uri="{BB962C8B-B14F-4D97-AF65-F5344CB8AC3E}">
-        <p14:creationId xmlns:p14="http://schemas.microsoft.com/office/powerpoint/2010/main" val="3315842429"/>
+        <p14:creationId xmlns:p14="http://schemas.microsoft.com/office/powerpoint/2010/main" val="1882991135"/>
       </p:ext>
     </p:extLst>
   </p:cSld>
@@ -7079,9 +9409,17 @@
 </p:sld>
 </file>
 
-<file path=ppt/slides/slide2.xml><?xml version="1.0" encoding="utf-8"?>
+<file path=ppt/slides/slide5.xml><?xml version="1.0" encoding="utf-8"?>
 <p:sld xmlns:a="http://schemas.openxmlformats.org/drawingml/2006/main" xmlns:r="http://schemas.openxmlformats.org/officeDocument/2006/relationships" xmlns:p="http://schemas.openxmlformats.org/presentationml/2006/main">
   <p:cSld>
+    <p:bg>
+      <p:bgPr>
+        <a:solidFill>
+          <a:schemeClr val="bg1"/>
+        </a:solidFill>
+        <a:effectLst/>
+      </p:bgPr>
+    </p:bg>
     <p:spTree>
       <p:nvGrpSpPr>
         <p:cNvPr id="1" name=""/>
@@ -7098,43 +9436,396 @@
       </p:grpSpPr>
       <p:sp>
         <p:nvSpPr>
-          <p:cNvPr id="2" name="Title 1">
-            <a:extLst>
-              <a:ext uri="{FF2B5EF4-FFF2-40B4-BE49-F238E27FC236}">
-                <a16:creationId xmlns:a16="http://schemas.microsoft.com/office/drawing/2014/main" id="{E651A894-B4CE-1C4F-9CE9-AE00B7AE177B}"/>
-              </a:ext>
-            </a:extLst>
-          </p:cNvPr>
-          <p:cNvSpPr>
-            <a:spLocks noGrp="1"/>
-          </p:cNvSpPr>
-          <p:nvPr>
-            <p:ph type="title"/>
-          </p:nvPr>
-        </p:nvSpPr>
-        <p:spPr/>
-        <p:txBody>
-          <a:bodyPr/>
+          <p:cNvPr id="9" name="Rectangle 8">
+            <a:extLst>
+              <a:ext uri="{FF2B5EF4-FFF2-40B4-BE49-F238E27FC236}">
+                <a16:creationId xmlns:a16="http://schemas.microsoft.com/office/drawing/2014/main" id="{2B566528-1B12-4246-9431-5C2D7D081168}"/>
+              </a:ext>
+              <a:ext uri="{C183D7F6-B498-43B3-948B-1728B52AA6E4}">
+                <adec:decorative xmlns:adec="http://schemas.microsoft.com/office/drawing/2017/decorative" val="1"/>
+              </a:ext>
+            </a:extLst>
+          </p:cNvPr>
+          <p:cNvSpPr>
+            <a:spLocks noGrp="1" noRot="1" noChangeAspect="1" noMove="1" noResize="1" noEditPoints="1" noAdjustHandles="1" noChangeArrowheads="1" noChangeShapeType="1" noTextEdit="1"/>
+          </p:cNvSpPr>
+          <p:nvPr>
+            <p:extLst>
+              <p:ext uri="{386F3935-93C4-4BCD-93E2-E3B085C9AB24}">
+                <p16:designElem xmlns:p16="http://schemas.microsoft.com/office/powerpoint/2015/main" val="1"/>
+              </p:ext>
+            </p:extLst>
+          </p:nvPr>
+        </p:nvSpPr>
+        <p:spPr>
+          <a:xfrm>
+            <a:off x="0" y="0"/>
+            <a:ext cx="12192000" cy="6858000"/>
+          </a:xfrm>
+          <a:prstGeom prst="rect">
+            <a:avLst/>
+          </a:prstGeom>
+          <a:solidFill>
+            <a:schemeClr val="bg1"/>
+          </a:solidFill>
+          <a:ln>
+            <a:noFill/>
+          </a:ln>
+        </p:spPr>
+        <p:style>
+          <a:lnRef idx="2">
+            <a:schemeClr val="accent1">
+              <a:shade val="50000"/>
+            </a:schemeClr>
+          </a:lnRef>
+          <a:fillRef idx="1">
+            <a:schemeClr val="accent1"/>
+          </a:fillRef>
+          <a:effectRef idx="0">
+            <a:schemeClr val="accent1"/>
+          </a:effectRef>
+          <a:fontRef idx="minor">
+            <a:schemeClr val="lt1"/>
+          </a:fontRef>
+        </p:style>
+        <p:txBody>
+          <a:bodyPr rtlCol="0" anchor="ctr"/>
           <a:lstStyle/>
           <a:p>
+            <a:pPr algn="ctr"/>
+            <a:endParaRPr lang="en-US" dirty="0"/>
+          </a:p>
+        </p:txBody>
+      </p:sp>
+      <p:sp>
+        <p:nvSpPr>
+          <p:cNvPr id="11" name="Rectangle 10">
+            <a:extLst>
+              <a:ext uri="{FF2B5EF4-FFF2-40B4-BE49-F238E27FC236}">
+                <a16:creationId xmlns:a16="http://schemas.microsoft.com/office/drawing/2014/main" id="{2E80C965-DB6D-4F81-9E9E-B027384D0BD6}"/>
+              </a:ext>
+              <a:ext uri="{C183D7F6-B498-43B3-948B-1728B52AA6E4}">
+                <adec:decorative xmlns:adec="http://schemas.microsoft.com/office/drawing/2017/decorative" val="1"/>
+              </a:ext>
+            </a:extLst>
+          </p:cNvPr>
+          <p:cNvSpPr>
+            <a:spLocks noGrp="1" noRot="1" noChangeAspect="1" noMove="1" noResize="1" noEditPoints="1" noAdjustHandles="1" noChangeArrowheads="1" noChangeShapeType="1" noTextEdit="1"/>
+          </p:cNvSpPr>
+          <p:nvPr>
+            <p:extLst>
+              <p:ext uri="{386F3935-93C4-4BCD-93E2-E3B085C9AB24}">
+                <p16:designElem xmlns:p16="http://schemas.microsoft.com/office/powerpoint/2015/main" val="1"/>
+              </p:ext>
+            </p:extLst>
+          </p:nvPr>
+        </p:nvSpPr>
+        <p:spPr>
+          <a:xfrm rot="2700000">
+            <a:off x="11052629" y="2120024"/>
+            <a:ext cx="645368" cy="645368"/>
+          </a:xfrm>
+          <a:prstGeom prst="rect">
+            <a:avLst/>
+          </a:prstGeom>
+          <a:solidFill>
+            <a:schemeClr val="accent4">
+              <a:alpha val="30000"/>
+            </a:schemeClr>
+          </a:solidFill>
+          <a:ln>
+            <a:noFill/>
+          </a:ln>
+        </p:spPr>
+        <p:style>
+          <a:lnRef idx="2">
+            <a:schemeClr val="accent1">
+              <a:shade val="50000"/>
+            </a:schemeClr>
+          </a:lnRef>
+          <a:fillRef idx="1">
+            <a:schemeClr val="accent1"/>
+          </a:fillRef>
+          <a:effectRef idx="0">
+            <a:schemeClr val="accent1"/>
+          </a:effectRef>
+          <a:fontRef idx="minor">
+            <a:schemeClr val="lt1"/>
+          </a:fontRef>
+        </p:style>
+        <p:txBody>
+          <a:bodyPr rtlCol="0" anchor="ctr"/>
+          <a:lstStyle/>
+          <a:p>
+            <a:pPr algn="ctr"/>
+            <a:endParaRPr lang="en-US"/>
+          </a:p>
+        </p:txBody>
+      </p:sp>
+      <p:sp>
+        <p:nvSpPr>
+          <p:cNvPr id="13" name="Isosceles Triangle 12">
+            <a:extLst>
+              <a:ext uri="{FF2B5EF4-FFF2-40B4-BE49-F238E27FC236}">
+                <a16:creationId xmlns:a16="http://schemas.microsoft.com/office/drawing/2014/main" id="{A580F890-B085-4E95-96AA-55AEBEC5CE6E}"/>
+              </a:ext>
+              <a:ext uri="{C183D7F6-B498-43B3-948B-1728B52AA6E4}">
+                <adec:decorative xmlns:adec="http://schemas.microsoft.com/office/drawing/2017/decorative" val="1"/>
+              </a:ext>
+            </a:extLst>
+          </p:cNvPr>
+          <p:cNvSpPr>
+            <a:spLocks noGrp="1" noRot="1" noChangeAspect="1" noMove="1" noResize="1" noEditPoints="1" noAdjustHandles="1" noChangeArrowheads="1" noChangeShapeType="1" noTextEdit="1"/>
+          </p:cNvSpPr>
+          <p:nvPr>
+            <p:extLst>
+              <p:ext uri="{386F3935-93C4-4BCD-93E2-E3B085C9AB24}">
+                <p16:designElem xmlns:p16="http://schemas.microsoft.com/office/powerpoint/2015/main" val="1"/>
+              </p:ext>
+            </p:extLst>
+          </p:nvPr>
+        </p:nvSpPr>
+        <p:spPr>
+          <a:xfrm rot="16200000">
+            <a:off x="10289068" y="1343027"/>
+            <a:ext cx="2532832" cy="1273032"/>
+          </a:xfrm>
+          <a:prstGeom prst="triangle">
+            <a:avLst>
+              <a:gd name="adj" fmla="val 50000"/>
+            </a:avLst>
+          </a:prstGeom>
+          <a:solidFill>
+            <a:schemeClr val="accent4">
+              <a:alpha val="30000"/>
+            </a:schemeClr>
+          </a:solidFill>
+          <a:ln>
+            <a:noFill/>
+          </a:ln>
+        </p:spPr>
+        <p:style>
+          <a:lnRef idx="2">
+            <a:schemeClr val="accent1">
+              <a:shade val="50000"/>
+            </a:schemeClr>
+          </a:lnRef>
+          <a:fillRef idx="1">
+            <a:schemeClr val="accent1"/>
+          </a:fillRef>
+          <a:effectRef idx="0">
+            <a:schemeClr val="accent1"/>
+          </a:effectRef>
+          <a:fontRef idx="minor">
+            <a:schemeClr val="lt1"/>
+          </a:fontRef>
+        </p:style>
+        <p:txBody>
+          <a:bodyPr rtlCol="0" anchor="ctr"/>
+          <a:lstStyle/>
+          <a:p>
+            <a:pPr algn="ctr"/>
+            <a:endParaRPr lang="en-US"/>
+          </a:p>
+        </p:txBody>
+      </p:sp>
+      <p:sp>
+        <p:nvSpPr>
+          <p:cNvPr id="15" name="Isosceles Triangle 14">
+            <a:extLst>
+              <a:ext uri="{FF2B5EF4-FFF2-40B4-BE49-F238E27FC236}">
+                <a16:creationId xmlns:a16="http://schemas.microsoft.com/office/drawing/2014/main" id="{D3F51FEB-38FB-4F6C-9F7B-2F2AFAB65463}"/>
+              </a:ext>
+              <a:ext uri="{C183D7F6-B498-43B3-948B-1728B52AA6E4}">
+                <adec:decorative xmlns:adec="http://schemas.microsoft.com/office/drawing/2017/decorative" val="1"/>
+              </a:ext>
+            </a:extLst>
+          </p:cNvPr>
+          <p:cNvSpPr>
+            <a:spLocks noGrp="1" noRot="1" noChangeAspect="1" noMove="1" noResize="1" noEditPoints="1" noAdjustHandles="1" noChangeArrowheads="1" noChangeShapeType="1" noTextEdit="1"/>
+          </p:cNvSpPr>
+          <p:nvPr>
+            <p:extLst>
+              <p:ext uri="{386F3935-93C4-4BCD-93E2-E3B085C9AB24}">
+                <p16:designElem xmlns:p16="http://schemas.microsoft.com/office/powerpoint/2015/main" val="1"/>
+              </p:ext>
+            </p:extLst>
+          </p:nvPr>
+        </p:nvSpPr>
+        <p:spPr>
+          <a:xfrm rot="5400000">
+            <a:off x="-501760" y="5103257"/>
+            <a:ext cx="2017580" cy="1014060"/>
+          </a:xfrm>
+          <a:prstGeom prst="triangle">
+            <a:avLst>
+              <a:gd name="adj" fmla="val 50000"/>
+            </a:avLst>
+          </a:prstGeom>
+          <a:solidFill>
+            <a:schemeClr val="accent1">
+              <a:alpha val="30000"/>
+            </a:schemeClr>
+          </a:solidFill>
+          <a:ln>
+            <a:noFill/>
+          </a:ln>
+        </p:spPr>
+        <p:style>
+          <a:lnRef idx="2">
+            <a:schemeClr val="accent1">
+              <a:shade val="50000"/>
+            </a:schemeClr>
+          </a:lnRef>
+          <a:fillRef idx="1">
+            <a:schemeClr val="accent1"/>
+          </a:fillRef>
+          <a:effectRef idx="0">
+            <a:schemeClr val="accent1"/>
+          </a:effectRef>
+          <a:fontRef idx="minor">
+            <a:schemeClr val="lt1"/>
+          </a:fontRef>
+        </p:style>
+        <p:txBody>
+          <a:bodyPr rtlCol="0" anchor="ctr"/>
+          <a:lstStyle/>
+          <a:p>
+            <a:pPr algn="ctr"/>
+            <a:endParaRPr lang="en-US"/>
+          </a:p>
+        </p:txBody>
+      </p:sp>
+      <p:sp>
+        <p:nvSpPr>
+          <p:cNvPr id="17" name="Rectangle 16">
+            <a:extLst>
+              <a:ext uri="{FF2B5EF4-FFF2-40B4-BE49-F238E27FC236}">
+                <a16:creationId xmlns:a16="http://schemas.microsoft.com/office/drawing/2014/main" id="{1E547BA6-BAE0-43BB-A7CA-60F69CE252F0}"/>
+              </a:ext>
+              <a:ext uri="{C183D7F6-B498-43B3-948B-1728B52AA6E4}">
+                <adec:decorative xmlns:adec="http://schemas.microsoft.com/office/drawing/2017/decorative" val="1"/>
+              </a:ext>
+            </a:extLst>
+          </p:cNvPr>
+          <p:cNvSpPr>
+            <a:spLocks noGrp="1" noRot="1" noChangeAspect="1" noMove="1" noResize="1" noEditPoints="1" noAdjustHandles="1" noChangeArrowheads="1" noChangeShapeType="1" noTextEdit="1"/>
+          </p:cNvSpPr>
+          <p:nvPr>
+            <p:extLst>
+              <p:ext uri="{386F3935-93C4-4BCD-93E2-E3B085C9AB24}">
+                <p16:designElem xmlns:p16="http://schemas.microsoft.com/office/powerpoint/2015/main" val="1"/>
+              </p:ext>
+            </p:extLst>
+          </p:nvPr>
+        </p:nvSpPr>
+        <p:spPr>
+          <a:xfrm rot="2700000">
+            <a:off x="427916" y="5728708"/>
+            <a:ext cx="485578" cy="485578"/>
+          </a:xfrm>
+          <a:prstGeom prst="rect">
+            <a:avLst/>
+          </a:prstGeom>
+          <a:solidFill>
+            <a:schemeClr val="accent1">
+              <a:alpha val="30000"/>
+            </a:schemeClr>
+          </a:solidFill>
+          <a:ln>
+            <a:noFill/>
+          </a:ln>
+        </p:spPr>
+        <p:style>
+          <a:lnRef idx="2">
+            <a:schemeClr val="accent1">
+              <a:shade val="50000"/>
+            </a:schemeClr>
+          </a:lnRef>
+          <a:fillRef idx="1">
+            <a:schemeClr val="accent1"/>
+          </a:fillRef>
+          <a:effectRef idx="0">
+            <a:schemeClr val="accent1"/>
+          </a:effectRef>
+          <a:fontRef idx="minor">
+            <a:schemeClr val="lt1"/>
+          </a:fontRef>
+        </p:style>
+        <p:txBody>
+          <a:bodyPr rtlCol="0" anchor="ctr"/>
+          <a:lstStyle/>
+          <a:p>
+            <a:pPr algn="ctr"/>
+            <a:endParaRPr lang="en-US"/>
+          </a:p>
+        </p:txBody>
+      </p:sp>
+      <p:sp>
+        <p:nvSpPr>
+          <p:cNvPr id="12" name="Title 1">
+            <a:extLst>
+              <a:ext uri="{FF2B5EF4-FFF2-40B4-BE49-F238E27FC236}">
+                <a16:creationId xmlns:a16="http://schemas.microsoft.com/office/drawing/2014/main" id="{236E6D1C-9884-7F4E-8477-42AF223A3E05}"/>
+              </a:ext>
+            </a:extLst>
+          </p:cNvPr>
+          <p:cNvSpPr txBox="1">
+            <a:spLocks/>
+          </p:cNvSpPr>
+          <p:nvPr/>
+        </p:nvSpPr>
+        <p:spPr>
+          <a:xfrm>
+            <a:off x="507030" y="304236"/>
+            <a:ext cx="10515600" cy="1325563"/>
+          </a:xfrm>
+          <a:prstGeom prst="rect">
+            <a:avLst/>
+          </a:prstGeom>
+        </p:spPr>
+        <p:txBody>
+          <a:bodyPr vert="horz" lIns="91440" tIns="45720" rIns="91440" bIns="45720" rtlCol="0" anchor="ctr">
+            <a:normAutofit/>
+          </a:bodyPr>
+          <a:lstStyle>
+            <a:lvl1pPr algn="l" defTabSz="914400" rtl="0" eaLnBrk="1" latinLnBrk="0" hangingPunct="1">
+              <a:lnSpc>
+                <a:spcPct val="90000"/>
+              </a:lnSpc>
+              <a:spcBef>
+                <a:spcPct val="0"/>
+              </a:spcBef>
+              <a:buNone/>
+              <a:defRPr sz="4400" kern="1200">
+                <a:solidFill>
+                  <a:schemeClr val="tx1"/>
+                </a:solidFill>
+                <a:latin typeface="+mj-lt"/>
+                <a:ea typeface="+mj-ea"/>
+                <a:cs typeface="+mj-cs"/>
+              </a:defRPr>
+            </a:lvl1pPr>
+          </a:lstStyle>
+          <a:p>
             <a:r>
-              <a:rPr lang="en-US" dirty="0"/>
+              <a:rPr lang="en-US" b="1" dirty="0"/>
               <a:t>Extract Example: API to </a:t>
             </a:r>
             <a:r>
-              <a:rPr lang="en-US" dirty="0" err="1"/>
+              <a:rPr lang="en-US" b="1" dirty="0" err="1"/>
               <a:t>DataFrame</a:t>
             </a:r>
-            <a:endParaRPr lang="en-US" dirty="0"/>
+            <a:endParaRPr lang="en-US" b="1" dirty="0"/>
           </a:p>
         </p:txBody>
       </p:sp>
       <p:pic>
         <p:nvPicPr>
-          <p:cNvPr id="5" name="Content Placeholder 4" descr="Text&#10;&#10;Description automatically generated">
-            <a:extLst>
-              <a:ext uri="{FF2B5EF4-FFF2-40B4-BE49-F238E27FC236}">
-                <a16:creationId xmlns:a16="http://schemas.microsoft.com/office/drawing/2014/main" id="{72099DF8-D175-7642-8A19-D026DCBB6333}"/>
+          <p:cNvPr id="14" name="Content Placeholder 4" descr="Text&#10;&#10;Description automatically generated">
+            <a:extLst>
+              <a:ext uri="{FF2B5EF4-FFF2-40B4-BE49-F238E27FC236}">
+                <a16:creationId xmlns:a16="http://schemas.microsoft.com/office/drawing/2014/main" id="{4F66D843-4F00-9242-A778-EC7FE077B541}"/>
               </a:ext>
             </a:extLst>
           </p:cNvPr>
@@ -7153,15 +9844,15 @@
         </p:blipFill>
         <p:spPr>
           <a:xfrm>
-            <a:off x="2700339" y="1314450"/>
-            <a:ext cx="7066420" cy="5172328"/>
+            <a:off x="3123607" y="1629799"/>
+            <a:ext cx="6212322" cy="4547164"/>
           </a:xfrm>
         </p:spPr>
       </p:pic>
     </p:spTree>
     <p:extLst>
       <p:ext uri="{BB962C8B-B14F-4D97-AF65-F5344CB8AC3E}">
-        <p14:creationId xmlns:p14="http://schemas.microsoft.com/office/powerpoint/2010/main" val="2458293431"/>
+        <p14:creationId xmlns:p14="http://schemas.microsoft.com/office/powerpoint/2010/main" val="2764750169"/>
       </p:ext>
     </p:extLst>
   </p:cSld>
@@ -7171,9 +9862,17 @@
 </p:sld>
 </file>
 
-<file path=ppt/slides/slide3.xml><?xml version="1.0" encoding="utf-8"?>
+<file path=ppt/slides/slide6.xml><?xml version="1.0" encoding="utf-8"?>
 <p:sld xmlns:a="http://schemas.openxmlformats.org/drawingml/2006/main" xmlns:r="http://schemas.openxmlformats.org/officeDocument/2006/relationships" xmlns:p="http://schemas.openxmlformats.org/presentationml/2006/main">
   <p:cSld>
+    <p:bg>
+      <p:bgPr>
+        <a:solidFill>
+          <a:schemeClr val="bg1"/>
+        </a:solidFill>
+        <a:effectLst/>
+      </p:bgPr>
+    </p:bg>
     <p:spTree>
       <p:nvGrpSpPr>
         <p:cNvPr id="1" name=""/>
@@ -7190,27 +9889,380 @@
       </p:grpSpPr>
       <p:sp>
         <p:nvSpPr>
-          <p:cNvPr id="2" name="Title 1">
-            <a:extLst>
-              <a:ext uri="{FF2B5EF4-FFF2-40B4-BE49-F238E27FC236}">
-                <a16:creationId xmlns:a16="http://schemas.microsoft.com/office/drawing/2014/main" id="{A7AA0F96-F1F3-7741-8262-08B2D6EE35B1}"/>
-              </a:ext>
-            </a:extLst>
-          </p:cNvPr>
-          <p:cNvSpPr>
-            <a:spLocks noGrp="1"/>
-          </p:cNvSpPr>
-          <p:nvPr>
-            <p:ph type="title"/>
-          </p:nvPr>
-        </p:nvSpPr>
-        <p:spPr/>
-        <p:txBody>
-          <a:bodyPr/>
+          <p:cNvPr id="9" name="Rectangle 8">
+            <a:extLst>
+              <a:ext uri="{FF2B5EF4-FFF2-40B4-BE49-F238E27FC236}">
+                <a16:creationId xmlns:a16="http://schemas.microsoft.com/office/drawing/2014/main" id="{2B566528-1B12-4246-9431-5C2D7D081168}"/>
+              </a:ext>
+              <a:ext uri="{C183D7F6-B498-43B3-948B-1728B52AA6E4}">
+                <adec:decorative xmlns:adec="http://schemas.microsoft.com/office/drawing/2017/decorative" val="1"/>
+              </a:ext>
+            </a:extLst>
+          </p:cNvPr>
+          <p:cNvSpPr>
+            <a:spLocks noGrp="1" noRot="1" noChangeAspect="1" noMove="1" noResize="1" noEditPoints="1" noAdjustHandles="1" noChangeArrowheads="1" noChangeShapeType="1" noTextEdit="1"/>
+          </p:cNvSpPr>
+          <p:nvPr>
+            <p:extLst>
+              <p:ext uri="{386F3935-93C4-4BCD-93E2-E3B085C9AB24}">
+                <p16:designElem xmlns:p16="http://schemas.microsoft.com/office/powerpoint/2015/main" val="1"/>
+              </p:ext>
+            </p:extLst>
+          </p:nvPr>
+        </p:nvSpPr>
+        <p:spPr>
+          <a:xfrm>
+            <a:off x="0" y="0"/>
+            <a:ext cx="12192000" cy="6858000"/>
+          </a:xfrm>
+          <a:prstGeom prst="rect">
+            <a:avLst/>
+          </a:prstGeom>
+          <a:solidFill>
+            <a:schemeClr val="bg1"/>
+          </a:solidFill>
+          <a:ln>
+            <a:noFill/>
+          </a:ln>
+        </p:spPr>
+        <p:style>
+          <a:lnRef idx="2">
+            <a:schemeClr val="accent1">
+              <a:shade val="50000"/>
+            </a:schemeClr>
+          </a:lnRef>
+          <a:fillRef idx="1">
+            <a:schemeClr val="accent1"/>
+          </a:fillRef>
+          <a:effectRef idx="0">
+            <a:schemeClr val="accent1"/>
+          </a:effectRef>
+          <a:fontRef idx="minor">
+            <a:schemeClr val="lt1"/>
+          </a:fontRef>
+        </p:style>
+        <p:txBody>
+          <a:bodyPr rtlCol="0" anchor="ctr"/>
           <a:lstStyle/>
           <a:p>
+            <a:pPr algn="ctr"/>
+            <a:endParaRPr lang="en-US" dirty="0"/>
+          </a:p>
+        </p:txBody>
+      </p:sp>
+      <p:sp>
+        <p:nvSpPr>
+          <p:cNvPr id="11" name="Rectangle 10">
+            <a:extLst>
+              <a:ext uri="{FF2B5EF4-FFF2-40B4-BE49-F238E27FC236}">
+                <a16:creationId xmlns:a16="http://schemas.microsoft.com/office/drawing/2014/main" id="{2E80C965-DB6D-4F81-9E9E-B027384D0BD6}"/>
+              </a:ext>
+              <a:ext uri="{C183D7F6-B498-43B3-948B-1728B52AA6E4}">
+                <adec:decorative xmlns:adec="http://schemas.microsoft.com/office/drawing/2017/decorative" val="1"/>
+              </a:ext>
+            </a:extLst>
+          </p:cNvPr>
+          <p:cNvSpPr>
+            <a:spLocks noGrp="1" noRot="1" noChangeAspect="1" noMove="1" noResize="1" noEditPoints="1" noAdjustHandles="1" noChangeArrowheads="1" noChangeShapeType="1" noTextEdit="1"/>
+          </p:cNvSpPr>
+          <p:nvPr>
+            <p:extLst>
+              <p:ext uri="{386F3935-93C4-4BCD-93E2-E3B085C9AB24}">
+                <p16:designElem xmlns:p16="http://schemas.microsoft.com/office/powerpoint/2015/main" val="1"/>
+              </p:ext>
+            </p:extLst>
+          </p:nvPr>
+        </p:nvSpPr>
+        <p:spPr>
+          <a:xfrm rot="2700000">
+            <a:off x="11052629" y="2120024"/>
+            <a:ext cx="645368" cy="645368"/>
+          </a:xfrm>
+          <a:prstGeom prst="rect">
+            <a:avLst/>
+          </a:prstGeom>
+          <a:solidFill>
+            <a:schemeClr val="accent4">
+              <a:alpha val="30000"/>
+            </a:schemeClr>
+          </a:solidFill>
+          <a:ln>
+            <a:noFill/>
+          </a:ln>
+        </p:spPr>
+        <p:style>
+          <a:lnRef idx="2">
+            <a:schemeClr val="accent1">
+              <a:shade val="50000"/>
+            </a:schemeClr>
+          </a:lnRef>
+          <a:fillRef idx="1">
+            <a:schemeClr val="accent1"/>
+          </a:fillRef>
+          <a:effectRef idx="0">
+            <a:schemeClr val="accent1"/>
+          </a:effectRef>
+          <a:fontRef idx="minor">
+            <a:schemeClr val="lt1"/>
+          </a:fontRef>
+        </p:style>
+        <p:txBody>
+          <a:bodyPr rtlCol="0" anchor="ctr"/>
+          <a:lstStyle/>
+          <a:p>
+            <a:pPr algn="ctr"/>
+            <a:endParaRPr lang="en-US"/>
+          </a:p>
+        </p:txBody>
+      </p:sp>
+      <p:sp>
+        <p:nvSpPr>
+          <p:cNvPr id="13" name="Isosceles Triangle 12">
+            <a:extLst>
+              <a:ext uri="{FF2B5EF4-FFF2-40B4-BE49-F238E27FC236}">
+                <a16:creationId xmlns:a16="http://schemas.microsoft.com/office/drawing/2014/main" id="{A580F890-B085-4E95-96AA-55AEBEC5CE6E}"/>
+              </a:ext>
+              <a:ext uri="{C183D7F6-B498-43B3-948B-1728B52AA6E4}">
+                <adec:decorative xmlns:adec="http://schemas.microsoft.com/office/drawing/2017/decorative" val="1"/>
+              </a:ext>
+            </a:extLst>
+          </p:cNvPr>
+          <p:cNvSpPr>
+            <a:spLocks noGrp="1" noRot="1" noChangeAspect="1" noMove="1" noResize="1" noEditPoints="1" noAdjustHandles="1" noChangeArrowheads="1" noChangeShapeType="1" noTextEdit="1"/>
+          </p:cNvSpPr>
+          <p:nvPr>
+            <p:extLst>
+              <p:ext uri="{386F3935-93C4-4BCD-93E2-E3B085C9AB24}">
+                <p16:designElem xmlns:p16="http://schemas.microsoft.com/office/powerpoint/2015/main" val="1"/>
+              </p:ext>
+            </p:extLst>
+          </p:nvPr>
+        </p:nvSpPr>
+        <p:spPr>
+          <a:xfrm rot="16200000">
+            <a:off x="10289068" y="1343027"/>
+            <a:ext cx="2532832" cy="1273032"/>
+          </a:xfrm>
+          <a:prstGeom prst="triangle">
+            <a:avLst>
+              <a:gd name="adj" fmla="val 50000"/>
+            </a:avLst>
+          </a:prstGeom>
+          <a:solidFill>
+            <a:schemeClr val="accent4">
+              <a:alpha val="30000"/>
+            </a:schemeClr>
+          </a:solidFill>
+          <a:ln>
+            <a:noFill/>
+          </a:ln>
+        </p:spPr>
+        <p:style>
+          <a:lnRef idx="2">
+            <a:schemeClr val="accent1">
+              <a:shade val="50000"/>
+            </a:schemeClr>
+          </a:lnRef>
+          <a:fillRef idx="1">
+            <a:schemeClr val="accent1"/>
+          </a:fillRef>
+          <a:effectRef idx="0">
+            <a:schemeClr val="accent1"/>
+          </a:effectRef>
+          <a:fontRef idx="minor">
+            <a:schemeClr val="lt1"/>
+          </a:fontRef>
+        </p:style>
+        <p:txBody>
+          <a:bodyPr rtlCol="0" anchor="ctr"/>
+          <a:lstStyle/>
+          <a:p>
+            <a:pPr algn="ctr"/>
+            <a:endParaRPr lang="en-US"/>
+          </a:p>
+        </p:txBody>
+      </p:sp>
+      <p:sp>
+        <p:nvSpPr>
+          <p:cNvPr id="15" name="Isosceles Triangle 14">
+            <a:extLst>
+              <a:ext uri="{FF2B5EF4-FFF2-40B4-BE49-F238E27FC236}">
+                <a16:creationId xmlns:a16="http://schemas.microsoft.com/office/drawing/2014/main" id="{D3F51FEB-38FB-4F6C-9F7B-2F2AFAB65463}"/>
+              </a:ext>
+              <a:ext uri="{C183D7F6-B498-43B3-948B-1728B52AA6E4}">
+                <adec:decorative xmlns:adec="http://schemas.microsoft.com/office/drawing/2017/decorative" val="1"/>
+              </a:ext>
+            </a:extLst>
+          </p:cNvPr>
+          <p:cNvSpPr>
+            <a:spLocks noGrp="1" noRot="1" noChangeAspect="1" noMove="1" noResize="1" noEditPoints="1" noAdjustHandles="1" noChangeArrowheads="1" noChangeShapeType="1" noTextEdit="1"/>
+          </p:cNvSpPr>
+          <p:nvPr>
+            <p:extLst>
+              <p:ext uri="{386F3935-93C4-4BCD-93E2-E3B085C9AB24}">
+                <p16:designElem xmlns:p16="http://schemas.microsoft.com/office/powerpoint/2015/main" val="1"/>
+              </p:ext>
+            </p:extLst>
+          </p:nvPr>
+        </p:nvSpPr>
+        <p:spPr>
+          <a:xfrm rot="5400000">
+            <a:off x="-501760" y="5103257"/>
+            <a:ext cx="2017580" cy="1014060"/>
+          </a:xfrm>
+          <a:prstGeom prst="triangle">
+            <a:avLst>
+              <a:gd name="adj" fmla="val 50000"/>
+            </a:avLst>
+          </a:prstGeom>
+          <a:solidFill>
+            <a:schemeClr val="accent1">
+              <a:alpha val="30000"/>
+            </a:schemeClr>
+          </a:solidFill>
+          <a:ln>
+            <a:noFill/>
+          </a:ln>
+        </p:spPr>
+        <p:style>
+          <a:lnRef idx="2">
+            <a:schemeClr val="accent1">
+              <a:shade val="50000"/>
+            </a:schemeClr>
+          </a:lnRef>
+          <a:fillRef idx="1">
+            <a:schemeClr val="accent1"/>
+          </a:fillRef>
+          <a:effectRef idx="0">
+            <a:schemeClr val="accent1"/>
+          </a:effectRef>
+          <a:fontRef idx="minor">
+            <a:schemeClr val="lt1"/>
+          </a:fontRef>
+        </p:style>
+        <p:txBody>
+          <a:bodyPr rtlCol="0" anchor="ctr"/>
+          <a:lstStyle/>
+          <a:p>
+            <a:pPr algn="ctr"/>
+            <a:endParaRPr lang="en-US"/>
+          </a:p>
+        </p:txBody>
+      </p:sp>
+      <p:sp>
+        <p:nvSpPr>
+          <p:cNvPr id="17" name="Rectangle 16">
+            <a:extLst>
+              <a:ext uri="{FF2B5EF4-FFF2-40B4-BE49-F238E27FC236}">
+                <a16:creationId xmlns:a16="http://schemas.microsoft.com/office/drawing/2014/main" id="{1E547BA6-BAE0-43BB-A7CA-60F69CE252F0}"/>
+              </a:ext>
+              <a:ext uri="{C183D7F6-B498-43B3-948B-1728B52AA6E4}">
+                <adec:decorative xmlns:adec="http://schemas.microsoft.com/office/drawing/2017/decorative" val="1"/>
+              </a:ext>
+            </a:extLst>
+          </p:cNvPr>
+          <p:cNvSpPr>
+            <a:spLocks noGrp="1" noRot="1" noChangeAspect="1" noMove="1" noResize="1" noEditPoints="1" noAdjustHandles="1" noChangeArrowheads="1" noChangeShapeType="1" noTextEdit="1"/>
+          </p:cNvSpPr>
+          <p:nvPr>
+            <p:extLst>
+              <p:ext uri="{386F3935-93C4-4BCD-93E2-E3B085C9AB24}">
+                <p16:designElem xmlns:p16="http://schemas.microsoft.com/office/powerpoint/2015/main" val="1"/>
+              </p:ext>
+            </p:extLst>
+          </p:nvPr>
+        </p:nvSpPr>
+        <p:spPr>
+          <a:xfrm rot="2700000">
+            <a:off x="427916" y="5728708"/>
+            <a:ext cx="485578" cy="485578"/>
+          </a:xfrm>
+          <a:prstGeom prst="rect">
+            <a:avLst/>
+          </a:prstGeom>
+          <a:solidFill>
+            <a:schemeClr val="accent1">
+              <a:alpha val="30000"/>
+            </a:schemeClr>
+          </a:solidFill>
+          <a:ln>
+            <a:noFill/>
+          </a:ln>
+        </p:spPr>
+        <p:style>
+          <a:lnRef idx="2">
+            <a:schemeClr val="accent1">
+              <a:shade val="50000"/>
+            </a:schemeClr>
+          </a:lnRef>
+          <a:fillRef idx="1">
+            <a:schemeClr val="accent1"/>
+          </a:fillRef>
+          <a:effectRef idx="0">
+            <a:schemeClr val="accent1"/>
+          </a:effectRef>
+          <a:fontRef idx="minor">
+            <a:schemeClr val="lt1"/>
+          </a:fontRef>
+        </p:style>
+        <p:txBody>
+          <a:bodyPr rtlCol="0" anchor="ctr"/>
+          <a:lstStyle/>
+          <a:p>
+            <a:pPr algn="ctr"/>
+            <a:endParaRPr lang="en-US"/>
+          </a:p>
+        </p:txBody>
+      </p:sp>
+      <p:sp>
+        <p:nvSpPr>
+          <p:cNvPr id="12" name="Title 1">
+            <a:extLst>
+              <a:ext uri="{FF2B5EF4-FFF2-40B4-BE49-F238E27FC236}">
+                <a16:creationId xmlns:a16="http://schemas.microsoft.com/office/drawing/2014/main" id="{236E6D1C-9884-7F4E-8477-42AF223A3E05}"/>
+              </a:ext>
+            </a:extLst>
+          </p:cNvPr>
+          <p:cNvSpPr txBox="1">
+            <a:spLocks/>
+          </p:cNvSpPr>
+          <p:nvPr/>
+        </p:nvSpPr>
+        <p:spPr>
+          <a:xfrm>
+            <a:off x="507030" y="304236"/>
+            <a:ext cx="10515600" cy="1325563"/>
+          </a:xfrm>
+          <a:prstGeom prst="rect">
+            <a:avLst/>
+          </a:prstGeom>
+        </p:spPr>
+        <p:txBody>
+          <a:bodyPr vert="horz" lIns="91440" tIns="45720" rIns="91440" bIns="45720" rtlCol="0" anchor="ctr">
+            <a:normAutofit/>
+          </a:bodyPr>
+          <a:lstStyle>
+            <a:lvl1pPr algn="l" defTabSz="914400" rtl="0" eaLnBrk="1" latinLnBrk="0" hangingPunct="1">
+              <a:lnSpc>
+                <a:spcPct val="90000"/>
+              </a:lnSpc>
+              <a:spcBef>
+                <a:spcPct val="0"/>
+              </a:spcBef>
+              <a:buNone/>
+              <a:defRPr sz="4400" kern="1200">
+                <a:solidFill>
+                  <a:schemeClr val="tx1"/>
+                </a:solidFill>
+                <a:latin typeface="+mj-lt"/>
+                <a:ea typeface="+mj-ea"/>
+                <a:cs typeface="+mj-cs"/>
+              </a:defRPr>
+            </a:lvl1pPr>
+          </a:lstStyle>
+          <a:p>
             <a:r>
-              <a:rPr lang="en-US" dirty="0"/>
+              <a:rPr lang="en-US" b="1" dirty="0"/>
               <a:t>Transformation Example:</a:t>
             </a:r>
           </a:p>
@@ -7218,10 +10270,10 @@
       </p:sp>
       <p:pic>
         <p:nvPicPr>
-          <p:cNvPr id="5" name="Content Placeholder 4" descr="Graphical user interface, text, application, email&#10;&#10;Description automatically generated">
-            <a:extLst>
-              <a:ext uri="{FF2B5EF4-FFF2-40B4-BE49-F238E27FC236}">
-                <a16:creationId xmlns:a16="http://schemas.microsoft.com/office/drawing/2014/main" id="{538D479A-6E32-724F-8C87-BE1767236602}"/>
+          <p:cNvPr id="18" name="Content Placeholder 4" descr="Graphical user interface, text, application, email&#10;&#10;Description automatically generated">
+            <a:extLst>
+              <a:ext uri="{FF2B5EF4-FFF2-40B4-BE49-F238E27FC236}">
+                <a16:creationId xmlns:a16="http://schemas.microsoft.com/office/drawing/2014/main" id="{80D8971E-7730-6B4C-85BB-84B7D8F9ABD7}"/>
               </a:ext>
             </a:extLst>
           </p:cNvPr>
@@ -7240,15 +10292,15 @@
         </p:blipFill>
         <p:spPr>
           <a:xfrm>
-            <a:off x="1842886" y="1825625"/>
-            <a:ext cx="8506227" cy="4351338"/>
+            <a:off x="1460076" y="1629799"/>
+            <a:ext cx="8889038" cy="4547164"/>
           </a:xfrm>
         </p:spPr>
       </p:pic>
     </p:spTree>
     <p:extLst>
       <p:ext uri="{BB962C8B-B14F-4D97-AF65-F5344CB8AC3E}">
-        <p14:creationId xmlns:p14="http://schemas.microsoft.com/office/powerpoint/2010/main" val="847135671"/>
+        <p14:creationId xmlns:p14="http://schemas.microsoft.com/office/powerpoint/2010/main" val="315940546"/>
       </p:ext>
     </p:extLst>
   </p:cSld>
@@ -7258,9 +10310,17 @@
 </p:sld>
 </file>
 
-<file path=ppt/slides/slide4.xml><?xml version="1.0" encoding="utf-8"?>
+<file path=ppt/slides/slide7.xml><?xml version="1.0" encoding="utf-8"?>
 <p:sld xmlns:a="http://schemas.openxmlformats.org/drawingml/2006/main" xmlns:r="http://schemas.openxmlformats.org/officeDocument/2006/relationships" xmlns:p="http://schemas.openxmlformats.org/presentationml/2006/main">
   <p:cSld>
+    <p:bg>
+      <p:bgPr>
+        <a:solidFill>
+          <a:schemeClr val="bg1"/>
+        </a:solidFill>
+        <a:effectLst/>
+      </p:bgPr>
+    </p:bg>
     <p:spTree>
       <p:nvGrpSpPr>
         <p:cNvPr id="1" name=""/>
@@ -7277,46 +10337,391 @@
       </p:grpSpPr>
       <p:sp>
         <p:nvSpPr>
-          <p:cNvPr id="2" name="Title 1">
-            <a:extLst>
-              <a:ext uri="{FF2B5EF4-FFF2-40B4-BE49-F238E27FC236}">
-                <a16:creationId xmlns:a16="http://schemas.microsoft.com/office/drawing/2014/main" id="{9E21B8BD-0A37-9A48-B0F1-E305CBBC3FF7}"/>
-              </a:ext>
-            </a:extLst>
-          </p:cNvPr>
-          <p:cNvSpPr>
-            <a:spLocks noGrp="1"/>
-          </p:cNvSpPr>
-          <p:nvPr>
-            <p:ph type="title"/>
-          </p:nvPr>
-        </p:nvSpPr>
-        <p:spPr/>
-        <p:txBody>
-          <a:bodyPr/>
+          <p:cNvPr id="9" name="Rectangle 8">
+            <a:extLst>
+              <a:ext uri="{FF2B5EF4-FFF2-40B4-BE49-F238E27FC236}">
+                <a16:creationId xmlns:a16="http://schemas.microsoft.com/office/drawing/2014/main" id="{2B566528-1B12-4246-9431-5C2D7D081168}"/>
+              </a:ext>
+              <a:ext uri="{C183D7F6-B498-43B3-948B-1728B52AA6E4}">
+                <adec:decorative xmlns:adec="http://schemas.microsoft.com/office/drawing/2017/decorative" val="1"/>
+              </a:ext>
+            </a:extLst>
+          </p:cNvPr>
+          <p:cNvSpPr>
+            <a:spLocks noGrp="1" noRot="1" noChangeAspect="1" noMove="1" noResize="1" noEditPoints="1" noAdjustHandles="1" noChangeArrowheads="1" noChangeShapeType="1" noTextEdit="1"/>
+          </p:cNvSpPr>
+          <p:nvPr>
+            <p:extLst>
+              <p:ext uri="{386F3935-93C4-4BCD-93E2-E3B085C9AB24}">
+                <p16:designElem xmlns:p16="http://schemas.microsoft.com/office/powerpoint/2015/main" val="1"/>
+              </p:ext>
+            </p:extLst>
+          </p:nvPr>
+        </p:nvSpPr>
+        <p:spPr>
+          <a:xfrm>
+            <a:off x="0" y="0"/>
+            <a:ext cx="12192000" cy="6858000"/>
+          </a:xfrm>
+          <a:prstGeom prst="rect">
+            <a:avLst/>
+          </a:prstGeom>
+          <a:solidFill>
+            <a:schemeClr val="bg1"/>
+          </a:solidFill>
+          <a:ln>
+            <a:noFill/>
+          </a:ln>
+        </p:spPr>
+        <p:style>
+          <a:lnRef idx="2">
+            <a:schemeClr val="accent1">
+              <a:shade val="50000"/>
+            </a:schemeClr>
+          </a:lnRef>
+          <a:fillRef idx="1">
+            <a:schemeClr val="accent1"/>
+          </a:fillRef>
+          <a:effectRef idx="0">
+            <a:schemeClr val="accent1"/>
+          </a:effectRef>
+          <a:fontRef idx="minor">
+            <a:schemeClr val="lt1"/>
+          </a:fontRef>
+        </p:style>
+        <p:txBody>
+          <a:bodyPr rtlCol="0" anchor="ctr"/>
           <a:lstStyle/>
           <a:p>
+            <a:pPr algn="ctr"/>
+            <a:endParaRPr lang="en-US" dirty="0"/>
+          </a:p>
+        </p:txBody>
+      </p:sp>
+      <p:sp>
+        <p:nvSpPr>
+          <p:cNvPr id="11" name="Rectangle 10">
+            <a:extLst>
+              <a:ext uri="{FF2B5EF4-FFF2-40B4-BE49-F238E27FC236}">
+                <a16:creationId xmlns:a16="http://schemas.microsoft.com/office/drawing/2014/main" id="{2E80C965-DB6D-4F81-9E9E-B027384D0BD6}"/>
+              </a:ext>
+              <a:ext uri="{C183D7F6-B498-43B3-948B-1728B52AA6E4}">
+                <adec:decorative xmlns:adec="http://schemas.microsoft.com/office/drawing/2017/decorative" val="1"/>
+              </a:ext>
+            </a:extLst>
+          </p:cNvPr>
+          <p:cNvSpPr>
+            <a:spLocks noGrp="1" noRot="1" noChangeAspect="1" noMove="1" noResize="1" noEditPoints="1" noAdjustHandles="1" noChangeArrowheads="1" noChangeShapeType="1" noTextEdit="1"/>
+          </p:cNvSpPr>
+          <p:nvPr>
+            <p:extLst>
+              <p:ext uri="{386F3935-93C4-4BCD-93E2-E3B085C9AB24}">
+                <p16:designElem xmlns:p16="http://schemas.microsoft.com/office/powerpoint/2015/main" val="1"/>
+              </p:ext>
+            </p:extLst>
+          </p:nvPr>
+        </p:nvSpPr>
+        <p:spPr>
+          <a:xfrm rot="2700000">
+            <a:off x="11052629" y="2120024"/>
+            <a:ext cx="645368" cy="645368"/>
+          </a:xfrm>
+          <a:prstGeom prst="rect">
+            <a:avLst/>
+          </a:prstGeom>
+          <a:solidFill>
+            <a:schemeClr val="accent4">
+              <a:alpha val="30000"/>
+            </a:schemeClr>
+          </a:solidFill>
+          <a:ln>
+            <a:noFill/>
+          </a:ln>
+        </p:spPr>
+        <p:style>
+          <a:lnRef idx="2">
+            <a:schemeClr val="accent1">
+              <a:shade val="50000"/>
+            </a:schemeClr>
+          </a:lnRef>
+          <a:fillRef idx="1">
+            <a:schemeClr val="accent1"/>
+          </a:fillRef>
+          <a:effectRef idx="0">
+            <a:schemeClr val="accent1"/>
+          </a:effectRef>
+          <a:fontRef idx="minor">
+            <a:schemeClr val="lt1"/>
+          </a:fontRef>
+        </p:style>
+        <p:txBody>
+          <a:bodyPr rtlCol="0" anchor="ctr"/>
+          <a:lstStyle/>
+          <a:p>
+            <a:pPr algn="ctr"/>
+            <a:endParaRPr lang="en-US"/>
+          </a:p>
+        </p:txBody>
+      </p:sp>
+      <p:sp>
+        <p:nvSpPr>
+          <p:cNvPr id="13" name="Isosceles Triangle 12">
+            <a:extLst>
+              <a:ext uri="{FF2B5EF4-FFF2-40B4-BE49-F238E27FC236}">
+                <a16:creationId xmlns:a16="http://schemas.microsoft.com/office/drawing/2014/main" id="{A580F890-B085-4E95-96AA-55AEBEC5CE6E}"/>
+              </a:ext>
+              <a:ext uri="{C183D7F6-B498-43B3-948B-1728B52AA6E4}">
+                <adec:decorative xmlns:adec="http://schemas.microsoft.com/office/drawing/2017/decorative" val="1"/>
+              </a:ext>
+            </a:extLst>
+          </p:cNvPr>
+          <p:cNvSpPr>
+            <a:spLocks noGrp="1" noRot="1" noChangeAspect="1" noMove="1" noResize="1" noEditPoints="1" noAdjustHandles="1" noChangeArrowheads="1" noChangeShapeType="1" noTextEdit="1"/>
+          </p:cNvSpPr>
+          <p:nvPr>
+            <p:extLst>
+              <p:ext uri="{386F3935-93C4-4BCD-93E2-E3B085C9AB24}">
+                <p16:designElem xmlns:p16="http://schemas.microsoft.com/office/powerpoint/2015/main" val="1"/>
+              </p:ext>
+            </p:extLst>
+          </p:nvPr>
+        </p:nvSpPr>
+        <p:spPr>
+          <a:xfrm rot="16200000">
+            <a:off x="10289068" y="1343027"/>
+            <a:ext cx="2532832" cy="1273032"/>
+          </a:xfrm>
+          <a:prstGeom prst="triangle">
+            <a:avLst>
+              <a:gd name="adj" fmla="val 50000"/>
+            </a:avLst>
+          </a:prstGeom>
+          <a:solidFill>
+            <a:schemeClr val="accent4">
+              <a:alpha val="30000"/>
+            </a:schemeClr>
+          </a:solidFill>
+          <a:ln>
+            <a:noFill/>
+          </a:ln>
+        </p:spPr>
+        <p:style>
+          <a:lnRef idx="2">
+            <a:schemeClr val="accent1">
+              <a:shade val="50000"/>
+            </a:schemeClr>
+          </a:lnRef>
+          <a:fillRef idx="1">
+            <a:schemeClr val="accent1"/>
+          </a:fillRef>
+          <a:effectRef idx="0">
+            <a:schemeClr val="accent1"/>
+          </a:effectRef>
+          <a:fontRef idx="minor">
+            <a:schemeClr val="lt1"/>
+          </a:fontRef>
+        </p:style>
+        <p:txBody>
+          <a:bodyPr rtlCol="0" anchor="ctr"/>
+          <a:lstStyle/>
+          <a:p>
+            <a:pPr algn="ctr"/>
+            <a:endParaRPr lang="en-US"/>
+          </a:p>
+        </p:txBody>
+      </p:sp>
+      <p:sp>
+        <p:nvSpPr>
+          <p:cNvPr id="15" name="Isosceles Triangle 14">
+            <a:extLst>
+              <a:ext uri="{FF2B5EF4-FFF2-40B4-BE49-F238E27FC236}">
+                <a16:creationId xmlns:a16="http://schemas.microsoft.com/office/drawing/2014/main" id="{D3F51FEB-38FB-4F6C-9F7B-2F2AFAB65463}"/>
+              </a:ext>
+              <a:ext uri="{C183D7F6-B498-43B3-948B-1728B52AA6E4}">
+                <adec:decorative xmlns:adec="http://schemas.microsoft.com/office/drawing/2017/decorative" val="1"/>
+              </a:ext>
+            </a:extLst>
+          </p:cNvPr>
+          <p:cNvSpPr>
+            <a:spLocks noGrp="1" noRot="1" noChangeAspect="1" noMove="1" noResize="1" noEditPoints="1" noAdjustHandles="1" noChangeArrowheads="1" noChangeShapeType="1" noTextEdit="1"/>
+          </p:cNvSpPr>
+          <p:nvPr>
+            <p:extLst>
+              <p:ext uri="{386F3935-93C4-4BCD-93E2-E3B085C9AB24}">
+                <p16:designElem xmlns:p16="http://schemas.microsoft.com/office/powerpoint/2015/main" val="1"/>
+              </p:ext>
+            </p:extLst>
+          </p:nvPr>
+        </p:nvSpPr>
+        <p:spPr>
+          <a:xfrm rot="5400000">
+            <a:off x="-501760" y="5103257"/>
+            <a:ext cx="2017580" cy="1014060"/>
+          </a:xfrm>
+          <a:prstGeom prst="triangle">
+            <a:avLst>
+              <a:gd name="adj" fmla="val 50000"/>
+            </a:avLst>
+          </a:prstGeom>
+          <a:solidFill>
+            <a:schemeClr val="accent1">
+              <a:alpha val="30000"/>
+            </a:schemeClr>
+          </a:solidFill>
+          <a:ln>
+            <a:noFill/>
+          </a:ln>
+        </p:spPr>
+        <p:style>
+          <a:lnRef idx="2">
+            <a:schemeClr val="accent1">
+              <a:shade val="50000"/>
+            </a:schemeClr>
+          </a:lnRef>
+          <a:fillRef idx="1">
+            <a:schemeClr val="accent1"/>
+          </a:fillRef>
+          <a:effectRef idx="0">
+            <a:schemeClr val="accent1"/>
+          </a:effectRef>
+          <a:fontRef idx="minor">
+            <a:schemeClr val="lt1"/>
+          </a:fontRef>
+        </p:style>
+        <p:txBody>
+          <a:bodyPr rtlCol="0" anchor="ctr"/>
+          <a:lstStyle/>
+          <a:p>
+            <a:pPr algn="ctr"/>
+            <a:endParaRPr lang="en-US"/>
+          </a:p>
+        </p:txBody>
+      </p:sp>
+      <p:sp>
+        <p:nvSpPr>
+          <p:cNvPr id="17" name="Rectangle 16">
+            <a:extLst>
+              <a:ext uri="{FF2B5EF4-FFF2-40B4-BE49-F238E27FC236}">
+                <a16:creationId xmlns:a16="http://schemas.microsoft.com/office/drawing/2014/main" id="{1E547BA6-BAE0-43BB-A7CA-60F69CE252F0}"/>
+              </a:ext>
+              <a:ext uri="{C183D7F6-B498-43B3-948B-1728B52AA6E4}">
+                <adec:decorative xmlns:adec="http://schemas.microsoft.com/office/drawing/2017/decorative" val="1"/>
+              </a:ext>
+            </a:extLst>
+          </p:cNvPr>
+          <p:cNvSpPr>
+            <a:spLocks noGrp="1" noRot="1" noChangeAspect="1" noMove="1" noResize="1" noEditPoints="1" noAdjustHandles="1" noChangeArrowheads="1" noChangeShapeType="1" noTextEdit="1"/>
+          </p:cNvSpPr>
+          <p:nvPr>
+            <p:extLst>
+              <p:ext uri="{386F3935-93C4-4BCD-93E2-E3B085C9AB24}">
+                <p16:designElem xmlns:p16="http://schemas.microsoft.com/office/powerpoint/2015/main" val="1"/>
+              </p:ext>
+            </p:extLst>
+          </p:nvPr>
+        </p:nvSpPr>
+        <p:spPr>
+          <a:xfrm rot="2700000">
+            <a:off x="427916" y="5728708"/>
+            <a:ext cx="485578" cy="485578"/>
+          </a:xfrm>
+          <a:prstGeom prst="rect">
+            <a:avLst/>
+          </a:prstGeom>
+          <a:solidFill>
+            <a:schemeClr val="accent1">
+              <a:alpha val="30000"/>
+            </a:schemeClr>
+          </a:solidFill>
+          <a:ln>
+            <a:noFill/>
+          </a:ln>
+        </p:spPr>
+        <p:style>
+          <a:lnRef idx="2">
+            <a:schemeClr val="accent1">
+              <a:shade val="50000"/>
+            </a:schemeClr>
+          </a:lnRef>
+          <a:fillRef idx="1">
+            <a:schemeClr val="accent1"/>
+          </a:fillRef>
+          <a:effectRef idx="0">
+            <a:schemeClr val="accent1"/>
+          </a:effectRef>
+          <a:fontRef idx="minor">
+            <a:schemeClr val="lt1"/>
+          </a:fontRef>
+        </p:style>
+        <p:txBody>
+          <a:bodyPr rtlCol="0" anchor="ctr"/>
+          <a:lstStyle/>
+          <a:p>
+            <a:pPr algn="ctr"/>
+            <a:endParaRPr lang="en-US"/>
+          </a:p>
+        </p:txBody>
+      </p:sp>
+      <p:sp>
+        <p:nvSpPr>
+          <p:cNvPr id="12" name="Title 1">
+            <a:extLst>
+              <a:ext uri="{FF2B5EF4-FFF2-40B4-BE49-F238E27FC236}">
+                <a16:creationId xmlns:a16="http://schemas.microsoft.com/office/drawing/2014/main" id="{236E6D1C-9884-7F4E-8477-42AF223A3E05}"/>
+              </a:ext>
+            </a:extLst>
+          </p:cNvPr>
+          <p:cNvSpPr txBox="1">
+            <a:spLocks/>
+          </p:cNvSpPr>
+          <p:nvPr/>
+        </p:nvSpPr>
+        <p:spPr>
+          <a:xfrm>
+            <a:off x="507030" y="304236"/>
+            <a:ext cx="10515600" cy="1325563"/>
+          </a:xfrm>
+          <a:prstGeom prst="rect">
+            <a:avLst/>
+          </a:prstGeom>
+        </p:spPr>
+        <p:txBody>
+          <a:bodyPr vert="horz" lIns="91440" tIns="45720" rIns="91440" bIns="45720" rtlCol="0" anchor="ctr">
+            <a:normAutofit/>
+          </a:bodyPr>
+          <a:lstStyle>
+            <a:lvl1pPr algn="l" defTabSz="914400" rtl="0" eaLnBrk="1" latinLnBrk="0" hangingPunct="1">
+              <a:lnSpc>
+                <a:spcPct val="90000"/>
+              </a:lnSpc>
+              <a:spcBef>
+                <a:spcPct val="0"/>
+              </a:spcBef>
+              <a:buNone/>
+              <a:defRPr sz="4400" kern="1200">
+                <a:solidFill>
+                  <a:schemeClr val="tx1"/>
+                </a:solidFill>
+                <a:latin typeface="+mj-lt"/>
+                <a:ea typeface="+mj-ea"/>
+                <a:cs typeface="+mj-cs"/>
+              </a:defRPr>
+            </a:lvl1pPr>
+          </a:lstStyle>
+          <a:p>
             <a:r>
-              <a:rPr lang="en-US" dirty="0"/>
-              <a:t>Load Example: </a:t>
-            </a:r>
-            <a:r>
-              <a:rPr lang="en-US" dirty="0" err="1"/>
-              <a:t>DataFrame</a:t>
-            </a:r>
-            <a:r>
-              <a:rPr lang="en-US" dirty="0"/>
-              <a:t> to PostgreSQL</a:t>
+              <a:rPr lang="en-US" b="1" dirty="0"/>
+              <a:t>PostgreSQL Tables</a:t>
             </a:r>
           </a:p>
         </p:txBody>
       </p:sp>
       <p:pic>
         <p:nvPicPr>
-          <p:cNvPr id="5" name="Content Placeholder 4" descr="A picture containing text&#10;&#10;Description automatically generated">
-            <a:extLst>
-              <a:ext uri="{FF2B5EF4-FFF2-40B4-BE49-F238E27FC236}">
-                <a16:creationId xmlns:a16="http://schemas.microsoft.com/office/drawing/2014/main" id="{DFB1567E-C18C-784E-BC9F-6D1F55907571}"/>
+          <p:cNvPr id="14" name="Content Placeholder 4" descr="A picture containing table&#10;&#10;Description automatically generated">
+            <a:extLst>
+              <a:ext uri="{FF2B5EF4-FFF2-40B4-BE49-F238E27FC236}">
+                <a16:creationId xmlns:a16="http://schemas.microsoft.com/office/drawing/2014/main" id="{C7B6CCA2-F9CD-5E4D-A32D-46DD886EA7B9}"/>
               </a:ext>
             </a:extLst>
           </p:cNvPr>
@@ -7335,15 +10740,958 @@
         </p:blipFill>
         <p:spPr>
           <a:xfrm>
-            <a:off x="2870008" y="1825625"/>
-            <a:ext cx="6451983" cy="4351338"/>
+            <a:off x="5733080" y="447478"/>
+            <a:ext cx="1616921" cy="5963043"/>
           </a:xfrm>
         </p:spPr>
       </p:pic>
     </p:spTree>
     <p:extLst>
       <p:ext uri="{BB962C8B-B14F-4D97-AF65-F5344CB8AC3E}">
-        <p14:creationId xmlns:p14="http://schemas.microsoft.com/office/powerpoint/2010/main" val="888987628"/>
+        <p14:creationId xmlns:p14="http://schemas.microsoft.com/office/powerpoint/2010/main" val="3235389841"/>
+      </p:ext>
+    </p:extLst>
+  </p:cSld>
+  <p:clrMapOvr>
+    <a:masterClrMapping/>
+  </p:clrMapOvr>
+</p:sld>
+</file>
+
+<file path=ppt/slides/slide8.xml><?xml version="1.0" encoding="utf-8"?>
+<p:sld xmlns:a="http://schemas.openxmlformats.org/drawingml/2006/main" xmlns:r="http://schemas.openxmlformats.org/officeDocument/2006/relationships" xmlns:p="http://schemas.openxmlformats.org/presentationml/2006/main">
+  <p:cSld>
+    <p:bg>
+      <p:bgPr>
+        <a:solidFill>
+          <a:schemeClr val="bg1"/>
+        </a:solidFill>
+        <a:effectLst/>
+      </p:bgPr>
+    </p:bg>
+    <p:spTree>
+      <p:nvGrpSpPr>
+        <p:cNvPr id="1" name=""/>
+        <p:cNvGrpSpPr/>
+        <p:nvPr/>
+      </p:nvGrpSpPr>
+      <p:grpSpPr>
+        <a:xfrm>
+          <a:off x="0" y="0"/>
+          <a:ext cx="0" cy="0"/>
+          <a:chOff x="0" y="0"/>
+          <a:chExt cx="0" cy="0"/>
+        </a:xfrm>
+      </p:grpSpPr>
+      <p:sp>
+        <p:nvSpPr>
+          <p:cNvPr id="9" name="Rectangle 8">
+            <a:extLst>
+              <a:ext uri="{FF2B5EF4-FFF2-40B4-BE49-F238E27FC236}">
+                <a16:creationId xmlns:a16="http://schemas.microsoft.com/office/drawing/2014/main" id="{2B566528-1B12-4246-9431-5C2D7D081168}"/>
+              </a:ext>
+              <a:ext uri="{C183D7F6-B498-43B3-948B-1728B52AA6E4}">
+                <adec:decorative xmlns:adec="http://schemas.microsoft.com/office/drawing/2017/decorative" val="1"/>
+              </a:ext>
+            </a:extLst>
+          </p:cNvPr>
+          <p:cNvSpPr>
+            <a:spLocks noGrp="1" noRot="1" noChangeAspect="1" noMove="1" noResize="1" noEditPoints="1" noAdjustHandles="1" noChangeArrowheads="1" noChangeShapeType="1" noTextEdit="1"/>
+          </p:cNvSpPr>
+          <p:nvPr>
+            <p:extLst>
+              <p:ext uri="{386F3935-93C4-4BCD-93E2-E3B085C9AB24}">
+                <p16:designElem xmlns:p16="http://schemas.microsoft.com/office/powerpoint/2015/main" val="1"/>
+              </p:ext>
+            </p:extLst>
+          </p:nvPr>
+        </p:nvSpPr>
+        <p:spPr>
+          <a:xfrm>
+            <a:off x="0" y="0"/>
+            <a:ext cx="12192000" cy="6858000"/>
+          </a:xfrm>
+          <a:prstGeom prst="rect">
+            <a:avLst/>
+          </a:prstGeom>
+          <a:solidFill>
+            <a:schemeClr val="bg1"/>
+          </a:solidFill>
+          <a:ln>
+            <a:noFill/>
+          </a:ln>
+        </p:spPr>
+        <p:style>
+          <a:lnRef idx="2">
+            <a:schemeClr val="accent1">
+              <a:shade val="50000"/>
+            </a:schemeClr>
+          </a:lnRef>
+          <a:fillRef idx="1">
+            <a:schemeClr val="accent1"/>
+          </a:fillRef>
+          <a:effectRef idx="0">
+            <a:schemeClr val="accent1"/>
+          </a:effectRef>
+          <a:fontRef idx="minor">
+            <a:schemeClr val="lt1"/>
+          </a:fontRef>
+        </p:style>
+        <p:txBody>
+          <a:bodyPr rtlCol="0" anchor="ctr"/>
+          <a:lstStyle/>
+          <a:p>
+            <a:pPr algn="ctr"/>
+            <a:endParaRPr lang="en-US" dirty="0"/>
+          </a:p>
+        </p:txBody>
+      </p:sp>
+      <p:sp>
+        <p:nvSpPr>
+          <p:cNvPr id="11" name="Rectangle 10">
+            <a:extLst>
+              <a:ext uri="{FF2B5EF4-FFF2-40B4-BE49-F238E27FC236}">
+                <a16:creationId xmlns:a16="http://schemas.microsoft.com/office/drawing/2014/main" id="{2E80C965-DB6D-4F81-9E9E-B027384D0BD6}"/>
+              </a:ext>
+              <a:ext uri="{C183D7F6-B498-43B3-948B-1728B52AA6E4}">
+                <adec:decorative xmlns:adec="http://schemas.microsoft.com/office/drawing/2017/decorative" val="1"/>
+              </a:ext>
+            </a:extLst>
+          </p:cNvPr>
+          <p:cNvSpPr>
+            <a:spLocks noGrp="1" noRot="1" noChangeAspect="1" noMove="1" noResize="1" noEditPoints="1" noAdjustHandles="1" noChangeArrowheads="1" noChangeShapeType="1" noTextEdit="1"/>
+          </p:cNvSpPr>
+          <p:nvPr>
+            <p:extLst>
+              <p:ext uri="{386F3935-93C4-4BCD-93E2-E3B085C9AB24}">
+                <p16:designElem xmlns:p16="http://schemas.microsoft.com/office/powerpoint/2015/main" val="1"/>
+              </p:ext>
+            </p:extLst>
+          </p:nvPr>
+        </p:nvSpPr>
+        <p:spPr>
+          <a:xfrm rot="2700000">
+            <a:off x="11052629" y="2120024"/>
+            <a:ext cx="645368" cy="645368"/>
+          </a:xfrm>
+          <a:prstGeom prst="rect">
+            <a:avLst/>
+          </a:prstGeom>
+          <a:solidFill>
+            <a:schemeClr val="accent4">
+              <a:alpha val="30000"/>
+            </a:schemeClr>
+          </a:solidFill>
+          <a:ln>
+            <a:noFill/>
+          </a:ln>
+        </p:spPr>
+        <p:style>
+          <a:lnRef idx="2">
+            <a:schemeClr val="accent1">
+              <a:shade val="50000"/>
+            </a:schemeClr>
+          </a:lnRef>
+          <a:fillRef idx="1">
+            <a:schemeClr val="accent1"/>
+          </a:fillRef>
+          <a:effectRef idx="0">
+            <a:schemeClr val="accent1"/>
+          </a:effectRef>
+          <a:fontRef idx="minor">
+            <a:schemeClr val="lt1"/>
+          </a:fontRef>
+        </p:style>
+        <p:txBody>
+          <a:bodyPr rtlCol="0" anchor="ctr"/>
+          <a:lstStyle/>
+          <a:p>
+            <a:pPr algn="ctr"/>
+            <a:endParaRPr lang="en-US"/>
+          </a:p>
+        </p:txBody>
+      </p:sp>
+      <p:sp>
+        <p:nvSpPr>
+          <p:cNvPr id="13" name="Isosceles Triangle 12">
+            <a:extLst>
+              <a:ext uri="{FF2B5EF4-FFF2-40B4-BE49-F238E27FC236}">
+                <a16:creationId xmlns:a16="http://schemas.microsoft.com/office/drawing/2014/main" id="{A580F890-B085-4E95-96AA-55AEBEC5CE6E}"/>
+              </a:ext>
+              <a:ext uri="{C183D7F6-B498-43B3-948B-1728B52AA6E4}">
+                <adec:decorative xmlns:adec="http://schemas.microsoft.com/office/drawing/2017/decorative" val="1"/>
+              </a:ext>
+            </a:extLst>
+          </p:cNvPr>
+          <p:cNvSpPr>
+            <a:spLocks noGrp="1" noRot="1" noChangeAspect="1" noMove="1" noResize="1" noEditPoints="1" noAdjustHandles="1" noChangeArrowheads="1" noChangeShapeType="1" noTextEdit="1"/>
+          </p:cNvSpPr>
+          <p:nvPr>
+            <p:extLst>
+              <p:ext uri="{386F3935-93C4-4BCD-93E2-E3B085C9AB24}">
+                <p16:designElem xmlns:p16="http://schemas.microsoft.com/office/powerpoint/2015/main" val="1"/>
+              </p:ext>
+            </p:extLst>
+          </p:nvPr>
+        </p:nvSpPr>
+        <p:spPr>
+          <a:xfrm rot="16200000">
+            <a:off x="10289068" y="1343027"/>
+            <a:ext cx="2532832" cy="1273032"/>
+          </a:xfrm>
+          <a:prstGeom prst="triangle">
+            <a:avLst>
+              <a:gd name="adj" fmla="val 50000"/>
+            </a:avLst>
+          </a:prstGeom>
+          <a:solidFill>
+            <a:schemeClr val="accent4">
+              <a:alpha val="30000"/>
+            </a:schemeClr>
+          </a:solidFill>
+          <a:ln>
+            <a:noFill/>
+          </a:ln>
+        </p:spPr>
+        <p:style>
+          <a:lnRef idx="2">
+            <a:schemeClr val="accent1">
+              <a:shade val="50000"/>
+            </a:schemeClr>
+          </a:lnRef>
+          <a:fillRef idx="1">
+            <a:schemeClr val="accent1"/>
+          </a:fillRef>
+          <a:effectRef idx="0">
+            <a:schemeClr val="accent1"/>
+          </a:effectRef>
+          <a:fontRef idx="minor">
+            <a:schemeClr val="lt1"/>
+          </a:fontRef>
+        </p:style>
+        <p:txBody>
+          <a:bodyPr rtlCol="0" anchor="ctr"/>
+          <a:lstStyle/>
+          <a:p>
+            <a:pPr algn="ctr"/>
+            <a:endParaRPr lang="en-US"/>
+          </a:p>
+        </p:txBody>
+      </p:sp>
+      <p:sp>
+        <p:nvSpPr>
+          <p:cNvPr id="15" name="Isosceles Triangle 14">
+            <a:extLst>
+              <a:ext uri="{FF2B5EF4-FFF2-40B4-BE49-F238E27FC236}">
+                <a16:creationId xmlns:a16="http://schemas.microsoft.com/office/drawing/2014/main" id="{D3F51FEB-38FB-4F6C-9F7B-2F2AFAB65463}"/>
+              </a:ext>
+              <a:ext uri="{C183D7F6-B498-43B3-948B-1728B52AA6E4}">
+                <adec:decorative xmlns:adec="http://schemas.microsoft.com/office/drawing/2017/decorative" val="1"/>
+              </a:ext>
+            </a:extLst>
+          </p:cNvPr>
+          <p:cNvSpPr>
+            <a:spLocks noGrp="1" noRot="1" noChangeAspect="1" noMove="1" noResize="1" noEditPoints="1" noAdjustHandles="1" noChangeArrowheads="1" noChangeShapeType="1" noTextEdit="1"/>
+          </p:cNvSpPr>
+          <p:nvPr>
+            <p:extLst>
+              <p:ext uri="{386F3935-93C4-4BCD-93E2-E3B085C9AB24}">
+                <p16:designElem xmlns:p16="http://schemas.microsoft.com/office/powerpoint/2015/main" val="1"/>
+              </p:ext>
+            </p:extLst>
+          </p:nvPr>
+        </p:nvSpPr>
+        <p:spPr>
+          <a:xfrm rot="5400000">
+            <a:off x="-501760" y="5103257"/>
+            <a:ext cx="2017580" cy="1014060"/>
+          </a:xfrm>
+          <a:prstGeom prst="triangle">
+            <a:avLst>
+              <a:gd name="adj" fmla="val 50000"/>
+            </a:avLst>
+          </a:prstGeom>
+          <a:solidFill>
+            <a:schemeClr val="accent1">
+              <a:alpha val="30000"/>
+            </a:schemeClr>
+          </a:solidFill>
+          <a:ln>
+            <a:noFill/>
+          </a:ln>
+        </p:spPr>
+        <p:style>
+          <a:lnRef idx="2">
+            <a:schemeClr val="accent1">
+              <a:shade val="50000"/>
+            </a:schemeClr>
+          </a:lnRef>
+          <a:fillRef idx="1">
+            <a:schemeClr val="accent1"/>
+          </a:fillRef>
+          <a:effectRef idx="0">
+            <a:schemeClr val="accent1"/>
+          </a:effectRef>
+          <a:fontRef idx="minor">
+            <a:schemeClr val="lt1"/>
+          </a:fontRef>
+        </p:style>
+        <p:txBody>
+          <a:bodyPr rtlCol="0" anchor="ctr"/>
+          <a:lstStyle/>
+          <a:p>
+            <a:pPr algn="ctr"/>
+            <a:endParaRPr lang="en-US"/>
+          </a:p>
+        </p:txBody>
+      </p:sp>
+      <p:sp>
+        <p:nvSpPr>
+          <p:cNvPr id="17" name="Rectangle 16">
+            <a:extLst>
+              <a:ext uri="{FF2B5EF4-FFF2-40B4-BE49-F238E27FC236}">
+                <a16:creationId xmlns:a16="http://schemas.microsoft.com/office/drawing/2014/main" id="{1E547BA6-BAE0-43BB-A7CA-60F69CE252F0}"/>
+              </a:ext>
+              <a:ext uri="{C183D7F6-B498-43B3-948B-1728B52AA6E4}">
+                <adec:decorative xmlns:adec="http://schemas.microsoft.com/office/drawing/2017/decorative" val="1"/>
+              </a:ext>
+            </a:extLst>
+          </p:cNvPr>
+          <p:cNvSpPr>
+            <a:spLocks noGrp="1" noRot="1" noChangeAspect="1" noMove="1" noResize="1" noEditPoints="1" noAdjustHandles="1" noChangeArrowheads="1" noChangeShapeType="1" noTextEdit="1"/>
+          </p:cNvSpPr>
+          <p:nvPr>
+            <p:extLst>
+              <p:ext uri="{386F3935-93C4-4BCD-93E2-E3B085C9AB24}">
+                <p16:designElem xmlns:p16="http://schemas.microsoft.com/office/powerpoint/2015/main" val="1"/>
+              </p:ext>
+            </p:extLst>
+          </p:nvPr>
+        </p:nvSpPr>
+        <p:spPr>
+          <a:xfrm rot="2700000">
+            <a:off x="427916" y="5728708"/>
+            <a:ext cx="485578" cy="485578"/>
+          </a:xfrm>
+          <a:prstGeom prst="rect">
+            <a:avLst/>
+          </a:prstGeom>
+          <a:solidFill>
+            <a:schemeClr val="accent1">
+              <a:alpha val="30000"/>
+            </a:schemeClr>
+          </a:solidFill>
+          <a:ln>
+            <a:noFill/>
+          </a:ln>
+        </p:spPr>
+        <p:style>
+          <a:lnRef idx="2">
+            <a:schemeClr val="accent1">
+              <a:shade val="50000"/>
+            </a:schemeClr>
+          </a:lnRef>
+          <a:fillRef idx="1">
+            <a:schemeClr val="accent1"/>
+          </a:fillRef>
+          <a:effectRef idx="0">
+            <a:schemeClr val="accent1"/>
+          </a:effectRef>
+          <a:fontRef idx="minor">
+            <a:schemeClr val="lt1"/>
+          </a:fontRef>
+        </p:style>
+        <p:txBody>
+          <a:bodyPr rtlCol="0" anchor="ctr"/>
+          <a:lstStyle/>
+          <a:p>
+            <a:pPr algn="ctr"/>
+            <a:endParaRPr lang="en-US"/>
+          </a:p>
+        </p:txBody>
+      </p:sp>
+      <p:sp>
+        <p:nvSpPr>
+          <p:cNvPr id="12" name="Title 1">
+            <a:extLst>
+              <a:ext uri="{FF2B5EF4-FFF2-40B4-BE49-F238E27FC236}">
+                <a16:creationId xmlns:a16="http://schemas.microsoft.com/office/drawing/2014/main" id="{236E6D1C-9884-7F4E-8477-42AF223A3E05}"/>
+              </a:ext>
+            </a:extLst>
+          </p:cNvPr>
+          <p:cNvSpPr txBox="1">
+            <a:spLocks/>
+          </p:cNvSpPr>
+          <p:nvPr/>
+        </p:nvSpPr>
+        <p:spPr>
+          <a:xfrm>
+            <a:off x="507030" y="304236"/>
+            <a:ext cx="10515600" cy="1325563"/>
+          </a:xfrm>
+          <a:prstGeom prst="rect">
+            <a:avLst/>
+          </a:prstGeom>
+        </p:spPr>
+        <p:txBody>
+          <a:bodyPr vert="horz" lIns="91440" tIns="45720" rIns="91440" bIns="45720" rtlCol="0" anchor="ctr">
+            <a:normAutofit/>
+          </a:bodyPr>
+          <a:lstStyle>
+            <a:lvl1pPr algn="l" defTabSz="914400" rtl="0" eaLnBrk="1" latinLnBrk="0" hangingPunct="1">
+              <a:lnSpc>
+                <a:spcPct val="90000"/>
+              </a:lnSpc>
+              <a:spcBef>
+                <a:spcPct val="0"/>
+              </a:spcBef>
+              <a:buNone/>
+              <a:defRPr sz="4400" kern="1200">
+                <a:solidFill>
+                  <a:schemeClr val="tx1"/>
+                </a:solidFill>
+                <a:latin typeface="+mj-lt"/>
+                <a:ea typeface="+mj-ea"/>
+                <a:cs typeface="+mj-cs"/>
+              </a:defRPr>
+            </a:lvl1pPr>
+          </a:lstStyle>
+          <a:p>
+            <a:r>
+              <a:rPr lang="en-US" b="1" dirty="0"/>
+              <a:t>Load Example: </a:t>
+            </a:r>
+            <a:r>
+              <a:rPr lang="en-US" b="1" dirty="0" err="1"/>
+              <a:t>DataFrame</a:t>
+            </a:r>
+            <a:r>
+              <a:rPr lang="en-US" b="1" dirty="0"/>
+              <a:t> to PostgreSQL</a:t>
+            </a:r>
+          </a:p>
+        </p:txBody>
+      </p:sp>
+      <p:pic>
+        <p:nvPicPr>
+          <p:cNvPr id="14" name="Content Placeholder 4" descr="A picture containing text&#10;&#10;Description automatically generated">
+            <a:extLst>
+              <a:ext uri="{FF2B5EF4-FFF2-40B4-BE49-F238E27FC236}">
+                <a16:creationId xmlns:a16="http://schemas.microsoft.com/office/drawing/2014/main" id="{D98F9667-6A60-C043-80B5-D6111BE4789F}"/>
+              </a:ext>
+            </a:extLst>
+          </p:cNvPr>
+          <p:cNvPicPr>
+            <a:picLocks noGrp="1" noChangeAspect="1"/>
+          </p:cNvPicPr>
+          <p:nvPr>
+            <p:ph idx="1"/>
+          </p:nvPr>
+        </p:nvPicPr>
+        <p:blipFill>
+          <a:blip r:embed="rId2"/>
+          <a:stretch>
+            <a:fillRect/>
+          </a:stretch>
+        </p:blipFill>
+        <p:spPr>
+          <a:xfrm>
+            <a:off x="2579646" y="1629799"/>
+            <a:ext cx="6742346" cy="4547164"/>
+          </a:xfrm>
+        </p:spPr>
+      </p:pic>
+    </p:spTree>
+    <p:extLst>
+      <p:ext uri="{BB962C8B-B14F-4D97-AF65-F5344CB8AC3E}">
+        <p14:creationId xmlns:p14="http://schemas.microsoft.com/office/powerpoint/2010/main" val="3864844208"/>
+      </p:ext>
+    </p:extLst>
+  </p:cSld>
+  <p:clrMapOvr>
+    <a:masterClrMapping/>
+  </p:clrMapOvr>
+</p:sld>
+</file>
+
+<file path=ppt/slides/slide9.xml><?xml version="1.0" encoding="utf-8"?>
+<p:sld xmlns:a="http://schemas.openxmlformats.org/drawingml/2006/main" xmlns:r="http://schemas.openxmlformats.org/officeDocument/2006/relationships" xmlns:p="http://schemas.openxmlformats.org/presentationml/2006/main">
+  <p:cSld>
+    <p:bg>
+      <p:bgPr>
+        <a:solidFill>
+          <a:schemeClr val="bg1"/>
+        </a:solidFill>
+        <a:effectLst/>
+      </p:bgPr>
+    </p:bg>
+    <p:spTree>
+      <p:nvGrpSpPr>
+        <p:cNvPr id="1" name=""/>
+        <p:cNvGrpSpPr/>
+        <p:nvPr/>
+      </p:nvGrpSpPr>
+      <p:grpSpPr>
+        <a:xfrm>
+          <a:off x="0" y="0"/>
+          <a:ext cx="0" cy="0"/>
+          <a:chOff x="0" y="0"/>
+          <a:chExt cx="0" cy="0"/>
+        </a:xfrm>
+      </p:grpSpPr>
+      <p:sp>
+        <p:nvSpPr>
+          <p:cNvPr id="9" name="Rectangle 8">
+            <a:extLst>
+              <a:ext uri="{FF2B5EF4-FFF2-40B4-BE49-F238E27FC236}">
+                <a16:creationId xmlns:a16="http://schemas.microsoft.com/office/drawing/2014/main" id="{2B566528-1B12-4246-9431-5C2D7D081168}"/>
+              </a:ext>
+              <a:ext uri="{C183D7F6-B498-43B3-948B-1728B52AA6E4}">
+                <adec:decorative xmlns:adec="http://schemas.microsoft.com/office/drawing/2017/decorative" val="1"/>
+              </a:ext>
+            </a:extLst>
+          </p:cNvPr>
+          <p:cNvSpPr>
+            <a:spLocks noGrp="1" noRot="1" noChangeAspect="1" noMove="1" noResize="1" noEditPoints="1" noAdjustHandles="1" noChangeArrowheads="1" noChangeShapeType="1" noTextEdit="1"/>
+          </p:cNvSpPr>
+          <p:nvPr>
+            <p:extLst>
+              <p:ext uri="{386F3935-93C4-4BCD-93E2-E3B085C9AB24}">
+                <p16:designElem xmlns:p16="http://schemas.microsoft.com/office/powerpoint/2015/main" val="1"/>
+              </p:ext>
+            </p:extLst>
+          </p:nvPr>
+        </p:nvSpPr>
+        <p:spPr>
+          <a:xfrm>
+            <a:off x="0" y="0"/>
+            <a:ext cx="12192000" cy="6858000"/>
+          </a:xfrm>
+          <a:prstGeom prst="rect">
+            <a:avLst/>
+          </a:prstGeom>
+          <a:solidFill>
+            <a:schemeClr val="bg1"/>
+          </a:solidFill>
+          <a:ln>
+            <a:noFill/>
+          </a:ln>
+        </p:spPr>
+        <p:style>
+          <a:lnRef idx="2">
+            <a:schemeClr val="accent1">
+              <a:shade val="50000"/>
+            </a:schemeClr>
+          </a:lnRef>
+          <a:fillRef idx="1">
+            <a:schemeClr val="accent1"/>
+          </a:fillRef>
+          <a:effectRef idx="0">
+            <a:schemeClr val="accent1"/>
+          </a:effectRef>
+          <a:fontRef idx="minor">
+            <a:schemeClr val="lt1"/>
+          </a:fontRef>
+        </p:style>
+        <p:txBody>
+          <a:bodyPr rtlCol="0" anchor="ctr"/>
+          <a:lstStyle/>
+          <a:p>
+            <a:pPr algn="ctr"/>
+            <a:endParaRPr lang="en-US" dirty="0"/>
+          </a:p>
+        </p:txBody>
+      </p:sp>
+      <p:sp>
+        <p:nvSpPr>
+          <p:cNvPr id="2" name="Title 1">
+            <a:extLst>
+              <a:ext uri="{FF2B5EF4-FFF2-40B4-BE49-F238E27FC236}">
+                <a16:creationId xmlns:a16="http://schemas.microsoft.com/office/drawing/2014/main" id="{4C523D40-1D32-DA4C-9A4B-6D1EE3CFDA5B}"/>
+              </a:ext>
+            </a:extLst>
+          </p:cNvPr>
+          <p:cNvSpPr>
+            <a:spLocks noGrp="1"/>
+          </p:cNvSpPr>
+          <p:nvPr>
+            <p:ph type="title"/>
+          </p:nvPr>
+        </p:nvSpPr>
+        <p:spPr>
+          <a:xfrm>
+            <a:off x="643467" y="321734"/>
+            <a:ext cx="10905066" cy="1135737"/>
+          </a:xfrm>
+        </p:spPr>
+        <p:txBody>
+          <a:bodyPr>
+            <a:normAutofit/>
+          </a:bodyPr>
+          <a:lstStyle/>
+          <a:p>
+            <a:r>
+              <a:rPr lang="en-US" b="1" dirty="0"/>
+              <a:t>Challenges</a:t>
+            </a:r>
+          </a:p>
+        </p:txBody>
+      </p:sp>
+      <p:sp>
+        <p:nvSpPr>
+          <p:cNvPr id="11" name="Rectangle 10">
+            <a:extLst>
+              <a:ext uri="{FF2B5EF4-FFF2-40B4-BE49-F238E27FC236}">
+                <a16:creationId xmlns:a16="http://schemas.microsoft.com/office/drawing/2014/main" id="{2E80C965-DB6D-4F81-9E9E-B027384D0BD6}"/>
+              </a:ext>
+              <a:ext uri="{C183D7F6-B498-43B3-948B-1728B52AA6E4}">
+                <adec:decorative xmlns:adec="http://schemas.microsoft.com/office/drawing/2017/decorative" val="1"/>
+              </a:ext>
+            </a:extLst>
+          </p:cNvPr>
+          <p:cNvSpPr>
+            <a:spLocks noGrp="1" noRot="1" noChangeAspect="1" noMove="1" noResize="1" noEditPoints="1" noAdjustHandles="1" noChangeArrowheads="1" noChangeShapeType="1" noTextEdit="1"/>
+          </p:cNvSpPr>
+          <p:nvPr>
+            <p:extLst>
+              <p:ext uri="{386F3935-93C4-4BCD-93E2-E3B085C9AB24}">
+                <p16:designElem xmlns:p16="http://schemas.microsoft.com/office/powerpoint/2015/main" val="1"/>
+              </p:ext>
+            </p:extLst>
+          </p:nvPr>
+        </p:nvSpPr>
+        <p:spPr>
+          <a:xfrm rot="2700000">
+            <a:off x="11052629" y="2120024"/>
+            <a:ext cx="645368" cy="645368"/>
+          </a:xfrm>
+          <a:prstGeom prst="rect">
+            <a:avLst/>
+          </a:prstGeom>
+          <a:solidFill>
+            <a:schemeClr val="accent4">
+              <a:alpha val="30000"/>
+            </a:schemeClr>
+          </a:solidFill>
+          <a:ln>
+            <a:noFill/>
+          </a:ln>
+        </p:spPr>
+        <p:style>
+          <a:lnRef idx="2">
+            <a:schemeClr val="accent1">
+              <a:shade val="50000"/>
+            </a:schemeClr>
+          </a:lnRef>
+          <a:fillRef idx="1">
+            <a:schemeClr val="accent1"/>
+          </a:fillRef>
+          <a:effectRef idx="0">
+            <a:schemeClr val="accent1"/>
+          </a:effectRef>
+          <a:fontRef idx="minor">
+            <a:schemeClr val="lt1"/>
+          </a:fontRef>
+        </p:style>
+        <p:txBody>
+          <a:bodyPr rtlCol="0" anchor="ctr"/>
+          <a:lstStyle/>
+          <a:p>
+            <a:pPr algn="ctr"/>
+            <a:endParaRPr lang="en-US"/>
+          </a:p>
+        </p:txBody>
+      </p:sp>
+      <p:sp>
+        <p:nvSpPr>
+          <p:cNvPr id="13" name="Isosceles Triangle 12">
+            <a:extLst>
+              <a:ext uri="{FF2B5EF4-FFF2-40B4-BE49-F238E27FC236}">
+                <a16:creationId xmlns:a16="http://schemas.microsoft.com/office/drawing/2014/main" id="{A580F890-B085-4E95-96AA-55AEBEC5CE6E}"/>
+              </a:ext>
+              <a:ext uri="{C183D7F6-B498-43B3-948B-1728B52AA6E4}">
+                <adec:decorative xmlns:adec="http://schemas.microsoft.com/office/drawing/2017/decorative" val="1"/>
+              </a:ext>
+            </a:extLst>
+          </p:cNvPr>
+          <p:cNvSpPr>
+            <a:spLocks noGrp="1" noRot="1" noChangeAspect="1" noMove="1" noResize="1" noEditPoints="1" noAdjustHandles="1" noChangeArrowheads="1" noChangeShapeType="1" noTextEdit="1"/>
+          </p:cNvSpPr>
+          <p:nvPr>
+            <p:extLst>
+              <p:ext uri="{386F3935-93C4-4BCD-93E2-E3B085C9AB24}">
+                <p16:designElem xmlns:p16="http://schemas.microsoft.com/office/powerpoint/2015/main" val="1"/>
+              </p:ext>
+            </p:extLst>
+          </p:nvPr>
+        </p:nvSpPr>
+        <p:spPr>
+          <a:xfrm rot="16200000">
+            <a:off x="10289068" y="1343027"/>
+            <a:ext cx="2532832" cy="1273032"/>
+          </a:xfrm>
+          <a:prstGeom prst="triangle">
+            <a:avLst>
+              <a:gd name="adj" fmla="val 50000"/>
+            </a:avLst>
+          </a:prstGeom>
+          <a:solidFill>
+            <a:schemeClr val="accent4">
+              <a:alpha val="30000"/>
+            </a:schemeClr>
+          </a:solidFill>
+          <a:ln>
+            <a:noFill/>
+          </a:ln>
+        </p:spPr>
+        <p:style>
+          <a:lnRef idx="2">
+            <a:schemeClr val="accent1">
+              <a:shade val="50000"/>
+            </a:schemeClr>
+          </a:lnRef>
+          <a:fillRef idx="1">
+            <a:schemeClr val="accent1"/>
+          </a:fillRef>
+          <a:effectRef idx="0">
+            <a:schemeClr val="accent1"/>
+          </a:effectRef>
+          <a:fontRef idx="minor">
+            <a:schemeClr val="lt1"/>
+          </a:fontRef>
+        </p:style>
+        <p:txBody>
+          <a:bodyPr rtlCol="0" anchor="ctr"/>
+          <a:lstStyle/>
+          <a:p>
+            <a:pPr algn="ctr"/>
+            <a:endParaRPr lang="en-US"/>
+          </a:p>
+        </p:txBody>
+      </p:sp>
+      <p:sp>
+        <p:nvSpPr>
+          <p:cNvPr id="15" name="Isosceles Triangle 14">
+            <a:extLst>
+              <a:ext uri="{FF2B5EF4-FFF2-40B4-BE49-F238E27FC236}">
+                <a16:creationId xmlns:a16="http://schemas.microsoft.com/office/drawing/2014/main" id="{D3F51FEB-38FB-4F6C-9F7B-2F2AFAB65463}"/>
+              </a:ext>
+              <a:ext uri="{C183D7F6-B498-43B3-948B-1728B52AA6E4}">
+                <adec:decorative xmlns:adec="http://schemas.microsoft.com/office/drawing/2017/decorative" val="1"/>
+              </a:ext>
+            </a:extLst>
+          </p:cNvPr>
+          <p:cNvSpPr>
+            <a:spLocks noGrp="1" noRot="1" noChangeAspect="1" noMove="1" noResize="1" noEditPoints="1" noAdjustHandles="1" noChangeArrowheads="1" noChangeShapeType="1" noTextEdit="1"/>
+          </p:cNvSpPr>
+          <p:nvPr>
+            <p:extLst>
+              <p:ext uri="{386F3935-93C4-4BCD-93E2-E3B085C9AB24}">
+                <p16:designElem xmlns:p16="http://schemas.microsoft.com/office/powerpoint/2015/main" val="1"/>
+              </p:ext>
+            </p:extLst>
+          </p:nvPr>
+        </p:nvSpPr>
+        <p:spPr>
+          <a:xfrm rot="5400000">
+            <a:off x="-501760" y="5103257"/>
+            <a:ext cx="2017580" cy="1014060"/>
+          </a:xfrm>
+          <a:prstGeom prst="triangle">
+            <a:avLst>
+              <a:gd name="adj" fmla="val 50000"/>
+            </a:avLst>
+          </a:prstGeom>
+          <a:solidFill>
+            <a:schemeClr val="accent1">
+              <a:alpha val="30000"/>
+            </a:schemeClr>
+          </a:solidFill>
+          <a:ln>
+            <a:noFill/>
+          </a:ln>
+        </p:spPr>
+        <p:style>
+          <a:lnRef idx="2">
+            <a:schemeClr val="accent1">
+              <a:shade val="50000"/>
+            </a:schemeClr>
+          </a:lnRef>
+          <a:fillRef idx="1">
+            <a:schemeClr val="accent1"/>
+          </a:fillRef>
+          <a:effectRef idx="0">
+            <a:schemeClr val="accent1"/>
+          </a:effectRef>
+          <a:fontRef idx="minor">
+            <a:schemeClr val="lt1"/>
+          </a:fontRef>
+        </p:style>
+        <p:txBody>
+          <a:bodyPr rtlCol="0" anchor="ctr"/>
+          <a:lstStyle/>
+          <a:p>
+            <a:pPr algn="ctr"/>
+            <a:endParaRPr lang="en-US"/>
+          </a:p>
+        </p:txBody>
+      </p:sp>
+      <p:sp>
+        <p:nvSpPr>
+          <p:cNvPr id="17" name="Rectangle 16">
+            <a:extLst>
+              <a:ext uri="{FF2B5EF4-FFF2-40B4-BE49-F238E27FC236}">
+                <a16:creationId xmlns:a16="http://schemas.microsoft.com/office/drawing/2014/main" id="{1E547BA6-BAE0-43BB-A7CA-60F69CE252F0}"/>
+              </a:ext>
+              <a:ext uri="{C183D7F6-B498-43B3-948B-1728B52AA6E4}">
+                <adec:decorative xmlns:adec="http://schemas.microsoft.com/office/drawing/2017/decorative" val="1"/>
+              </a:ext>
+            </a:extLst>
+          </p:cNvPr>
+          <p:cNvSpPr>
+            <a:spLocks noGrp="1" noRot="1" noChangeAspect="1" noMove="1" noResize="1" noEditPoints="1" noAdjustHandles="1" noChangeArrowheads="1" noChangeShapeType="1" noTextEdit="1"/>
+          </p:cNvSpPr>
+          <p:nvPr>
+            <p:extLst>
+              <p:ext uri="{386F3935-93C4-4BCD-93E2-E3B085C9AB24}">
+                <p16:designElem xmlns:p16="http://schemas.microsoft.com/office/powerpoint/2015/main" val="1"/>
+              </p:ext>
+            </p:extLst>
+          </p:nvPr>
+        </p:nvSpPr>
+        <p:spPr>
+          <a:xfrm rot="2700000">
+            <a:off x="427916" y="5728708"/>
+            <a:ext cx="485578" cy="485578"/>
+          </a:xfrm>
+          <a:prstGeom prst="rect">
+            <a:avLst/>
+          </a:prstGeom>
+          <a:solidFill>
+            <a:schemeClr val="accent1">
+              <a:alpha val="30000"/>
+            </a:schemeClr>
+          </a:solidFill>
+          <a:ln>
+            <a:noFill/>
+          </a:ln>
+        </p:spPr>
+        <p:style>
+          <a:lnRef idx="2">
+            <a:schemeClr val="accent1">
+              <a:shade val="50000"/>
+            </a:schemeClr>
+          </a:lnRef>
+          <a:fillRef idx="1">
+            <a:schemeClr val="accent1"/>
+          </a:fillRef>
+          <a:effectRef idx="0">
+            <a:schemeClr val="accent1"/>
+          </a:effectRef>
+          <a:fontRef idx="minor">
+            <a:schemeClr val="lt1"/>
+          </a:fontRef>
+        </p:style>
+        <p:txBody>
+          <a:bodyPr rtlCol="0" anchor="ctr"/>
+          <a:lstStyle/>
+          <a:p>
+            <a:pPr algn="ctr"/>
+            <a:endParaRPr lang="en-US"/>
+          </a:p>
+        </p:txBody>
+      </p:sp>
+      <p:sp>
+        <p:nvSpPr>
+          <p:cNvPr id="5" name="Content Placeholder 4">
+            <a:extLst>
+              <a:ext uri="{FF2B5EF4-FFF2-40B4-BE49-F238E27FC236}">
+                <a16:creationId xmlns:a16="http://schemas.microsoft.com/office/drawing/2014/main" id="{A4E53861-94DB-0843-9E98-4052618C8C78}"/>
+              </a:ext>
+            </a:extLst>
+          </p:cNvPr>
+          <p:cNvSpPr>
+            <a:spLocks noGrp="1"/>
+          </p:cNvSpPr>
+          <p:nvPr>
+            <p:ph idx="1"/>
+          </p:nvPr>
+        </p:nvSpPr>
+        <p:spPr>
+          <a:xfrm>
+            <a:off x="838200" y="1457471"/>
+            <a:ext cx="10451361" cy="4857382"/>
+          </a:xfrm>
+        </p:spPr>
+        <p:txBody>
+          <a:bodyPr>
+            <a:normAutofit fontScale="77500" lnSpcReduction="20000"/>
+          </a:bodyPr>
+          <a:lstStyle/>
+          <a:p>
+            <a:pPr>
+              <a:lnSpc>
+                <a:spcPct val="120000"/>
+              </a:lnSpc>
+            </a:pPr>
+            <a:r>
+              <a:rPr lang="en-US" dirty="0">
+                <a:latin typeface="+mj-lt"/>
+              </a:rPr>
+              <a:t>Our main challenges revolved around the APIs we chose to use.  We had to learn how they were accessed, how they worked, and what their limitations were.  For the quotes API, we could only specify 10 ticker symbols at a time; for the history API we could only specify 1 ticker symbol at a time.  For both, we had to run Python 'for' loops to cycle through the varying list of ticker symbols that were trending.</a:t>
+            </a:r>
+          </a:p>
+          <a:p>
+            <a:pPr>
+              <a:lnSpc>
+                <a:spcPct val="120000"/>
+              </a:lnSpc>
+            </a:pPr>
+            <a:r>
+              <a:rPr lang="en-US" dirty="0">
+                <a:latin typeface="+mj-lt"/>
+              </a:rPr>
+              <a:t>For the open-source library, some ticker symbols were not returning any data and killing the 'for' loop.  'try/except' error handling had to be added to prevent the loop from ending prematurely.</a:t>
+            </a:r>
+          </a:p>
+          <a:p>
+            <a:pPr>
+              <a:lnSpc>
+                <a:spcPct val="120000"/>
+              </a:lnSpc>
+            </a:pPr>
+            <a:r>
+              <a:rPr lang="en-US" dirty="0">
+                <a:latin typeface="+mj-lt"/>
+              </a:rPr>
+              <a:t>Once the data was decoded into JSON, we had to figure out how to reach the data we sought which was sometimes multiple levels of dictionaries and lists deep.</a:t>
+            </a:r>
+          </a:p>
+          <a:p>
+            <a:pPr>
+              <a:lnSpc>
+                <a:spcPct val="120000"/>
+              </a:lnSpc>
+            </a:pPr>
+            <a:r>
+              <a:rPr lang="en-US" dirty="0">
+                <a:latin typeface="+mj-lt"/>
+              </a:rPr>
+              <a:t>Our PostgreSQL loading kept requiring us to update our table create SQL statements to compensate for mixed case column names and numeric columns that were not large enough.</a:t>
+            </a:r>
+          </a:p>
+          <a:p>
+            <a:endParaRPr lang="en-US" dirty="0"/>
+          </a:p>
+          <a:p>
+            <a:endParaRPr lang="en-US" dirty="0"/>
+          </a:p>
+        </p:txBody>
+      </p:sp>
+    </p:spTree>
+    <p:extLst>
+      <p:ext uri="{BB962C8B-B14F-4D97-AF65-F5344CB8AC3E}">
+        <p14:creationId xmlns:p14="http://schemas.microsoft.com/office/powerpoint/2010/main" val="3281798340"/>
       </p:ext>
     </p:extLst>
   </p:cSld>

--- a/diagrams/Stock Trends ETL Process.pptx
+++ b/diagrams/Stock Trends ETL Process.pptx
@@ -8900,19 +8900,7 @@
               <a:rPr lang="en-US" dirty="0">
                 <a:latin typeface="+mj-lt"/>
               </a:rPr>
-              <a:t>Open Source </a:t>
-            </a:r>
-            <a:r>
-              <a:rPr lang="en-US" dirty="0" err="1">
-                <a:latin typeface="+mj-lt"/>
-              </a:rPr>
-              <a:t>Libarary</a:t>
-            </a:r>
-            <a:r>
-              <a:rPr lang="en-US" dirty="0">
-                <a:latin typeface="+mj-lt"/>
-              </a:rPr>
-              <a:t>: </a:t>
+              <a:t>Open Source Library: </a:t>
             </a:r>
             <a:r>
               <a:rPr lang="en-US" dirty="0" err="1">

--- a/diagrams/Stock Trends ETL Process.pptx
+++ b/diagrams/Stock Trends ETL Process.pptx
@@ -891,7 +891,9 @@
         <a:lstStyle/>
         <a:p>
           <a:r>
-            <a:rPr lang="en-US" dirty="0"/>
+            <a:rPr lang="en-US" dirty="0">
+              <a:latin typeface="Century Gothic" panose="020B0502020202020204" pitchFamily="34" charset="0"/>
+            </a:rPr>
             <a:t>Extract</a:t>
           </a:r>
         </a:p>
@@ -927,7 +929,9 @@
         <a:lstStyle/>
         <a:p>
           <a:r>
-            <a:rPr lang="en-US" dirty="0"/>
+            <a:rPr lang="en-US" dirty="0">
+              <a:latin typeface="Century Gothic" panose="020B0502020202020204" pitchFamily="34" charset="0"/>
+            </a:rPr>
             <a:t>Retrieve list of trending stock tickers for 10 regions</a:t>
           </a:r>
         </a:p>
@@ -963,7 +967,9 @@
         <a:lstStyle/>
         <a:p>
           <a:r>
-            <a:rPr lang="en-US" dirty="0"/>
+            <a:rPr lang="en-US" dirty="0">
+              <a:latin typeface="Century Gothic" panose="020B0502020202020204" pitchFamily="34" charset="0"/>
+            </a:rPr>
             <a:t>Transform</a:t>
           </a:r>
         </a:p>
@@ -999,23 +1005,33 @@
         <a:lstStyle/>
         <a:p>
           <a:r>
-            <a:rPr lang="en-US" dirty="0"/>
+            <a:rPr lang="en-US" dirty="0">
+              <a:latin typeface="Century Gothic" panose="020B0502020202020204" pitchFamily="34" charset="0"/>
+            </a:rPr>
             <a:t>Convert timestamp and </a:t>
           </a:r>
           <a:r>
-            <a:rPr lang="en-US" dirty="0" err="1"/>
+            <a:rPr lang="en-US" dirty="0" err="1">
+              <a:latin typeface="Century Gothic" panose="020B0502020202020204" pitchFamily="34" charset="0"/>
+            </a:rPr>
             <a:t>startintervals</a:t>
           </a:r>
           <a:r>
-            <a:rPr lang="en-US" dirty="0"/>
+            <a:rPr lang="en-US" dirty="0">
+              <a:latin typeface="Century Gothic" panose="020B0502020202020204" pitchFamily="34" charset="0"/>
+            </a:rPr>
             <a:t> to </a:t>
           </a:r>
           <a:r>
-            <a:rPr lang="en-US" dirty="0" err="1"/>
+            <a:rPr lang="en-US" dirty="0" err="1">
+              <a:latin typeface="Century Gothic" panose="020B0502020202020204" pitchFamily="34" charset="0"/>
+            </a:rPr>
             <a:t>db</a:t>
           </a:r>
           <a:r>
-            <a:rPr lang="en-US" dirty="0"/>
+            <a:rPr lang="en-US" dirty="0">
+              <a:latin typeface="Century Gothic" panose="020B0502020202020204" pitchFamily="34" charset="0"/>
+            </a:rPr>
             <a:t> readable formats</a:t>
           </a:r>
         </a:p>
@@ -1087,7 +1103,9 @@
         <a:lstStyle/>
         <a:p>
           <a:r>
-            <a:rPr lang="en-US" dirty="0"/>
+            <a:rPr lang="en-US" dirty="0">
+              <a:latin typeface="Century Gothic" panose="020B0502020202020204" pitchFamily="34" charset="0"/>
+            </a:rPr>
             <a:t>Import extracted tables to Postgres</a:t>
           </a:r>
         </a:p>
@@ -1123,7 +1141,9 @@
         <a:lstStyle/>
         <a:p>
           <a:r>
-            <a:rPr lang="en-US" dirty="0"/>
+            <a:rPr lang="en-US" dirty="0">
+              <a:latin typeface="Century Gothic" panose="020B0502020202020204" pitchFamily="34" charset="0"/>
+            </a:rPr>
             <a:t>Pull detailed quote data for tickers identified</a:t>
           </a:r>
         </a:p>
@@ -1159,7 +1179,9 @@
         <a:lstStyle/>
         <a:p>
           <a:r>
-            <a:rPr lang="en-US" dirty="0"/>
+            <a:rPr lang="en-US" dirty="0">
+              <a:latin typeface="Century Gothic" panose="020B0502020202020204" pitchFamily="34" charset="0"/>
+            </a:rPr>
             <a:t>Find 10-year History (open/close/high/low/volume) of the tickers </a:t>
           </a:r>
         </a:p>
@@ -1195,7 +1217,9 @@
         <a:lstStyle/>
         <a:p>
           <a:r>
-            <a:rPr lang="en-US" dirty="0"/>
+            <a:rPr lang="en-US" dirty="0">
+              <a:latin typeface="Century Gothic" panose="020B0502020202020204" pitchFamily="34" charset="0"/>
+            </a:rPr>
             <a:t>Reduce quote data attributes to only those needed to answer our questions </a:t>
           </a:r>
         </a:p>
@@ -1231,7 +1255,9 @@
         <a:lstStyle/>
         <a:p>
           <a:r>
-            <a:rPr lang="en-US" dirty="0"/>
+            <a:rPr lang="en-US" dirty="0">
+              <a:latin typeface="Century Gothic" panose="020B0502020202020204" pitchFamily="34" charset="0"/>
+            </a:rPr>
             <a:t>Import reduced tables to Postgres </a:t>
           </a:r>
         </a:p>
@@ -1542,12 +1568,12 @@
         </a:fontRef>
       </dsp:style>
       <dsp:txBody>
-        <a:bodyPr spcFirstLastPara="0" vert="horz" wrap="square" lIns="110490" tIns="110490" rIns="110490" bIns="110490" numCol="1" spcCol="1270" anchor="ctr" anchorCtr="0">
+        <a:bodyPr spcFirstLastPara="0" vert="horz" wrap="square" lIns="99060" tIns="99060" rIns="99060" bIns="99060" numCol="1" spcCol="1270" anchor="ctr" anchorCtr="0">
           <a:noAutofit/>
         </a:bodyPr>
         <a:lstStyle/>
         <a:p>
-          <a:pPr marL="0" lvl="0" indent="0" algn="ctr" defTabSz="1289050">
+          <a:pPr marL="0" lvl="0" indent="0" algn="ctr" defTabSz="1155700">
             <a:lnSpc>
               <a:spcPct val="90000"/>
             </a:lnSpc>
@@ -1560,7 +1586,9 @@
             <a:buNone/>
           </a:pPr>
           <a:r>
-            <a:rPr lang="en-US" sz="2900" kern="1200" dirty="0"/>
+            <a:rPr lang="en-US" sz="2600" kern="1200" dirty="0">
+              <a:latin typeface="Century Gothic" panose="020B0502020202020204" pitchFamily="34" charset="0"/>
+            </a:rPr>
             <a:t>Extract</a:t>
           </a:r>
         </a:p>
@@ -1620,7 +1648,9 @@
             <a:buChar char="•"/>
           </a:pPr>
           <a:r>
-            <a:rPr lang="en-US" sz="1500" kern="1200" dirty="0"/>
+            <a:rPr lang="en-US" sz="1500" kern="1200" dirty="0">
+              <a:latin typeface="Century Gothic" panose="020B0502020202020204" pitchFamily="34" charset="0"/>
+            </a:rPr>
             <a:t>Retrieve list of trending stock tickers for 10 regions</a:t>
           </a:r>
         </a:p>
@@ -1638,7 +1668,9 @@
             <a:buChar char="•"/>
           </a:pPr>
           <a:r>
-            <a:rPr lang="en-US" sz="1500" kern="1200" dirty="0"/>
+            <a:rPr lang="en-US" sz="1500" kern="1200" dirty="0">
+              <a:latin typeface="Century Gothic" panose="020B0502020202020204" pitchFamily="34" charset="0"/>
+            </a:rPr>
             <a:t>Pull detailed quote data for tickers identified</a:t>
           </a:r>
         </a:p>
@@ -1656,7 +1688,9 @@
             <a:buChar char="•"/>
           </a:pPr>
           <a:r>
-            <a:rPr lang="en-US" sz="1500" kern="1200" dirty="0"/>
+            <a:rPr lang="en-US" sz="1500" kern="1200" dirty="0">
+              <a:latin typeface="Century Gothic" panose="020B0502020202020204" pitchFamily="34" charset="0"/>
+            </a:rPr>
             <a:t>Find 10-year History (open/close/high/low/volume) of the tickers </a:t>
           </a:r>
         </a:p>
@@ -1795,12 +1829,12 @@
         </a:fontRef>
       </dsp:style>
       <dsp:txBody>
-        <a:bodyPr spcFirstLastPara="0" vert="horz" wrap="square" lIns="110490" tIns="110490" rIns="110490" bIns="110490" numCol="1" spcCol="1270" anchor="ctr" anchorCtr="0">
+        <a:bodyPr spcFirstLastPara="0" vert="horz" wrap="square" lIns="99060" tIns="99060" rIns="99060" bIns="99060" numCol="1" spcCol="1270" anchor="ctr" anchorCtr="0">
           <a:noAutofit/>
         </a:bodyPr>
         <a:lstStyle/>
         <a:p>
-          <a:pPr marL="0" lvl="0" indent="0" algn="ctr" defTabSz="1289050">
+          <a:pPr marL="0" lvl="0" indent="0" algn="ctr" defTabSz="1155700">
             <a:lnSpc>
               <a:spcPct val="90000"/>
             </a:lnSpc>
@@ -1813,7 +1847,9 @@
             <a:buNone/>
           </a:pPr>
           <a:r>
-            <a:rPr lang="en-US" sz="2900" kern="1200" dirty="0"/>
+            <a:rPr lang="en-US" sz="2600" kern="1200" dirty="0">
+              <a:latin typeface="Century Gothic" panose="020B0502020202020204" pitchFamily="34" charset="0"/>
+            </a:rPr>
             <a:t>Transform</a:t>
           </a:r>
         </a:p>
@@ -1873,23 +1909,33 @@
             <a:buChar char="•"/>
           </a:pPr>
           <a:r>
-            <a:rPr lang="en-US" sz="1500" kern="1200" dirty="0"/>
+            <a:rPr lang="en-US" sz="1500" kern="1200" dirty="0">
+              <a:latin typeface="Century Gothic" panose="020B0502020202020204" pitchFamily="34" charset="0"/>
+            </a:rPr>
             <a:t>Convert timestamp and </a:t>
           </a:r>
           <a:r>
-            <a:rPr lang="en-US" sz="1500" kern="1200" dirty="0" err="1"/>
+            <a:rPr lang="en-US" sz="1500" kern="1200" dirty="0" err="1">
+              <a:latin typeface="Century Gothic" panose="020B0502020202020204" pitchFamily="34" charset="0"/>
+            </a:rPr>
             <a:t>startintervals</a:t>
           </a:r>
           <a:r>
-            <a:rPr lang="en-US" sz="1500" kern="1200" dirty="0"/>
+            <a:rPr lang="en-US" sz="1500" kern="1200" dirty="0">
+              <a:latin typeface="Century Gothic" panose="020B0502020202020204" pitchFamily="34" charset="0"/>
+            </a:rPr>
             <a:t> to </a:t>
           </a:r>
           <a:r>
-            <a:rPr lang="en-US" sz="1500" kern="1200" dirty="0" err="1"/>
+            <a:rPr lang="en-US" sz="1500" kern="1200" dirty="0" err="1">
+              <a:latin typeface="Century Gothic" panose="020B0502020202020204" pitchFamily="34" charset="0"/>
+            </a:rPr>
             <a:t>db</a:t>
           </a:r>
           <a:r>
-            <a:rPr lang="en-US" sz="1500" kern="1200" dirty="0"/>
+            <a:rPr lang="en-US" sz="1500" kern="1200" dirty="0">
+              <a:latin typeface="Century Gothic" panose="020B0502020202020204" pitchFamily="34" charset="0"/>
+            </a:rPr>
             <a:t> readable formats</a:t>
           </a:r>
         </a:p>
@@ -1907,7 +1953,9 @@
             <a:buChar char="•"/>
           </a:pPr>
           <a:r>
-            <a:rPr lang="en-US" sz="1500" kern="1200" dirty="0"/>
+            <a:rPr lang="en-US" sz="1500" kern="1200" dirty="0">
+              <a:latin typeface="Century Gothic" panose="020B0502020202020204" pitchFamily="34" charset="0"/>
+            </a:rPr>
             <a:t>Reduce quote data attributes to only those needed to answer our questions </a:t>
           </a:r>
         </a:p>
@@ -1996,12 +2044,12 @@
         </a:fontRef>
       </dsp:style>
       <dsp:txBody>
-        <a:bodyPr spcFirstLastPara="0" vert="horz" wrap="square" lIns="110490" tIns="110490" rIns="110490" bIns="110490" numCol="1" spcCol="1270" anchor="ctr" anchorCtr="0">
+        <a:bodyPr spcFirstLastPara="0" vert="horz" wrap="square" lIns="99060" tIns="99060" rIns="99060" bIns="99060" numCol="1" spcCol="1270" anchor="ctr" anchorCtr="0">
           <a:noAutofit/>
         </a:bodyPr>
         <a:lstStyle/>
         <a:p>
-          <a:pPr marL="0" lvl="0" indent="0" algn="ctr" defTabSz="1289050">
+          <a:pPr marL="0" lvl="0" indent="0" algn="ctr" defTabSz="1155700">
             <a:lnSpc>
               <a:spcPct val="90000"/>
             </a:lnSpc>
@@ -2014,7 +2062,7 @@
             <a:buNone/>
           </a:pPr>
           <a:r>
-            <a:rPr lang="en-US" sz="2900" kern="1200" dirty="0"/>
+            <a:rPr lang="en-US" sz="2600" kern="1200" dirty="0"/>
             <a:t>Load</a:t>
           </a:r>
         </a:p>
@@ -2074,7 +2122,9 @@
             <a:buChar char="•"/>
           </a:pPr>
           <a:r>
-            <a:rPr lang="en-US" sz="1500" kern="1200" dirty="0"/>
+            <a:rPr lang="en-US" sz="1500" kern="1200" dirty="0">
+              <a:latin typeface="Century Gothic" panose="020B0502020202020204" pitchFamily="34" charset="0"/>
+            </a:rPr>
             <a:t>Import extracted tables to Postgres</a:t>
           </a:r>
         </a:p>
@@ -2092,7 +2142,9 @@
             <a:buChar char="•"/>
           </a:pPr>
           <a:r>
-            <a:rPr lang="en-US" sz="1500" kern="1200" dirty="0"/>
+            <a:rPr lang="en-US" sz="1500" kern="1200" dirty="0">
+              <a:latin typeface="Century Gothic" panose="020B0502020202020204" pitchFamily="34" charset="0"/>
+            </a:rPr>
             <a:t>Import reduced tables to Postgres </a:t>
           </a:r>
         </a:p>
@@ -6680,12 +6732,12 @@
           <a:chExt cx="0" cy="0"/>
         </a:xfrm>
       </p:grpSpPr>
-      <p:sp>
-        <p:nvSpPr>
-          <p:cNvPr id="9" name="Rectangle 8">
-            <a:extLst>
-              <a:ext uri="{FF2B5EF4-FFF2-40B4-BE49-F238E27FC236}">
-                <a16:creationId xmlns:a16="http://schemas.microsoft.com/office/drawing/2014/main" id="{2B566528-1B12-4246-9431-5C2D7D081168}"/>
+      <p:sp useBgFill="1">
+        <p:nvSpPr>
+          <p:cNvPr id="23" name="Rectangle 22">
+            <a:extLst>
+              <a:ext uri="{FF2B5EF4-FFF2-40B4-BE49-F238E27FC236}">
+                <a16:creationId xmlns:a16="http://schemas.microsoft.com/office/drawing/2014/main" id="{E91DC736-0EF8-4F87-9146-EBF1D2EE4D3D}"/>
               </a:ext>
               <a:ext uri="{C183D7F6-B498-43B3-948B-1728B52AA6E4}">
                 <adec:decorative xmlns:adec="http://schemas.microsoft.com/office/drawing/2017/decorative" val="1"/>
@@ -6711,8 +6763,249 @@
           <a:prstGeom prst="rect">
             <a:avLst/>
           </a:prstGeom>
+          <a:ln>
+            <a:noFill/>
+          </a:ln>
+        </p:spPr>
+        <p:style>
+          <a:lnRef idx="2">
+            <a:schemeClr val="accent1">
+              <a:shade val="50000"/>
+            </a:schemeClr>
+          </a:lnRef>
+          <a:fillRef idx="1">
+            <a:schemeClr val="accent1"/>
+          </a:fillRef>
+          <a:effectRef idx="0">
+            <a:schemeClr val="accent1"/>
+          </a:effectRef>
+          <a:fontRef idx="minor">
+            <a:schemeClr val="lt1"/>
+          </a:fontRef>
+        </p:style>
+        <p:txBody>
+          <a:bodyPr rtlCol="0" anchor="ctr"/>
+          <a:lstStyle/>
+          <a:p>
+            <a:pPr algn="ctr"/>
+            <a:endParaRPr lang="en-US"/>
+          </a:p>
+        </p:txBody>
+      </p:sp>
+      <p:pic>
+        <p:nvPicPr>
+          <p:cNvPr id="19" name="Picture 18" descr="Stock exchange numbers">
+            <a:extLst>
+              <a:ext uri="{FF2B5EF4-FFF2-40B4-BE49-F238E27FC236}">
+                <a16:creationId xmlns:a16="http://schemas.microsoft.com/office/drawing/2014/main" id="{3E407F7D-16E8-4036-88E9-957D88E9D6F0}"/>
+              </a:ext>
+            </a:extLst>
+          </p:cNvPr>
+          <p:cNvPicPr>
+            <a:picLocks noChangeAspect="1"/>
+          </p:cNvPicPr>
+          <p:nvPr/>
+        </p:nvPicPr>
+        <p:blipFill rotWithShape="1">
+          <a:blip r:embed="rId2"/>
+          <a:srcRect r="15627" b="-1"/>
+          <a:stretch/>
+        </p:blipFill>
+        <p:spPr>
+          <a:xfrm>
+            <a:off x="3523488" y="10"/>
+            <a:ext cx="8668512" cy="6857990"/>
+          </a:xfrm>
+          <a:prstGeom prst="rect">
+            <a:avLst/>
+          </a:prstGeom>
+        </p:spPr>
+      </p:pic>
+      <p:sp>
+        <p:nvSpPr>
+          <p:cNvPr id="25" name="Rectangle 24">
+            <a:extLst>
+              <a:ext uri="{FF2B5EF4-FFF2-40B4-BE49-F238E27FC236}">
+                <a16:creationId xmlns:a16="http://schemas.microsoft.com/office/drawing/2014/main" id="{097CD68E-23E3-4007-8847-CD0944C4F7BE}"/>
+              </a:ext>
+              <a:ext uri="{C183D7F6-B498-43B3-948B-1728B52AA6E4}">
+                <adec:decorative xmlns:adec="http://schemas.microsoft.com/office/drawing/2017/decorative" val="1"/>
+              </a:ext>
+            </a:extLst>
+          </p:cNvPr>
+          <p:cNvSpPr>
+            <a:spLocks noGrp="1" noRot="1" noChangeAspect="1" noMove="1" noResize="1" noEditPoints="1" noAdjustHandles="1" noChangeArrowheads="1" noChangeShapeType="1" noTextEdit="1"/>
+          </p:cNvSpPr>
+          <p:nvPr>
+            <p:extLst>
+              <p:ext uri="{386F3935-93C4-4BCD-93E2-E3B085C9AB24}">
+                <p16:designElem xmlns:p16="http://schemas.microsoft.com/office/powerpoint/2015/main" val="1"/>
+              </p:ext>
+            </p:extLst>
+          </p:nvPr>
+        </p:nvSpPr>
+        <p:spPr>
+          <a:xfrm>
+            <a:off x="0" y="0"/>
+            <a:ext cx="9756601" cy="6858000"/>
+          </a:xfrm>
+          <a:prstGeom prst="rect">
+            <a:avLst/>
+          </a:prstGeom>
+          <a:gradFill>
+            <a:gsLst>
+              <a:gs pos="58000">
+                <a:schemeClr val="bg1"/>
+              </a:gs>
+              <a:gs pos="35000">
+                <a:schemeClr val="bg1">
+                  <a:alpha val="79000"/>
+                </a:schemeClr>
+              </a:gs>
+              <a:gs pos="19000">
+                <a:schemeClr val="bg1">
+                  <a:alpha val="38000"/>
+                </a:schemeClr>
+              </a:gs>
+              <a:gs pos="0">
+                <a:schemeClr val="bg1">
+                  <a:alpha val="0"/>
+                </a:schemeClr>
+              </a:gs>
+              <a:gs pos="100000">
+                <a:schemeClr val="bg1"/>
+              </a:gs>
+            </a:gsLst>
+            <a:lin ang="10800000" scaled="0"/>
+          </a:gradFill>
+          <a:ln>
+            <a:noFill/>
+          </a:ln>
+        </p:spPr>
+        <p:style>
+          <a:lnRef idx="2">
+            <a:schemeClr val="accent1">
+              <a:shade val="50000"/>
+            </a:schemeClr>
+          </a:lnRef>
+          <a:fillRef idx="1">
+            <a:schemeClr val="accent1"/>
+          </a:fillRef>
+          <a:effectRef idx="0">
+            <a:schemeClr val="accent1"/>
+          </a:effectRef>
+          <a:fontRef idx="minor">
+            <a:schemeClr val="lt1"/>
+          </a:fontRef>
+        </p:style>
+        <p:txBody>
+          <a:bodyPr rtlCol="0" anchor="ctr"/>
+          <a:lstStyle/>
+          <a:p>
+            <a:pPr algn="ctr"/>
+            <a:endParaRPr lang="en-US" dirty="0"/>
+          </a:p>
+        </p:txBody>
+      </p:sp>
+      <p:sp>
+        <p:nvSpPr>
+          <p:cNvPr id="2" name="Title 1">
+            <a:extLst>
+              <a:ext uri="{FF2B5EF4-FFF2-40B4-BE49-F238E27FC236}">
+                <a16:creationId xmlns:a16="http://schemas.microsoft.com/office/drawing/2014/main" id="{4C523D40-1D32-DA4C-9A4B-6D1EE3CFDA5B}"/>
+              </a:ext>
+            </a:extLst>
+          </p:cNvPr>
+          <p:cNvSpPr>
+            <a:spLocks noGrp="1"/>
+          </p:cNvSpPr>
+          <p:nvPr>
+            <p:ph type="title"/>
+          </p:nvPr>
+        </p:nvSpPr>
+        <p:spPr>
+          <a:xfrm>
+            <a:off x="477981" y="1122363"/>
+            <a:ext cx="6686494" cy="3204134"/>
+          </a:xfrm>
+        </p:spPr>
+        <p:txBody>
+          <a:bodyPr vert="horz" lIns="91440" tIns="45720" rIns="91440" bIns="45720" rtlCol="0" anchor="b">
+            <a:normAutofit/>
+          </a:bodyPr>
+          <a:lstStyle/>
+          <a:p>
+            <a:br>
+              <a:rPr lang="en-US" sz="3000" b="1" dirty="0"/>
+            </a:br>
+            <a:r>
+              <a:rPr lang="en-US" sz="3600" b="1" dirty="0">
+                <a:latin typeface="Century Gothic" panose="020B0502020202020204" pitchFamily="34" charset="0"/>
+              </a:rPr>
+              <a:t>Stock Trends ETL Process</a:t>
+            </a:r>
+            <a:br>
+              <a:rPr lang="en-US" sz="3600" b="1" dirty="0">
+                <a:latin typeface="Century Gothic" panose="020B0502020202020204" pitchFamily="34" charset="0"/>
+              </a:rPr>
+            </a:br>
+            <a:r>
+              <a:rPr lang="en-US" sz="3200" b="1" dirty="0">
+                <a:latin typeface="Century Gothic" panose="020B0502020202020204" pitchFamily="34" charset="0"/>
+              </a:rPr>
+              <a:t>Sweet Trends:</a:t>
+            </a:r>
+            <a:br>
+              <a:rPr lang="en-US" sz="3000" dirty="0">
+                <a:latin typeface="Century Gothic" panose="020B0502020202020204" pitchFamily="34" charset="0"/>
+              </a:rPr>
+            </a:br>
+            <a:r>
+              <a:rPr lang="en-US" sz="2000" dirty="0">
+                <a:latin typeface="Century Gothic" panose="020B0502020202020204" pitchFamily="34" charset="0"/>
+              </a:rPr>
+              <a:t>Ricky Lee | Henry Tirado | Vanessa Villagomez</a:t>
+            </a:r>
+            <a:br>
+              <a:rPr lang="en-US" sz="3000" dirty="0"/>
+            </a:br>
+            <a:endParaRPr lang="en-US" sz="3000" dirty="0"/>
+          </a:p>
+        </p:txBody>
+      </p:sp>
+      <p:sp>
+        <p:nvSpPr>
+          <p:cNvPr id="27" name="Rectangle 26">
+            <a:extLst>
+              <a:ext uri="{FF2B5EF4-FFF2-40B4-BE49-F238E27FC236}">
+                <a16:creationId xmlns:a16="http://schemas.microsoft.com/office/drawing/2014/main" id="{AF2F604E-43BE-4DC3-B983-E071523364F8}"/>
+              </a:ext>
+              <a:ext uri="{C183D7F6-B498-43B3-948B-1728B52AA6E4}">
+                <adec:decorative xmlns:adec="http://schemas.microsoft.com/office/drawing/2017/decorative" val="1"/>
+              </a:ext>
+            </a:extLst>
+          </p:cNvPr>
+          <p:cNvSpPr>
+            <a:spLocks noGrp="1" noRot="1" noChangeAspect="1" noMove="1" noResize="1" noEditPoints="1" noAdjustHandles="1" noChangeArrowheads="1" noChangeShapeType="1" noTextEdit="1"/>
+          </p:cNvSpPr>
+          <p:nvPr>
+            <p:extLst>
+              <p:ext uri="{386F3935-93C4-4BCD-93E2-E3B085C9AB24}">
+                <p16:designElem xmlns:p16="http://schemas.microsoft.com/office/powerpoint/2015/main" val="1"/>
+              </p:ext>
+            </p:extLst>
+          </p:nvPr>
+        </p:nvSpPr>
+        <p:spPr>
+          <a:xfrm rot="5400000">
+            <a:off x="759921" y="346791"/>
+            <a:ext cx="146304" cy="704088"/>
+          </a:xfrm>
+          <a:prstGeom prst="rect">
+            <a:avLst/>
+          </a:prstGeom>
           <a:solidFill>
-            <a:schemeClr val="bg1"/>
+            <a:schemeClr val="accent2"/>
           </a:solidFill>
           <a:ln>
             <a:noFill/>
@@ -6739,72 +7032,21 @@
           <a:lstStyle/>
           <a:p>
             <a:pPr algn="ctr"/>
-            <a:endParaRPr lang="en-US" dirty="0"/>
-          </a:p>
-        </p:txBody>
-      </p:sp>
-      <p:sp>
-        <p:nvSpPr>
-          <p:cNvPr id="2" name="Title 1">
-            <a:extLst>
-              <a:ext uri="{FF2B5EF4-FFF2-40B4-BE49-F238E27FC236}">
-                <a16:creationId xmlns:a16="http://schemas.microsoft.com/office/drawing/2014/main" id="{4C523D40-1D32-DA4C-9A4B-6D1EE3CFDA5B}"/>
-              </a:ext>
-            </a:extLst>
-          </p:cNvPr>
-          <p:cNvSpPr>
-            <a:spLocks noGrp="1"/>
-          </p:cNvSpPr>
-          <p:nvPr>
-            <p:ph type="title"/>
-          </p:nvPr>
-        </p:nvSpPr>
-        <p:spPr>
-          <a:xfrm>
-            <a:off x="817637" y="1438349"/>
-            <a:ext cx="8776305" cy="2924225"/>
-          </a:xfrm>
-        </p:spPr>
-        <p:txBody>
-          <a:bodyPr>
-            <a:normAutofit/>
-          </a:bodyPr>
-          <a:lstStyle/>
-          <a:p>
-            <a:br>
-              <a:rPr lang="en-US" sz="5400" b="1" dirty="0"/>
-            </a:br>
-            <a:r>
-              <a:rPr lang="en-US" sz="5400" b="1" dirty="0"/>
-              <a:t>Stock Trends ETL Process</a:t>
-            </a:r>
-            <a:br>
-              <a:rPr lang="en-US" sz="5400" b="1" dirty="0"/>
-            </a:br>
-            <a:r>
-              <a:rPr lang="en-US" sz="3600" b="1" dirty="0"/>
-              <a:t>Sweet Trends:</a:t>
-            </a:r>
-            <a:br>
-              <a:rPr lang="en-US" sz="3600" dirty="0"/>
-            </a:br>
-            <a:r>
-              <a:rPr lang="en-US" sz="2400" dirty="0"/>
-              <a:t>Ricky Lee | Henry Tirado | Vanessa Villagomez</a:t>
-            </a:r>
-            <a:br>
-              <a:rPr lang="en-US" dirty="0"/>
-            </a:br>
-            <a:endParaRPr lang="en-US" sz="3600" dirty="0"/>
-          </a:p>
-        </p:txBody>
-      </p:sp>
-      <p:sp>
-        <p:nvSpPr>
-          <p:cNvPr id="11" name="Rectangle 10">
-            <a:extLst>
-              <a:ext uri="{FF2B5EF4-FFF2-40B4-BE49-F238E27FC236}">
-                <a16:creationId xmlns:a16="http://schemas.microsoft.com/office/drawing/2014/main" id="{2E80C965-DB6D-4F81-9E9E-B027384D0BD6}"/>
+            <a:endParaRPr lang="en-US">
+              <a:solidFill>
+                <a:prstClr val="white"/>
+              </a:solidFill>
+              <a:latin typeface="Calibri" panose="020F0502020204030204"/>
+            </a:endParaRPr>
+          </a:p>
+        </p:txBody>
+      </p:sp>
+      <p:sp>
+        <p:nvSpPr>
+          <p:cNvPr id="29" name="Rectangle 28">
+            <a:extLst>
+              <a:ext uri="{FF2B5EF4-FFF2-40B4-BE49-F238E27FC236}">
+                <a16:creationId xmlns:a16="http://schemas.microsoft.com/office/drawing/2014/main" id="{08C9B587-E65E-4B52-B37C-ABEBB6E87928}"/>
               </a:ext>
               <a:ext uri="{C183D7F6-B498-43B3-948B-1728B52AA6E4}">
                 <adec:decorative xmlns:adec="http://schemas.microsoft.com/office/drawing/2017/decorative" val="1"/>
@@ -6823,21 +7065,20 @@
           </p:nvPr>
         </p:nvSpPr>
         <p:spPr>
-          <a:xfrm rot="2700000">
-            <a:off x="11052629" y="2120024"/>
-            <a:ext cx="645368" cy="645368"/>
+          <a:xfrm>
+            <a:off x="481029" y="4546920"/>
+            <a:ext cx="3977640" cy="18288"/>
           </a:xfrm>
           <a:prstGeom prst="rect">
             <a:avLst/>
           </a:prstGeom>
           <a:solidFill>
-            <a:schemeClr val="accent4">
-              <a:alpha val="30000"/>
-            </a:schemeClr>
+            <a:srgbClr val="D5D5D5"/>
           </a:solidFill>
-          <a:ln>
+          <a:ln w="3175">
             <a:noFill/>
           </a:ln>
+          <a:effectLst/>
         </p:spPr>
         <p:style>
           <a:lnRef idx="2">
@@ -6859,207 +7100,37 @@
           <a:bodyPr rtlCol="0" anchor="ctr"/>
           <a:lstStyle/>
           <a:p>
-            <a:pPr algn="ctr"/>
-            <a:endParaRPr lang="en-US"/>
-          </a:p>
-        </p:txBody>
-      </p:sp>
-      <p:sp>
-        <p:nvSpPr>
-          <p:cNvPr id="13" name="Isosceles Triangle 12">
-            <a:extLst>
-              <a:ext uri="{FF2B5EF4-FFF2-40B4-BE49-F238E27FC236}">
-                <a16:creationId xmlns:a16="http://schemas.microsoft.com/office/drawing/2014/main" id="{A580F890-B085-4E95-96AA-55AEBEC5CE6E}"/>
-              </a:ext>
-              <a:ext uri="{C183D7F6-B498-43B3-948B-1728B52AA6E4}">
-                <adec:decorative xmlns:adec="http://schemas.microsoft.com/office/drawing/2017/decorative" val="1"/>
-              </a:ext>
-            </a:extLst>
-          </p:cNvPr>
-          <p:cNvSpPr>
-            <a:spLocks noGrp="1" noRot="1" noChangeAspect="1" noMove="1" noResize="1" noEditPoints="1" noAdjustHandles="1" noChangeArrowheads="1" noChangeShapeType="1" noTextEdit="1"/>
-          </p:cNvSpPr>
-          <p:nvPr>
-            <p:extLst>
-              <p:ext uri="{386F3935-93C4-4BCD-93E2-E3B085C9AB24}">
-                <p16:designElem xmlns:p16="http://schemas.microsoft.com/office/powerpoint/2015/main" val="1"/>
-              </p:ext>
-            </p:extLst>
-          </p:nvPr>
-        </p:nvSpPr>
-        <p:spPr>
-          <a:xfrm rot="16200000">
-            <a:off x="10289068" y="1343027"/>
-            <a:ext cx="2532832" cy="1273032"/>
-          </a:xfrm>
-          <a:prstGeom prst="triangle">
-            <a:avLst>
-              <a:gd name="adj" fmla="val 50000"/>
-            </a:avLst>
-          </a:prstGeom>
-          <a:solidFill>
-            <a:schemeClr val="accent4">
-              <a:alpha val="30000"/>
-            </a:schemeClr>
-          </a:solidFill>
-          <a:ln>
-            <a:noFill/>
-          </a:ln>
-        </p:spPr>
-        <p:style>
-          <a:lnRef idx="2">
-            <a:schemeClr val="accent1">
-              <a:shade val="50000"/>
-            </a:schemeClr>
-          </a:lnRef>
-          <a:fillRef idx="1">
-            <a:schemeClr val="accent1"/>
-          </a:fillRef>
-          <a:effectRef idx="0">
-            <a:schemeClr val="accent1"/>
-          </a:effectRef>
-          <a:fontRef idx="minor">
-            <a:schemeClr val="lt1"/>
-          </a:fontRef>
-        </p:style>
-        <p:txBody>
-          <a:bodyPr rtlCol="0" anchor="ctr"/>
-          <a:lstStyle/>
-          <a:p>
-            <a:pPr algn="ctr"/>
-            <a:endParaRPr lang="en-US"/>
-          </a:p>
-        </p:txBody>
-      </p:sp>
-      <p:sp>
-        <p:nvSpPr>
-          <p:cNvPr id="15" name="Isosceles Triangle 14">
-            <a:extLst>
-              <a:ext uri="{FF2B5EF4-FFF2-40B4-BE49-F238E27FC236}">
-                <a16:creationId xmlns:a16="http://schemas.microsoft.com/office/drawing/2014/main" id="{D3F51FEB-38FB-4F6C-9F7B-2F2AFAB65463}"/>
-              </a:ext>
-              <a:ext uri="{C183D7F6-B498-43B3-948B-1728B52AA6E4}">
-                <adec:decorative xmlns:adec="http://schemas.microsoft.com/office/drawing/2017/decorative" val="1"/>
-              </a:ext>
-            </a:extLst>
-          </p:cNvPr>
-          <p:cNvSpPr>
-            <a:spLocks noGrp="1" noRot="1" noChangeAspect="1" noMove="1" noResize="1" noEditPoints="1" noAdjustHandles="1" noChangeArrowheads="1" noChangeShapeType="1" noTextEdit="1"/>
-          </p:cNvSpPr>
-          <p:nvPr>
-            <p:extLst>
-              <p:ext uri="{386F3935-93C4-4BCD-93E2-E3B085C9AB24}">
-                <p16:designElem xmlns:p16="http://schemas.microsoft.com/office/powerpoint/2015/main" val="1"/>
-              </p:ext>
-            </p:extLst>
-          </p:nvPr>
-        </p:nvSpPr>
-        <p:spPr>
-          <a:xfrm rot="5400000">
-            <a:off x="-501760" y="5103257"/>
-            <a:ext cx="2017580" cy="1014060"/>
-          </a:xfrm>
-          <a:prstGeom prst="triangle">
-            <a:avLst>
-              <a:gd name="adj" fmla="val 50000"/>
-            </a:avLst>
-          </a:prstGeom>
-          <a:solidFill>
-            <a:schemeClr val="accent1">
-              <a:alpha val="30000"/>
-            </a:schemeClr>
-          </a:solidFill>
-          <a:ln>
-            <a:noFill/>
-          </a:ln>
-        </p:spPr>
-        <p:style>
-          <a:lnRef idx="2">
-            <a:schemeClr val="accent1">
-              <a:shade val="50000"/>
-            </a:schemeClr>
-          </a:lnRef>
-          <a:fillRef idx="1">
-            <a:schemeClr val="accent1"/>
-          </a:fillRef>
-          <a:effectRef idx="0">
-            <a:schemeClr val="accent1"/>
-          </a:effectRef>
-          <a:fontRef idx="minor">
-            <a:schemeClr val="lt1"/>
-          </a:fontRef>
-        </p:style>
-        <p:txBody>
-          <a:bodyPr rtlCol="0" anchor="ctr"/>
-          <a:lstStyle/>
-          <a:p>
-            <a:pPr algn="ctr"/>
-            <a:endParaRPr lang="en-US"/>
-          </a:p>
-        </p:txBody>
-      </p:sp>
-      <p:sp>
-        <p:nvSpPr>
-          <p:cNvPr id="17" name="Rectangle 16">
-            <a:extLst>
-              <a:ext uri="{FF2B5EF4-FFF2-40B4-BE49-F238E27FC236}">
-                <a16:creationId xmlns:a16="http://schemas.microsoft.com/office/drawing/2014/main" id="{1E547BA6-BAE0-43BB-A7CA-60F69CE252F0}"/>
-              </a:ext>
-              <a:ext uri="{C183D7F6-B498-43B3-948B-1728B52AA6E4}">
-                <adec:decorative xmlns:adec="http://schemas.microsoft.com/office/drawing/2017/decorative" val="1"/>
-              </a:ext>
-            </a:extLst>
-          </p:cNvPr>
-          <p:cNvSpPr>
-            <a:spLocks noGrp="1" noRot="1" noChangeAspect="1" noMove="1" noResize="1" noEditPoints="1" noAdjustHandles="1" noChangeArrowheads="1" noChangeShapeType="1" noTextEdit="1"/>
-          </p:cNvSpPr>
-          <p:nvPr>
-            <p:extLst>
-              <p:ext uri="{386F3935-93C4-4BCD-93E2-E3B085C9AB24}">
-                <p16:designElem xmlns:p16="http://schemas.microsoft.com/office/powerpoint/2015/main" val="1"/>
-              </p:ext>
-            </p:extLst>
-          </p:nvPr>
-        </p:nvSpPr>
-        <p:spPr>
-          <a:xfrm rot="2700000">
-            <a:off x="427916" y="5728708"/>
-            <a:ext cx="485578" cy="485578"/>
-          </a:xfrm>
-          <a:prstGeom prst="rect">
-            <a:avLst/>
-          </a:prstGeom>
-          <a:solidFill>
-            <a:schemeClr val="accent1">
-              <a:alpha val="30000"/>
-            </a:schemeClr>
-          </a:solidFill>
-          <a:ln>
-            <a:noFill/>
-          </a:ln>
-        </p:spPr>
-        <p:style>
-          <a:lnRef idx="2">
-            <a:schemeClr val="accent1">
-              <a:shade val="50000"/>
-            </a:schemeClr>
-          </a:lnRef>
-          <a:fillRef idx="1">
-            <a:schemeClr val="accent1"/>
-          </a:fillRef>
-          <a:effectRef idx="0">
-            <a:schemeClr val="accent1"/>
-          </a:effectRef>
-          <a:fontRef idx="minor">
-            <a:schemeClr val="lt1"/>
-          </a:fontRef>
-        </p:style>
-        <p:txBody>
-          <a:bodyPr rtlCol="0" anchor="ctr"/>
-          <a:lstStyle/>
-          <a:p>
-            <a:pPr algn="ctr"/>
-            <a:endParaRPr lang="en-US"/>
+            <a:pPr marL="0" marR="0" lvl="0" indent="0" algn="ctr" defTabSz="914400" rtl="0" eaLnBrk="1" fontAlgn="auto" latinLnBrk="0" hangingPunct="1">
+              <a:lnSpc>
+                <a:spcPct val="100000"/>
+              </a:lnSpc>
+              <a:spcBef>
+                <a:spcPts val="0"/>
+              </a:spcBef>
+              <a:spcAft>
+                <a:spcPts val="0"/>
+              </a:spcAft>
+              <a:buClrTx/>
+              <a:buSzTx/>
+              <a:buFontTx/>
+              <a:buNone/>
+              <a:tabLst/>
+              <a:defRPr/>
+            </a:pPr>
+            <a:endParaRPr kumimoji="0" lang="en-US" sz="1800" b="0" i="0" u="none" strike="noStrike" kern="1200" cap="none" spc="0" normalizeH="0" baseline="0" noProof="0">
+              <a:ln>
+                <a:noFill/>
+              </a:ln>
+              <a:solidFill>
+                <a:prstClr val="white"/>
+              </a:solidFill>
+              <a:effectLst/>
+              <a:uLnTx/>
+              <a:uFillTx/>
+              <a:latin typeface="Calibri" panose="020F0502020204030204"/>
+              <a:ea typeface="+mn-ea"/>
+              <a:cs typeface="+mn-cs"/>
+            </a:endParaRPr>
           </a:p>
         </p:txBody>
       </p:sp>
@@ -7193,7 +7264,9 @@
           <a:lstStyle/>
           <a:p>
             <a:r>
-              <a:rPr lang="en-US" b="1" dirty="0"/>
+              <a:rPr lang="en-US" b="1" dirty="0">
+                <a:latin typeface="Century Gothic" panose="020B0502020202020204" pitchFamily="34" charset="0"/>
+              </a:rPr>
               <a:t>What’s Next</a:t>
             </a:r>
           </a:p>
@@ -7493,7 +7566,7 @@
           <a:p>
             <a:r>
               <a:rPr lang="en-US" dirty="0">
-                <a:latin typeface="+mj-lt"/>
+                <a:latin typeface="Century Gothic" panose="020B0502020202020204" pitchFamily="34" charset="0"/>
               </a:rPr>
               <a:t>Further transform the extracted data in order analyze the data by answering the questions. </a:t>
             </a:r>
@@ -7501,7 +7574,7 @@
           <a:p>
             <a:r>
               <a:rPr lang="en-US" dirty="0">
-                <a:latin typeface="+mj-lt"/>
+                <a:latin typeface="Century Gothic" panose="020B0502020202020204" pitchFamily="34" charset="0"/>
               </a:rPr>
               <a:t>Create visualization to further analyze the data. </a:t>
             </a:r>
@@ -7509,7 +7582,7 @@
           <a:p>
             <a:r>
               <a:rPr lang="en-US" dirty="0">
-                <a:latin typeface="+mj-lt"/>
+                <a:latin typeface="Century Gothic" panose="020B0502020202020204" pitchFamily="34" charset="0"/>
               </a:rPr>
               <a:t>Review raw data extracted to identify if there are other data points worth analyzing. </a:t>
             </a:r>
@@ -7652,8 +7725,10 @@
           <a:lstStyle/>
           <a:p>
             <a:r>
-              <a:rPr lang="en-US" b="1" dirty="0"/>
-              <a:t>THANK YOU</a:t>
+              <a:rPr lang="en-US" b="1" dirty="0">
+                <a:latin typeface="Century Gothic" panose="020B0502020202020204" pitchFamily="34" charset="0"/>
+              </a:rPr>
+              <a:t>THANK YOU!</a:t>
             </a:r>
           </a:p>
         </p:txBody>
@@ -8052,9 +8127,14 @@
           <a:lstStyle/>
           <a:p>
             <a:r>
-              <a:rPr lang="en-US" sz="3600" b="1" dirty="0"/>
+              <a:rPr lang="en-US" sz="3600" b="1">
+                <a:latin typeface="Century Gothic" panose="020B0502020202020204" pitchFamily="34" charset="0"/>
+              </a:rPr>
               <a:t>Introduction</a:t>
             </a:r>
+            <a:endParaRPr lang="en-US" sz="3600" b="1" dirty="0">
+              <a:latin typeface="Century Gothic" panose="020B0502020202020204" pitchFamily="34" charset="0"/>
+            </a:endParaRPr>
           </a:p>
         </p:txBody>
       </p:sp>
@@ -8340,13 +8420,13 @@
         </p:nvSpPr>
         <p:spPr>
           <a:xfrm>
-            <a:off x="838200" y="1457471"/>
+            <a:off x="838200" y="1310300"/>
             <a:ext cx="10451361" cy="4857382"/>
           </a:xfrm>
         </p:spPr>
         <p:txBody>
           <a:bodyPr>
-            <a:normAutofit fontScale="32500" lnSpcReduction="20000"/>
+            <a:normAutofit fontScale="25000" lnSpcReduction="20000"/>
           </a:bodyPr>
           <a:lstStyle/>
           <a:p>
@@ -8357,44 +8437,44 @@
               <a:buNone/>
             </a:pPr>
             <a:r>
-              <a:rPr lang="en-US" sz="7200" dirty="0">
-                <a:latin typeface="+mj-lt"/>
+              <a:rPr lang="en-US" sz="9600">
+                <a:latin typeface="Century Gothic" panose="020B0502020202020204" pitchFamily="34" charset="0"/>
               </a:rPr>
               <a:t>Curious about stock trends? We, the "Sweet Stocks," will be </a:t>
             </a:r>
             <a:r>
-              <a:rPr lang="en-US" sz="7200" b="1" dirty="0">
-                <a:latin typeface="+mj-lt"/>
+              <a:rPr lang="en-US" sz="9600" b="1">
+                <a:latin typeface="Century Gothic" panose="020B0502020202020204" pitchFamily="34" charset="0"/>
               </a:rPr>
               <a:t>Extracting</a:t>
             </a:r>
             <a:r>
-              <a:rPr lang="en-US" sz="7200" dirty="0">
-                <a:latin typeface="+mj-lt"/>
+              <a:rPr lang="en-US" sz="9600">
+                <a:latin typeface="Century Gothic" panose="020B0502020202020204" pitchFamily="34" charset="0"/>
               </a:rPr>
               <a:t> data from a reputable source and will </a:t>
             </a:r>
             <a:r>
-              <a:rPr lang="en-US" sz="7200" b="1" dirty="0">
-                <a:latin typeface="+mj-lt"/>
+              <a:rPr lang="en-US" sz="9600" b="1">
+                <a:latin typeface="Century Gothic" panose="020B0502020202020204" pitchFamily="34" charset="0"/>
               </a:rPr>
               <a:t>Transform</a:t>
             </a:r>
             <a:r>
-              <a:rPr lang="en-US" sz="7200" dirty="0">
-                <a:latin typeface="+mj-lt"/>
+              <a:rPr lang="en-US" sz="9600">
+                <a:latin typeface="Century Gothic" panose="020B0502020202020204" pitchFamily="34" charset="0"/>
               </a:rPr>
               <a:t> the data as best possible to </a:t>
             </a:r>
             <a:r>
-              <a:rPr lang="en-US" sz="7200" b="1" dirty="0">
-                <a:latin typeface="+mj-lt"/>
+              <a:rPr lang="en-US" sz="9600" b="1">
+                <a:latin typeface="Century Gothic" panose="020B0502020202020204" pitchFamily="34" charset="0"/>
               </a:rPr>
               <a:t>Load</a:t>
             </a:r>
             <a:r>
-              <a:rPr lang="en-US" sz="7200" dirty="0">
-                <a:latin typeface="+mj-lt"/>
+              <a:rPr lang="en-US" sz="9600">
+                <a:latin typeface="Century Gothic" panose="020B0502020202020204" pitchFamily="34" charset="0"/>
               </a:rPr>
               <a:t> structured data that will show specific stock trends. </a:t>
             </a:r>
@@ -8406,8 +8486,8 @@
               </a:lnSpc>
               <a:buNone/>
             </a:pPr>
-            <a:endParaRPr lang="en-US" sz="7200" dirty="0">
-              <a:latin typeface="+mj-lt"/>
+            <a:endParaRPr lang="en-US" sz="9600">
+              <a:latin typeface="Century Gothic" panose="020B0502020202020204" pitchFamily="34" charset="0"/>
             </a:endParaRPr>
           </a:p>
           <a:p>
@@ -8418,8 +8498,8 @@
               <a:buNone/>
             </a:pPr>
             <a:r>
-              <a:rPr lang="en-US" sz="7200" dirty="0">
-                <a:latin typeface="+mj-lt"/>
+              <a:rPr lang="en-US" sz="9600">
+                <a:latin typeface="Century Gothic" panose="020B0502020202020204" pitchFamily="34" charset="0"/>
               </a:rPr>
               <a:t>As a way to guide our efforts, we've asked the following questions:</a:t>
             </a:r>
@@ -8431,8 +8511,8 @@
               </a:lnSpc>
             </a:pPr>
             <a:r>
-              <a:rPr lang="en-US" sz="7200" dirty="0">
-                <a:latin typeface="+mj-lt"/>
+              <a:rPr lang="en-US" sz="9600">
+                <a:latin typeface="Century Gothic" panose="020B0502020202020204" pitchFamily="34" charset="0"/>
               </a:rPr>
               <a:t>What are the stocks of most interest per specified regions?</a:t>
             </a:r>
@@ -8444,8 +8524,8 @@
               </a:lnSpc>
             </a:pPr>
             <a:r>
-              <a:rPr lang="en-US" sz="7200" dirty="0">
-                <a:latin typeface="+mj-lt"/>
+              <a:rPr lang="en-US" sz="9600">
+                <a:latin typeface="Century Gothic" panose="020B0502020202020204" pitchFamily="34" charset="0"/>
               </a:rPr>
               <a:t>Are trending stocks the most volatile stocks in the specified regions? Compare the 20 trending stocks vs. SYP (symbol tracks S&amp;P 500 - tracks top 500 companies in the U.S.)</a:t>
             </a:r>
@@ -8457,10 +8537,10 @@
               </a:lnSpc>
             </a:pPr>
             <a:r>
-              <a:rPr lang="en-US" sz="7200" dirty="0">
-                <a:latin typeface="+mj-lt"/>
+              <a:rPr lang="en-US" sz="9600">
+                <a:latin typeface="Century Gothic" panose="020B0502020202020204" pitchFamily="34" charset="0"/>
               </a:rPr>
-              <a:t>Among the 20 trending stocks, what is the average gain or loss "pre-covid" vs. "during covid"? ("Pre-covid Period" - March, 2019 to March, 2020 vs. "During Covid Period " - March,2020 to March,2021)</a:t>
+              <a:t>Among the 20 trending stocks, what is the average gain or loss "pre-covid" vs. "during covid"? ("Pre-covid Period" - March 2019 to March 2020 vs. "During Covid Period " – March 2020 to March 2021)</a:t>
             </a:r>
           </a:p>
           <a:p>
@@ -8598,7 +8678,9 @@
           <a:lstStyle/>
           <a:p>
             <a:r>
-              <a:rPr lang="en-US" sz="4800" b="1" dirty="0"/>
+              <a:rPr lang="en-US" b="1" dirty="0">
+                <a:latin typeface="Century Gothic" panose="020B0502020202020204" pitchFamily="34" charset="0"/>
+              </a:rPr>
               <a:t>Sources and Platforms</a:t>
             </a:r>
           </a:p>
@@ -8898,30 +8980,30 @@
           <a:p>
             <a:r>
               <a:rPr lang="en-US" dirty="0">
-                <a:latin typeface="+mj-lt"/>
+                <a:latin typeface="Century Gothic" panose="020B0502020202020204" pitchFamily="34" charset="0"/>
               </a:rPr>
               <a:t>Open Source Library: </a:t>
             </a:r>
             <a:r>
               <a:rPr lang="en-US" dirty="0" err="1">
-                <a:latin typeface="+mj-lt"/>
+                <a:latin typeface="Century Gothic" panose="020B0502020202020204" pitchFamily="34" charset="0"/>
               </a:rPr>
               <a:t>Yahoo_Fin</a:t>
             </a:r>
             <a:endParaRPr lang="en-US" dirty="0">
-              <a:latin typeface="+mj-lt"/>
+              <a:latin typeface="Century Gothic" panose="020B0502020202020204" pitchFamily="34" charset="0"/>
             </a:endParaRPr>
           </a:p>
           <a:p>
             <a:r>
               <a:rPr lang="en-US" dirty="0" err="1">
-                <a:latin typeface="+mj-lt"/>
+                <a:latin typeface="Century Gothic" panose="020B0502020202020204" pitchFamily="34" charset="0"/>
               </a:rPr>
               <a:t>Jupyter</a:t>
             </a:r>
             <a:r>
               <a:rPr lang="en-US" dirty="0">
-                <a:latin typeface="+mj-lt"/>
+                <a:latin typeface="Century Gothic" panose="020B0502020202020204" pitchFamily="34" charset="0"/>
               </a:rPr>
               <a:t> Notebook</a:t>
             </a:r>
@@ -8929,7 +9011,7 @@
           <a:p>
             <a:r>
               <a:rPr lang="en-US" dirty="0">
-                <a:latin typeface="+mj-lt"/>
+                <a:latin typeface="Century Gothic" panose="020B0502020202020204" pitchFamily="34" charset="0"/>
               </a:rPr>
               <a:t>Pandas/Python</a:t>
             </a:r>
@@ -8937,7 +9019,7 @@
           <a:p>
             <a:r>
               <a:rPr lang="en-US" dirty="0">
-                <a:latin typeface="+mj-lt"/>
+                <a:latin typeface="Century Gothic" panose="020B0502020202020204" pitchFamily="34" charset="0"/>
               </a:rPr>
               <a:t>Requests</a:t>
             </a:r>
@@ -8945,7 +9027,7 @@
           <a:p>
             <a:r>
               <a:rPr lang="en-US" dirty="0">
-                <a:latin typeface="+mj-lt"/>
+                <a:latin typeface="Century Gothic" panose="020B0502020202020204" pitchFamily="34" charset="0"/>
               </a:rPr>
               <a:t>PostgreSQL</a:t>
             </a:r>
@@ -9088,7 +9170,9 @@
           <a:lstStyle/>
           <a:p>
             <a:r>
-              <a:rPr lang="en-US" sz="4000" b="1" dirty="0"/>
+              <a:rPr lang="en-US" sz="4000" b="1" dirty="0">
+                <a:latin typeface="Century Gothic" panose="020B0502020202020204" pitchFamily="34" charset="0"/>
+              </a:rPr>
               <a:t>ETL Process</a:t>
             </a:r>
           </a:p>
@@ -9372,6 +9456,11 @@
           </p:cNvGraphicFramePr>
           <p:nvPr>
             <p:ph idx="1"/>
+            <p:extLst>
+              <p:ext uri="{D42A27DB-BD31-4B8C-83A1-F6EECF244321}">
+                <p14:modId xmlns:p14="http://schemas.microsoft.com/office/powerpoint/2010/main" val="3132243609"/>
+              </p:ext>
+            </p:extLst>
           </p:nvPr>
         </p:nvGraphicFramePr>
         <p:xfrm>
@@ -9797,14 +9886,20 @@
           </a:lstStyle>
           <a:p>
             <a:r>
-              <a:rPr lang="en-US" b="1" dirty="0"/>
+              <a:rPr lang="en-US" b="1" dirty="0">
+                <a:latin typeface="Century Gothic" panose="020B0502020202020204" pitchFamily="34" charset="0"/>
+              </a:rPr>
               <a:t>Extract Example: API to </a:t>
             </a:r>
             <a:r>
-              <a:rPr lang="en-US" b="1" dirty="0" err="1"/>
+              <a:rPr lang="en-US" b="1" dirty="0" err="1">
+                <a:latin typeface="Century Gothic" panose="020B0502020202020204" pitchFamily="34" charset="0"/>
+              </a:rPr>
               <a:t>DataFrame</a:t>
             </a:r>
-            <a:endParaRPr lang="en-US" b="1" dirty="0"/>
+            <a:endParaRPr lang="en-US" b="1" dirty="0">
+              <a:latin typeface="Century Gothic" panose="020B0502020202020204" pitchFamily="34" charset="0"/>
+            </a:endParaRPr>
           </a:p>
         </p:txBody>
       </p:sp>
@@ -10250,7 +10345,9 @@
           </a:lstStyle>
           <a:p>
             <a:r>
-              <a:rPr lang="en-US" b="1" dirty="0"/>
+              <a:rPr lang="en-US" b="1" dirty="0">
+                <a:latin typeface="Century Gothic" panose="020B0502020202020204" pitchFamily="34" charset="0"/>
+              </a:rPr>
               <a:t>Transformation Example:</a:t>
             </a:r>
           </a:p>
@@ -11114,8 +11211,8 @@
         </p:nvSpPr>
         <p:spPr>
           <a:xfrm>
-            <a:off x="507030" y="304236"/>
-            <a:ext cx="10515600" cy="1325563"/>
+            <a:off x="507029" y="304236"/>
+            <a:ext cx="11206749" cy="1325563"/>
           </a:xfrm>
           <a:prstGeom prst="rect">
             <a:avLst/>
@@ -11146,15 +11243,21 @@
           </a:lstStyle>
           <a:p>
             <a:r>
-              <a:rPr lang="en-US" b="1" dirty="0"/>
+              <a:rPr lang="en-US" b="1" dirty="0">
+                <a:latin typeface="Century Gothic" panose="020B0502020202020204" pitchFamily="34" charset="0"/>
+              </a:rPr>
               <a:t>Load Example: </a:t>
             </a:r>
             <a:r>
-              <a:rPr lang="en-US" b="1" dirty="0" err="1"/>
+              <a:rPr lang="en-US" b="1" dirty="0" err="1">
+                <a:latin typeface="Century Gothic" panose="020B0502020202020204" pitchFamily="34" charset="0"/>
+              </a:rPr>
               <a:t>DataFrame</a:t>
             </a:r>
             <a:r>
-              <a:rPr lang="en-US" b="1" dirty="0"/>
+              <a:rPr lang="en-US" b="1" dirty="0">
+                <a:latin typeface="Century Gothic" panose="020B0502020202020204" pitchFamily="34" charset="0"/>
+              </a:rPr>
               <a:t> to PostgreSQL</a:t>
             </a:r>
           </a:p>
@@ -11319,7 +11422,9 @@
           <a:lstStyle/>
           <a:p>
             <a:r>
-              <a:rPr lang="en-US" b="1" dirty="0"/>
+              <a:rPr lang="en-US" b="1" dirty="0">
+                <a:latin typeface="Century Gothic" panose="020B0502020202020204" pitchFamily="34" charset="0"/>
+              </a:rPr>
               <a:t>Challenges</a:t>
             </a:r>
           </a:p>
@@ -11608,12 +11713,12 @@
         <p:spPr>
           <a:xfrm>
             <a:off x="838200" y="1457471"/>
-            <a:ext cx="10451361" cy="4857382"/>
+            <a:ext cx="10905066" cy="5161606"/>
           </a:xfrm>
         </p:spPr>
         <p:txBody>
           <a:bodyPr>
-            <a:normAutofit fontScale="77500" lnSpcReduction="20000"/>
+            <a:normAutofit fontScale="40000" lnSpcReduction="20000"/>
           </a:bodyPr>
           <a:lstStyle/>
           <a:p>
@@ -11623,8 +11728,8 @@
               </a:lnSpc>
             </a:pPr>
             <a:r>
-              <a:rPr lang="en-US" dirty="0">
-                <a:latin typeface="+mj-lt"/>
+              <a:rPr lang="en-US" sz="4400" dirty="0">
+                <a:latin typeface="Century Gothic" panose="020B0502020202020204" pitchFamily="34" charset="0"/>
               </a:rPr>
               <a:t>Our main challenges revolved around the APIs we chose to use.  We had to learn how they were accessed, how they worked, and what their limitations were.  For the quotes API, we could only specify 10 ticker symbols at a time; for the history API we could only specify 1 ticker symbol at a time.  For both, we had to run Python 'for' loops to cycle through the varying list of ticker symbols that were trending.</a:t>
             </a:r>
@@ -11636,8 +11741,8 @@
               </a:lnSpc>
             </a:pPr>
             <a:r>
-              <a:rPr lang="en-US" dirty="0">
-                <a:latin typeface="+mj-lt"/>
+              <a:rPr lang="en-US" sz="4400" dirty="0">
+                <a:latin typeface="Century Gothic" panose="020B0502020202020204" pitchFamily="34" charset="0"/>
               </a:rPr>
               <a:t>For the open-source library, some ticker symbols were not returning any data and killing the 'for' loop.  'try/except' error handling had to be added to prevent the loop from ending prematurely.</a:t>
             </a:r>
@@ -11649,8 +11754,8 @@
               </a:lnSpc>
             </a:pPr>
             <a:r>
-              <a:rPr lang="en-US" dirty="0">
-                <a:latin typeface="+mj-lt"/>
+              <a:rPr lang="en-US" sz="4400" dirty="0">
+                <a:latin typeface="Century Gothic" panose="020B0502020202020204" pitchFamily="34" charset="0"/>
               </a:rPr>
               <a:t>Once the data was decoded into JSON, we had to figure out how to reach the data we sought which was sometimes multiple levels of dictionaries and lists deep.</a:t>
             </a:r>
@@ -11662,8 +11767,8 @@
               </a:lnSpc>
             </a:pPr>
             <a:r>
-              <a:rPr lang="en-US" dirty="0">
-                <a:latin typeface="+mj-lt"/>
+              <a:rPr lang="en-US" sz="4400" dirty="0">
+                <a:latin typeface="Century Gothic" panose="020B0502020202020204" pitchFamily="34" charset="0"/>
               </a:rPr>
               <a:t>Our PostgreSQL loading kept requiring us to update our table create SQL statements to compensate for mixed case column names and numeric columns that were not large enough.</a:t>
             </a:r>

--- a/diagrams/Stock Trends ETL Process.pptx
+++ b/diagrams/Stock Trends ETL Process.pptx
@@ -1067,7 +1067,9 @@
         <a:lstStyle/>
         <a:p>
           <a:r>
-            <a:rPr lang="en-US" dirty="0"/>
+            <a:rPr lang="en-US" dirty="0">
+              <a:latin typeface="Century Gothic" panose="020B0502020202020204" pitchFamily="34" charset="0"/>
+            </a:rPr>
             <a:t>Load</a:t>
           </a:r>
         </a:p>
@@ -2062,7 +2064,9 @@
             <a:buNone/>
           </a:pPr>
           <a:r>
-            <a:rPr lang="en-US" sz="2600" kern="1200" dirty="0"/>
+            <a:rPr lang="en-US" sz="2600" kern="1200" dirty="0">
+              <a:latin typeface="Century Gothic" panose="020B0502020202020204" pitchFamily="34" charset="0"/>
+            </a:rPr>
             <a:t>Load</a:t>
           </a:r>
         </a:p>
@@ -7568,7 +7572,7 @@
               <a:rPr lang="en-US" dirty="0">
                 <a:latin typeface="Century Gothic" panose="020B0502020202020204" pitchFamily="34" charset="0"/>
               </a:rPr>
-              <a:t>Further transform the extracted data in order analyze the data by answering the questions. </a:t>
+              <a:t>Further transform the extracted data in order to analyze the data and answer the imposed questions. </a:t>
             </a:r>
           </a:p>
           <a:p>
@@ -7576,7 +7580,7 @@
               <a:rPr lang="en-US" dirty="0">
                 <a:latin typeface="Century Gothic" panose="020B0502020202020204" pitchFamily="34" charset="0"/>
               </a:rPr>
-              <a:t>Create visualization to further analyze the data. </a:t>
+              <a:t>Create visualizations to further analyze the data. </a:t>
             </a:r>
           </a:p>
           <a:p>
@@ -8127,14 +8131,11 @@
           <a:lstStyle/>
           <a:p>
             <a:r>
-              <a:rPr lang="en-US" sz="3600" b="1">
+              <a:rPr lang="en-US" sz="3600" b="1" dirty="0">
                 <a:latin typeface="Century Gothic" panose="020B0502020202020204" pitchFamily="34" charset="0"/>
               </a:rPr>
               <a:t>Introduction</a:t>
             </a:r>
-            <a:endParaRPr lang="en-US" sz="3600" b="1" dirty="0">
-              <a:latin typeface="Century Gothic" panose="020B0502020202020204" pitchFamily="34" charset="0"/>
-            </a:endParaRPr>
           </a:p>
         </p:txBody>
       </p:sp>
@@ -8437,43 +8438,43 @@
               <a:buNone/>
             </a:pPr>
             <a:r>
-              <a:rPr lang="en-US" sz="9600">
+              <a:rPr lang="en-US" sz="9600" dirty="0">
                 <a:latin typeface="Century Gothic" panose="020B0502020202020204" pitchFamily="34" charset="0"/>
               </a:rPr>
               <a:t>Curious about stock trends? We, the "Sweet Stocks," will be </a:t>
             </a:r>
             <a:r>
-              <a:rPr lang="en-US" sz="9600" b="1">
+              <a:rPr lang="en-US" sz="9600" b="1" dirty="0">
                 <a:latin typeface="Century Gothic" panose="020B0502020202020204" pitchFamily="34" charset="0"/>
               </a:rPr>
               <a:t>Extracting</a:t>
             </a:r>
             <a:r>
-              <a:rPr lang="en-US" sz="9600">
+              <a:rPr lang="en-US" sz="9600" dirty="0">
                 <a:latin typeface="Century Gothic" panose="020B0502020202020204" pitchFamily="34" charset="0"/>
               </a:rPr>
               <a:t> data from a reputable source and will </a:t>
             </a:r>
             <a:r>
-              <a:rPr lang="en-US" sz="9600" b="1">
+              <a:rPr lang="en-US" sz="9600" b="1" dirty="0">
                 <a:latin typeface="Century Gothic" panose="020B0502020202020204" pitchFamily="34" charset="0"/>
               </a:rPr>
               <a:t>Transform</a:t>
             </a:r>
             <a:r>
-              <a:rPr lang="en-US" sz="9600">
+              <a:rPr lang="en-US" sz="9600" dirty="0">
                 <a:latin typeface="Century Gothic" panose="020B0502020202020204" pitchFamily="34" charset="0"/>
               </a:rPr>
               <a:t> the data as best possible to </a:t>
             </a:r>
             <a:r>
-              <a:rPr lang="en-US" sz="9600" b="1">
+              <a:rPr lang="en-US" sz="9600" b="1" dirty="0">
                 <a:latin typeface="Century Gothic" panose="020B0502020202020204" pitchFamily="34" charset="0"/>
               </a:rPr>
               <a:t>Load</a:t>
             </a:r>
             <a:r>
-              <a:rPr lang="en-US" sz="9600">
+              <a:rPr lang="en-US" sz="9600" dirty="0">
                 <a:latin typeface="Century Gothic" panose="020B0502020202020204" pitchFamily="34" charset="0"/>
               </a:rPr>
               <a:t> structured data that will show specific stock trends. </a:t>
@@ -8486,7 +8487,7 @@
               </a:lnSpc>
               <a:buNone/>
             </a:pPr>
-            <a:endParaRPr lang="en-US" sz="9600">
+            <a:endParaRPr lang="en-US" sz="9600" dirty="0">
               <a:latin typeface="Century Gothic" panose="020B0502020202020204" pitchFamily="34" charset="0"/>
             </a:endParaRPr>
           </a:p>
@@ -8498,7 +8499,7 @@
               <a:buNone/>
             </a:pPr>
             <a:r>
-              <a:rPr lang="en-US" sz="9600">
+              <a:rPr lang="en-US" sz="9600" dirty="0">
                 <a:latin typeface="Century Gothic" panose="020B0502020202020204" pitchFamily="34" charset="0"/>
               </a:rPr>
               <a:t>As a way to guide our efforts, we've asked the following questions:</a:t>
@@ -8511,7 +8512,7 @@
               </a:lnSpc>
             </a:pPr>
             <a:r>
-              <a:rPr lang="en-US" sz="9600">
+              <a:rPr lang="en-US" sz="9600" dirty="0">
                 <a:latin typeface="Century Gothic" panose="020B0502020202020204" pitchFamily="34" charset="0"/>
               </a:rPr>
               <a:t>What are the stocks of most interest per specified regions?</a:t>
@@ -8524,7 +8525,7 @@
               </a:lnSpc>
             </a:pPr>
             <a:r>
-              <a:rPr lang="en-US" sz="9600">
+              <a:rPr lang="en-US" sz="9600" dirty="0">
                 <a:latin typeface="Century Gothic" panose="020B0502020202020204" pitchFamily="34" charset="0"/>
               </a:rPr>
               <a:t>Are trending stocks the most volatile stocks in the specified regions? Compare the 20 trending stocks vs. SYP (symbol tracks S&amp;P 500 - tracks top 500 companies in the U.S.)</a:t>
@@ -8537,7 +8538,7 @@
               </a:lnSpc>
             </a:pPr>
             <a:r>
-              <a:rPr lang="en-US" sz="9600">
+              <a:rPr lang="en-US" sz="9600" dirty="0">
                 <a:latin typeface="Century Gothic" panose="020B0502020202020204" pitchFamily="34" charset="0"/>
               </a:rPr>
               <a:t>Among the 20 trending stocks, what is the average gain or loss "pre-covid" vs. "during covid"? ("Pre-covid Period" - March 2019 to March 2020 vs. "During Covid Period " – March 2020 to March 2021)</a:t>
@@ -9458,7 +9459,7 @@
             <p:ph idx="1"/>
             <p:extLst>
               <p:ext uri="{D42A27DB-BD31-4B8C-83A1-F6EECF244321}">
-                <p14:modId xmlns:p14="http://schemas.microsoft.com/office/powerpoint/2010/main" val="3132243609"/>
+                <p14:modId xmlns:p14="http://schemas.microsoft.com/office/powerpoint/2010/main" val="3235206716"/>
               </p:ext>
             </p:extLst>
           </p:nvPr>
@@ -10795,7 +10796,9 @@
           </a:lstStyle>
           <a:p>
             <a:r>
-              <a:rPr lang="en-US" b="1" dirty="0"/>
+              <a:rPr lang="en-US" b="1" dirty="0">
+                <a:latin typeface="Century Gothic" panose="020B0502020202020204" pitchFamily="34" charset="0"/>
+              </a:rPr>
               <a:t>PostgreSQL Tables</a:t>
             </a:r>
           </a:p>
@@ -10825,8 +10828,8 @@
         </p:blipFill>
         <p:spPr>
           <a:xfrm>
-            <a:off x="5733080" y="447478"/>
-            <a:ext cx="1616921" cy="5963043"/>
+            <a:off x="6588487" y="304236"/>
+            <a:ext cx="1818094" cy="6249528"/>
           </a:xfrm>
         </p:spPr>
       </p:pic>
